--- a/MEPD/mepd_metzdorff_questions_Template.pptx
+++ b/MEPD/mepd_metzdorff_questions_Template.pptx
@@ -5,13 +5,17 @@
     <p:sldMasterId id="2147483660" r:id="rId1"/>
   </p:sldMasterIdLst>
   <p:notesMasterIdLst>
-    <p:notesMasterId r:id="rId3"/>
+    <p:notesMasterId r:id="rId7"/>
   </p:notesMasterIdLst>
   <p:handoutMasterIdLst>
-    <p:handoutMasterId r:id="rId4"/>
+    <p:handoutMasterId r:id="rId8"/>
   </p:handoutMasterIdLst>
   <p:sldIdLst>
     <p:sldId id="492" r:id="rId2"/>
+    <p:sldId id="493" r:id="rId3"/>
+    <p:sldId id="494" r:id="rId4"/>
+    <p:sldId id="496" r:id="rId5"/>
+    <p:sldId id="497" r:id="rId6"/>
   </p:sldIdLst>
   <p:sldSz cx="9144000" cy="6858000" type="screen4x3"/>
   <p:notesSz cx="6788150" cy="9923463"/>
@@ -212,7 +216,7 @@
           <a:p>
             <a:fld id="{F39B23CC-0C83-4EAE-9D0D-7BCD04C81E08}" type="datetimeFigureOut">
               <a:rPr lang="fr-FR" smtClean="0"/>
-              <a:t>27/05/2020</a:t>
+              <a:t>02/06/2020</a:t>
             </a:fld>
             <a:endParaRPr lang="fr-FR" dirty="0"/>
           </a:p>
@@ -378,7 +382,7 @@
           <a:p>
             <a:fld id="{D530F9BB-4595-4A28-9A84-34ECAB7BD846}" type="datetimeFigureOut">
               <a:rPr lang="fr-FR" smtClean="0"/>
-              <a:t>27/05/2020</a:t>
+              <a:t>02/06/2020</a:t>
             </a:fld>
             <a:endParaRPr lang="fr-FR" dirty="0"/>
           </a:p>
@@ -731,6 +735,342 @@
 </p:notes>
 </file>
 
+<file path=ppt/notesSlides/notesSlide2.xml><?xml version="1.0" encoding="utf-8"?>
+<p:notes xmlns:a="http://schemas.openxmlformats.org/drawingml/2006/main" xmlns:r="http://schemas.openxmlformats.org/officeDocument/2006/relationships" xmlns:p="http://schemas.openxmlformats.org/presentationml/2006/main">
+  <p:cSld>
+    <p:spTree>
+      <p:nvGrpSpPr>
+        <p:cNvPr id="1" name=""/>
+        <p:cNvGrpSpPr/>
+        <p:nvPr/>
+      </p:nvGrpSpPr>
+      <p:grpSpPr>
+        <a:xfrm>
+          <a:off x="0" y="0"/>
+          <a:ext cx="0" cy="0"/>
+          <a:chOff x="0" y="0"/>
+          <a:chExt cx="0" cy="0"/>
+        </a:xfrm>
+      </p:grpSpPr>
+      <p:sp>
+        <p:nvSpPr>
+          <p:cNvPr id="2" name="Espace réservé de l'image des diapositives 1"/>
+          <p:cNvSpPr>
+            <a:spLocks noGrp="1" noRot="1" noChangeAspect="1"/>
+          </p:cNvSpPr>
+          <p:nvPr>
+            <p:ph type="sldImg"/>
+          </p:nvPr>
+        </p:nvSpPr>
+        <p:spPr/>
+      </p:sp>
+      <p:sp>
+        <p:nvSpPr>
+          <p:cNvPr id="3" name="Espace réservé des commentaires 2"/>
+          <p:cNvSpPr>
+            <a:spLocks noGrp="1"/>
+          </p:cNvSpPr>
+          <p:nvPr>
+            <p:ph type="body" idx="1"/>
+          </p:nvPr>
+        </p:nvSpPr>
+        <p:spPr/>
+        <p:txBody>
+          <a:bodyPr/>
+          <a:lstStyle/>
+          <a:p>
+            <a:endParaRPr lang="fr-FR" dirty="0" smtClean="0"/>
+          </a:p>
+        </p:txBody>
+      </p:sp>
+      <p:sp>
+        <p:nvSpPr>
+          <p:cNvPr id="4" name="Espace réservé du numéro de diapositive 3"/>
+          <p:cNvSpPr>
+            <a:spLocks noGrp="1"/>
+          </p:cNvSpPr>
+          <p:nvPr>
+            <p:ph type="sldNum" sz="quarter" idx="10"/>
+          </p:nvPr>
+        </p:nvSpPr>
+        <p:spPr/>
+        <p:txBody>
+          <a:bodyPr/>
+          <a:lstStyle/>
+          <a:p>
+            <a:fld id="{B24520FB-8F37-4AF1-8D15-1B7BC67C60AC}" type="slidenum">
+              <a:rPr lang="fr-FR" smtClean="0"/>
+              <a:t>2</a:t>
+            </a:fld>
+            <a:endParaRPr lang="fr-FR"/>
+          </a:p>
+        </p:txBody>
+      </p:sp>
+    </p:spTree>
+    <p:extLst>
+      <p:ext uri="{BB962C8B-B14F-4D97-AF65-F5344CB8AC3E}">
+        <p14:creationId xmlns:p14="http://schemas.microsoft.com/office/powerpoint/2010/main" val="3538225048"/>
+      </p:ext>
+    </p:extLst>
+  </p:cSld>
+  <p:clrMapOvr>
+    <a:masterClrMapping/>
+  </p:clrMapOvr>
+</p:notes>
+</file>
+
+<file path=ppt/notesSlides/notesSlide3.xml><?xml version="1.0" encoding="utf-8"?>
+<p:notes xmlns:a="http://schemas.openxmlformats.org/drawingml/2006/main" xmlns:r="http://schemas.openxmlformats.org/officeDocument/2006/relationships" xmlns:p="http://schemas.openxmlformats.org/presentationml/2006/main">
+  <p:cSld>
+    <p:spTree>
+      <p:nvGrpSpPr>
+        <p:cNvPr id="1" name=""/>
+        <p:cNvGrpSpPr/>
+        <p:nvPr/>
+      </p:nvGrpSpPr>
+      <p:grpSpPr>
+        <a:xfrm>
+          <a:off x="0" y="0"/>
+          <a:ext cx="0" cy="0"/>
+          <a:chOff x="0" y="0"/>
+          <a:chExt cx="0" cy="0"/>
+        </a:xfrm>
+      </p:grpSpPr>
+      <p:sp>
+        <p:nvSpPr>
+          <p:cNvPr id="2" name="Espace réservé de l'image des diapositives 1"/>
+          <p:cNvSpPr>
+            <a:spLocks noGrp="1" noRot="1" noChangeAspect="1"/>
+          </p:cNvSpPr>
+          <p:nvPr>
+            <p:ph type="sldImg"/>
+          </p:nvPr>
+        </p:nvSpPr>
+        <p:spPr/>
+      </p:sp>
+      <p:sp>
+        <p:nvSpPr>
+          <p:cNvPr id="3" name="Espace réservé des commentaires 2"/>
+          <p:cNvSpPr>
+            <a:spLocks noGrp="1"/>
+          </p:cNvSpPr>
+          <p:nvPr>
+            <p:ph type="body" idx="1"/>
+          </p:nvPr>
+        </p:nvSpPr>
+        <p:spPr/>
+        <p:txBody>
+          <a:bodyPr/>
+          <a:lstStyle/>
+          <a:p>
+            <a:endParaRPr lang="fr-FR" dirty="0" smtClean="0"/>
+          </a:p>
+        </p:txBody>
+      </p:sp>
+      <p:sp>
+        <p:nvSpPr>
+          <p:cNvPr id="4" name="Espace réservé du numéro de diapositive 3"/>
+          <p:cNvSpPr>
+            <a:spLocks noGrp="1"/>
+          </p:cNvSpPr>
+          <p:nvPr>
+            <p:ph type="sldNum" sz="quarter" idx="10"/>
+          </p:nvPr>
+        </p:nvSpPr>
+        <p:spPr/>
+        <p:txBody>
+          <a:bodyPr/>
+          <a:lstStyle/>
+          <a:p>
+            <a:fld id="{B24520FB-8F37-4AF1-8D15-1B7BC67C60AC}" type="slidenum">
+              <a:rPr lang="fr-FR" smtClean="0"/>
+              <a:t>3</a:t>
+            </a:fld>
+            <a:endParaRPr lang="fr-FR"/>
+          </a:p>
+        </p:txBody>
+      </p:sp>
+    </p:spTree>
+    <p:extLst>
+      <p:ext uri="{BB962C8B-B14F-4D97-AF65-F5344CB8AC3E}">
+        <p14:creationId xmlns:p14="http://schemas.microsoft.com/office/powerpoint/2010/main" val="448638452"/>
+      </p:ext>
+    </p:extLst>
+  </p:cSld>
+  <p:clrMapOvr>
+    <a:masterClrMapping/>
+  </p:clrMapOvr>
+</p:notes>
+</file>
+
+<file path=ppt/notesSlides/notesSlide4.xml><?xml version="1.0" encoding="utf-8"?>
+<p:notes xmlns:a="http://schemas.openxmlformats.org/drawingml/2006/main" xmlns:r="http://schemas.openxmlformats.org/officeDocument/2006/relationships" xmlns:p="http://schemas.openxmlformats.org/presentationml/2006/main">
+  <p:cSld>
+    <p:spTree>
+      <p:nvGrpSpPr>
+        <p:cNvPr id="1" name=""/>
+        <p:cNvGrpSpPr/>
+        <p:nvPr/>
+      </p:nvGrpSpPr>
+      <p:grpSpPr>
+        <a:xfrm>
+          <a:off x="0" y="0"/>
+          <a:ext cx="0" cy="0"/>
+          <a:chOff x="0" y="0"/>
+          <a:chExt cx="0" cy="0"/>
+        </a:xfrm>
+      </p:grpSpPr>
+      <p:sp>
+        <p:nvSpPr>
+          <p:cNvPr id="2" name="Espace réservé de l'image des diapositives 1"/>
+          <p:cNvSpPr>
+            <a:spLocks noGrp="1" noRot="1" noChangeAspect="1"/>
+          </p:cNvSpPr>
+          <p:nvPr>
+            <p:ph type="sldImg"/>
+          </p:nvPr>
+        </p:nvSpPr>
+        <p:spPr/>
+      </p:sp>
+      <p:sp>
+        <p:nvSpPr>
+          <p:cNvPr id="3" name="Espace réservé des commentaires 2"/>
+          <p:cNvSpPr>
+            <a:spLocks noGrp="1"/>
+          </p:cNvSpPr>
+          <p:nvPr>
+            <p:ph type="body" idx="1"/>
+          </p:nvPr>
+        </p:nvSpPr>
+        <p:spPr/>
+        <p:txBody>
+          <a:bodyPr/>
+          <a:lstStyle/>
+          <a:p>
+            <a:endParaRPr lang="fr-FR" dirty="0" smtClean="0"/>
+          </a:p>
+        </p:txBody>
+      </p:sp>
+      <p:sp>
+        <p:nvSpPr>
+          <p:cNvPr id="4" name="Espace réservé du numéro de diapositive 3"/>
+          <p:cNvSpPr>
+            <a:spLocks noGrp="1"/>
+          </p:cNvSpPr>
+          <p:nvPr>
+            <p:ph type="sldNum" sz="quarter" idx="10"/>
+          </p:nvPr>
+        </p:nvSpPr>
+        <p:spPr/>
+        <p:txBody>
+          <a:bodyPr/>
+          <a:lstStyle/>
+          <a:p>
+            <a:fld id="{B24520FB-8F37-4AF1-8D15-1B7BC67C60AC}" type="slidenum">
+              <a:rPr lang="fr-FR" smtClean="0"/>
+              <a:t>4</a:t>
+            </a:fld>
+            <a:endParaRPr lang="fr-FR"/>
+          </a:p>
+        </p:txBody>
+      </p:sp>
+    </p:spTree>
+    <p:extLst>
+      <p:ext uri="{BB962C8B-B14F-4D97-AF65-F5344CB8AC3E}">
+        <p14:creationId xmlns:p14="http://schemas.microsoft.com/office/powerpoint/2010/main" val="1175297150"/>
+      </p:ext>
+    </p:extLst>
+  </p:cSld>
+  <p:clrMapOvr>
+    <a:masterClrMapping/>
+  </p:clrMapOvr>
+</p:notes>
+</file>
+
+<file path=ppt/notesSlides/notesSlide5.xml><?xml version="1.0" encoding="utf-8"?>
+<p:notes xmlns:a="http://schemas.openxmlformats.org/drawingml/2006/main" xmlns:r="http://schemas.openxmlformats.org/officeDocument/2006/relationships" xmlns:p="http://schemas.openxmlformats.org/presentationml/2006/main">
+  <p:cSld>
+    <p:spTree>
+      <p:nvGrpSpPr>
+        <p:cNvPr id="1" name=""/>
+        <p:cNvGrpSpPr/>
+        <p:nvPr/>
+      </p:nvGrpSpPr>
+      <p:grpSpPr>
+        <a:xfrm>
+          <a:off x="0" y="0"/>
+          <a:ext cx="0" cy="0"/>
+          <a:chOff x="0" y="0"/>
+          <a:chExt cx="0" cy="0"/>
+        </a:xfrm>
+      </p:grpSpPr>
+      <p:sp>
+        <p:nvSpPr>
+          <p:cNvPr id="2" name="Espace réservé de l'image des diapositives 1"/>
+          <p:cNvSpPr>
+            <a:spLocks noGrp="1" noRot="1" noChangeAspect="1"/>
+          </p:cNvSpPr>
+          <p:nvPr>
+            <p:ph type="sldImg"/>
+          </p:nvPr>
+        </p:nvSpPr>
+        <p:spPr/>
+      </p:sp>
+      <p:sp>
+        <p:nvSpPr>
+          <p:cNvPr id="3" name="Espace réservé des commentaires 2"/>
+          <p:cNvSpPr>
+            <a:spLocks noGrp="1"/>
+          </p:cNvSpPr>
+          <p:nvPr>
+            <p:ph type="body" idx="1"/>
+          </p:nvPr>
+        </p:nvSpPr>
+        <p:spPr/>
+        <p:txBody>
+          <a:bodyPr/>
+          <a:lstStyle/>
+          <a:p>
+            <a:endParaRPr lang="fr-FR" dirty="0" smtClean="0"/>
+          </a:p>
+        </p:txBody>
+      </p:sp>
+      <p:sp>
+        <p:nvSpPr>
+          <p:cNvPr id="4" name="Espace réservé du numéro de diapositive 3"/>
+          <p:cNvSpPr>
+            <a:spLocks noGrp="1"/>
+          </p:cNvSpPr>
+          <p:nvPr>
+            <p:ph type="sldNum" sz="quarter" idx="10"/>
+          </p:nvPr>
+        </p:nvSpPr>
+        <p:spPr/>
+        <p:txBody>
+          <a:bodyPr/>
+          <a:lstStyle/>
+          <a:p>
+            <a:fld id="{B24520FB-8F37-4AF1-8D15-1B7BC67C60AC}" type="slidenum">
+              <a:rPr lang="fr-FR" smtClean="0"/>
+              <a:t>5</a:t>
+            </a:fld>
+            <a:endParaRPr lang="fr-FR"/>
+          </a:p>
+        </p:txBody>
+      </p:sp>
+    </p:spTree>
+    <p:extLst>
+      <p:ext uri="{BB962C8B-B14F-4D97-AF65-F5344CB8AC3E}">
+        <p14:creationId xmlns:p14="http://schemas.microsoft.com/office/powerpoint/2010/main" val="474815459"/>
+      </p:ext>
+    </p:extLst>
+  </p:cSld>
+  <p:clrMapOvr>
+    <a:masterClrMapping/>
+  </p:clrMapOvr>
+</p:notes>
+</file>
+
 <file path=ppt/slideLayouts/slideLayout1.xml><?xml version="1.0" encoding="utf-8"?>
 <p:sldLayout xmlns:a="http://schemas.openxmlformats.org/drawingml/2006/main" xmlns:r="http://schemas.openxmlformats.org/officeDocument/2006/relationships" xmlns:p="http://schemas.openxmlformats.org/presentationml/2006/main" type="title" preserve="1">
   <p:cSld name="Diapositive de titre">
@@ -862,7 +1202,7 @@
           <a:p>
             <a:fld id="{61A321F7-E1B7-4BB0-9E46-D85020889882}" type="datetime1">
               <a:rPr lang="fr-FR" smtClean="0"/>
-              <a:t>27/05/2020</a:t>
+              <a:t>02/06/2020</a:t>
             </a:fld>
             <a:endParaRPr lang="fr-FR" dirty="0"/>
           </a:p>
@@ -1040,7 +1380,7 @@
           <a:p>
             <a:fld id="{EB27EA09-E793-47BC-B427-5ADC50B952D3}" type="datetime1">
               <a:rPr lang="fr-FR" smtClean="0"/>
-              <a:t>27/05/2020</a:t>
+              <a:t>02/06/2020</a:t>
             </a:fld>
             <a:endParaRPr lang="fr-FR" dirty="0"/>
           </a:p>
@@ -1228,7 +1568,7 @@
           <a:p>
             <a:fld id="{5ED36942-48AA-4BD6-90AA-2E3DBC437B4E}" type="datetime1">
               <a:rPr lang="fr-FR" smtClean="0"/>
-              <a:t>27/05/2020</a:t>
+              <a:t>02/06/2020</a:t>
             </a:fld>
             <a:endParaRPr lang="fr-FR" dirty="0"/>
           </a:p>
@@ -1406,7 +1746,7 @@
           <a:p>
             <a:fld id="{555F6EF8-7D11-4226-A98B-02790DAC163A}" type="datetime1">
               <a:rPr lang="fr-FR" smtClean="0"/>
-              <a:t>27/05/2020</a:t>
+              <a:t>02/06/2020</a:t>
             </a:fld>
             <a:endParaRPr lang="fr-FR" dirty="0"/>
           </a:p>
@@ -1658,7 +1998,7 @@
           <a:p>
             <a:fld id="{1120D0E7-6327-404D-ADF6-907FA106B1F6}" type="datetime1">
               <a:rPr lang="fr-FR" smtClean="0"/>
-              <a:t>27/05/2020</a:t>
+              <a:t>02/06/2020</a:t>
             </a:fld>
             <a:endParaRPr lang="fr-FR" dirty="0"/>
           </a:p>
@@ -1898,7 +2238,7 @@
           <a:p>
             <a:fld id="{C372E06E-7DC2-4E3C-99C4-0BAD334CDF68}" type="datetime1">
               <a:rPr lang="fr-FR" smtClean="0"/>
-              <a:t>27/05/2020</a:t>
+              <a:t>02/06/2020</a:t>
             </a:fld>
             <a:endParaRPr lang="fr-FR" dirty="0"/>
           </a:p>
@@ -2273,7 +2613,7 @@
           <a:p>
             <a:fld id="{DE7F44DF-91D6-449D-B1B2-294AA165FB73}" type="datetime1">
               <a:rPr lang="fr-FR" smtClean="0"/>
-              <a:t>27/05/2020</a:t>
+              <a:t>02/06/2020</a:t>
             </a:fld>
             <a:endParaRPr lang="fr-FR" dirty="0"/>
           </a:p>
@@ -2399,7 +2739,7 @@
           <a:p>
             <a:fld id="{12F1DE45-DA2D-4F35-8DCA-DAE2BC9D6DC7}" type="datetime1">
               <a:rPr lang="fr-FR" smtClean="0"/>
-              <a:t>27/05/2020</a:t>
+              <a:t>02/06/2020</a:t>
             </a:fld>
             <a:endParaRPr lang="fr-FR" dirty="0"/>
           </a:p>
@@ -2502,7 +2842,7 @@
           <a:p>
             <a:fld id="{E98EA6C7-2E81-4B6E-939C-7443D51C7C46}" type="datetime1">
               <a:rPr lang="fr-FR" smtClean="0"/>
-              <a:t>27/05/2020</a:t>
+              <a:t>02/06/2020</a:t>
             </a:fld>
             <a:endParaRPr lang="fr-FR" dirty="0"/>
           </a:p>
@@ -2787,7 +3127,7 @@
           <a:p>
             <a:fld id="{A9F3EF79-C549-4B46-9CCA-3D38E5883449}" type="datetime1">
               <a:rPr lang="fr-FR" smtClean="0"/>
-              <a:t>27/05/2020</a:t>
+              <a:t>02/06/2020</a:t>
             </a:fld>
             <a:endParaRPr lang="fr-FR" dirty="0"/>
           </a:p>
@@ -3052,7 +3392,7 @@
           <a:p>
             <a:fld id="{D127872F-36CB-4994-B8E6-421A4C0E82AB}" type="datetime1">
               <a:rPr lang="fr-FR" smtClean="0"/>
-              <a:t>27/05/2020</a:t>
+              <a:t>02/06/2020</a:t>
             </a:fld>
             <a:endParaRPr lang="fr-FR" dirty="0"/>
           </a:p>
@@ -3273,7 +3613,7 @@
           <a:p>
             <a:fld id="{CABA4878-9A39-4D07-960B-2D94036A160B}" type="datetime1">
               <a:rPr lang="fr-FR" smtClean="0"/>
-              <a:t>27/05/2020</a:t>
+              <a:t>02/06/2020</a:t>
             </a:fld>
             <a:endParaRPr lang="fr-FR" dirty="0"/>
           </a:p>
@@ -3716,7 +4056,7 @@
                   <a:schemeClr val="accent6"/>
                 </a:solidFill>
               </a:rPr>
-              <a:t>Réalisation expérimentale d’un asservissement en CPGE</a:t>
+              <a:t>La pression de radiation sans la notion de photon</a:t>
             </a:r>
             <a:endParaRPr lang="fr-FR" altLang="fr-FR" sz="2000" b="1" dirty="0">
               <a:solidFill>
@@ -3734,8 +4074,8 @@
         </p:nvSpPr>
         <p:spPr>
           <a:xfrm>
-            <a:off x="228600" y="1401239"/>
-            <a:ext cx="8686800" cy="4247317"/>
+            <a:off x="228600" y="892175"/>
+            <a:ext cx="8686800" cy="5078313"/>
           </a:xfrm>
           <a:prstGeom prst="rect">
             <a:avLst/>
@@ -3783,9 +4123,78 @@
                   <a:schemeClr val="accent1"/>
                 </a:solidFill>
               </a:rPr>
-              <a:t>En deuxième année, en classe de PSI</a:t>
+              <a:t>En deuxième année, en classe de </a:t>
             </a:r>
+            <a:r>
+              <a:rPr lang="fr-FR" dirty="0" smtClean="0">
+                <a:solidFill>
+                  <a:schemeClr val="accent1"/>
+                </a:solidFill>
+              </a:rPr>
+              <a:t>PC</a:t>
+            </a:r>
+          </a:p>
+          <a:p>
+            <a:pPr marL="742950" lvl="1" indent="-285750">
+              <a:buFont typeface="Arial" panose="020B0604020202020204" pitchFamily="34" charset="0"/>
+              <a:buChar char="•"/>
+            </a:pPr>
+            <a:endParaRPr lang="fr-FR" b="1" dirty="0">
+              <a:solidFill>
+                <a:schemeClr val="accent1"/>
+              </a:solidFill>
+            </a:endParaRPr>
+          </a:p>
+          <a:p>
+            <a:pPr marL="742950" lvl="1" indent="-285750">
+              <a:buFont typeface="Arial" panose="020B0604020202020204" pitchFamily="34" charset="0"/>
+              <a:buChar char="•"/>
+            </a:pPr>
             <a:endParaRPr lang="fr-FR" b="1" dirty="0" smtClean="0">
+              <a:solidFill>
+                <a:schemeClr val="accent1"/>
+              </a:solidFill>
+            </a:endParaRPr>
+          </a:p>
+          <a:p>
+            <a:pPr marL="285750" indent="-285750">
+              <a:buFont typeface="Arial" panose="020B0604020202020204" pitchFamily="34" charset="0"/>
+              <a:buChar char="•"/>
+            </a:pPr>
+            <a:endParaRPr lang="fr-FR" dirty="0" smtClean="0">
+              <a:solidFill>
+                <a:schemeClr val="accent1"/>
+              </a:solidFill>
+            </a:endParaRPr>
+          </a:p>
+          <a:p>
+            <a:pPr marL="285750" indent="-285750">
+              <a:buFont typeface="Arial" panose="020B0604020202020204" pitchFamily="34" charset="0"/>
+              <a:buChar char="•"/>
+            </a:pPr>
+            <a:r>
+              <a:rPr lang="fr-FR" b="1" dirty="0" err="1" smtClean="0">
+                <a:solidFill>
+                  <a:schemeClr val="accent2"/>
+                </a:solidFill>
+              </a:rPr>
+              <a:t>Pré-requis</a:t>
+            </a:r>
+            <a:r>
+              <a:rPr lang="fr-FR" b="1" dirty="0" smtClean="0">
+                <a:solidFill>
+                  <a:schemeClr val="accent2"/>
+                </a:solidFill>
+              </a:rPr>
+              <a:t> :</a:t>
+            </a:r>
+          </a:p>
+          <a:p>
+            <a:pPr marL="742950" lvl="1" indent="-285750">
+              <a:buFont typeface="Arial" panose="020B0604020202020204" pitchFamily="34" charset="0"/>
+              <a:buChar char="•"/>
+            </a:pPr>
+            <a:endParaRPr lang="fr-FR" dirty="0">
               <a:solidFill>
                 <a:schemeClr val="accent1"/>
               </a:solidFill>
@@ -3802,7 +4211,7 @@
                   <a:schemeClr val="accent1"/>
                 </a:solidFill>
               </a:rPr>
-              <a:t>Amplificateur linéaire intégrés</a:t>
+              <a:t>Équations de Maxwell</a:t>
             </a:r>
           </a:p>
           <a:p>
@@ -3816,8 +4225,21 @@
                   <a:schemeClr val="accent1"/>
                 </a:solidFill>
               </a:rPr>
-              <a:t>Fonction de transfert</a:t>
+              <a:t>Vecteur de </a:t>
             </a:r>
+            <a:r>
+              <a:rPr lang="fr-FR" dirty="0" err="1" smtClean="0">
+                <a:solidFill>
+                  <a:schemeClr val="accent1"/>
+                </a:solidFill>
+              </a:rPr>
+              <a:t>Poynting</a:t>
+            </a:r>
+            <a:endParaRPr lang="fr-FR" dirty="0" smtClean="0">
+              <a:solidFill>
+                <a:schemeClr val="accent1"/>
+              </a:solidFill>
+            </a:endParaRPr>
           </a:p>
           <a:p>
             <a:pPr marL="742950" lvl="1" indent="-285750">
@@ -3830,7 +4252,7 @@
                   <a:schemeClr val="accent1"/>
                 </a:solidFill>
               </a:rPr>
-              <a:t>Filtrage linéaire</a:t>
+              <a:t>Effet de peau</a:t>
             </a:r>
           </a:p>
           <a:p>
@@ -3838,38 +4260,14 @@
               <a:buFont typeface="Arial" panose="020B0604020202020204" pitchFamily="34" charset="0"/>
               <a:buChar char="•"/>
             </a:pPr>
-            <a:r>
-              <a:rPr lang="fr-FR" dirty="0" smtClean="0">
-                <a:solidFill>
-                  <a:schemeClr val="accent1"/>
-                </a:solidFill>
-              </a:rPr>
-              <a:t>Electronique numérique</a:t>
-            </a:r>
-          </a:p>
-          <a:p>
-            <a:pPr marL="742950" lvl="1" indent="-285750">
-              <a:buFont typeface="Arial" panose="020B0604020202020204" pitchFamily="34" charset="0"/>
-              <a:buChar char="•"/>
-            </a:pPr>
-            <a:r>
-              <a:rPr lang="fr-FR" dirty="0" smtClean="0">
-                <a:solidFill>
-                  <a:schemeClr val="accent1"/>
-                </a:solidFill>
-              </a:rPr>
-              <a:t>Conversion électronique de puissance</a:t>
-            </a:r>
-          </a:p>
-          <a:p>
-            <a:endParaRPr lang="fr-FR" dirty="0" smtClean="0">
+            <a:endParaRPr lang="fr-FR" dirty="0">
               <a:solidFill>
                 <a:schemeClr val="accent1"/>
               </a:solidFill>
             </a:endParaRPr>
           </a:p>
           <a:p>
-            <a:pPr marL="285750" indent="-285750">
+            <a:pPr marL="742950" lvl="1" indent="-285750">
               <a:buFont typeface="Arial" panose="020B0604020202020204" pitchFamily="34" charset="0"/>
               <a:buChar char="•"/>
             </a:pPr>
@@ -3912,8 +4310,13 @@
                   <a:schemeClr val="accent2"/>
                 </a:solidFill>
               </a:rPr>
-              <a:t>Fil conducteur :</a:t>
+              <a:t>Objectif :</a:t>
             </a:r>
+            <a:endParaRPr lang="fr-FR" b="1" dirty="0" smtClean="0">
+              <a:solidFill>
+                <a:schemeClr val="accent2"/>
+              </a:solidFill>
+            </a:endParaRPr>
           </a:p>
           <a:p>
             <a:pPr marL="285750" indent="-285750">
@@ -3937,7 +4340,15 @@
                   <a:schemeClr val="accent1"/>
                 </a:solidFill>
               </a:rPr>
-              <a:t>Stabiliser un système complexe : l’interféromètre de Michelson</a:t>
+              <a:t>Décrire la pressio</a:t>
+            </a:r>
+            <a:r>
+              <a:rPr lang="fr-FR" b="1" dirty="0" smtClean="0">
+                <a:solidFill>
+                  <a:schemeClr val="accent1"/>
+                </a:solidFill>
+              </a:rPr>
+              <a:t>n de radiation à partir d’une approche ondulatoire</a:t>
             </a:r>
             <a:endParaRPr lang="fr-FR" b="1" dirty="0">
               <a:solidFill>
@@ -4114,9 +4525,5683 @@
   <p:clrMapOvr>
     <a:masterClrMapping/>
   </p:clrMapOvr>
+  <mc:AlternateContent xmlns:mc="http://schemas.openxmlformats.org/markup-compatibility/2006" xmlns:p14="http://schemas.microsoft.com/office/powerpoint/2010/main">
+    <mc:Choice Requires="p14">
+      <p:transition p14:dur="0"/>
+    </mc:Choice>
+    <mc:Fallback xmlns="">
+      <p:transition/>
+    </mc:Fallback>
+  </mc:AlternateContent>
+  <p:timing>
+    <p:tnLst>
+      <p:par>
+        <p:cTn id="1" dur="indefinite" restart="never" nodeType="tmRoot"/>
+      </p:par>
+    </p:tnLst>
+  </p:timing>
+</p:sld>
+</file>
+
+<file path=ppt/slides/slide2.xml><?xml version="1.0" encoding="utf-8"?>
+<p:sld xmlns:a="http://schemas.openxmlformats.org/drawingml/2006/main" xmlns:r="http://schemas.openxmlformats.org/officeDocument/2006/relationships" xmlns:p="http://schemas.openxmlformats.org/presentationml/2006/main">
+  <p:cSld>
+    <p:spTree>
+      <p:nvGrpSpPr>
+        <p:cNvPr id="1" name=""/>
+        <p:cNvGrpSpPr/>
+        <p:nvPr/>
+      </p:nvGrpSpPr>
+      <p:grpSpPr>
+        <a:xfrm>
+          <a:off x="0" y="0"/>
+          <a:ext cx="0" cy="0"/>
+          <a:chOff x="0" y="0"/>
+          <a:chExt cx="0" cy="0"/>
+        </a:xfrm>
+      </p:grpSpPr>
+      <p:sp>
+        <p:nvSpPr>
+          <p:cNvPr id="8" name="Rectangle 11"/>
+          <p:cNvSpPr>
+            <a:spLocks noGrp="1" noChangeArrowheads="1"/>
+          </p:cNvSpPr>
+          <p:nvPr>
+            <p:ph type="title"/>
+          </p:nvPr>
+        </p:nvSpPr>
+        <p:spPr>
+          <a:xfrm>
+            <a:off x="228600" y="76200"/>
+            <a:ext cx="8686800" cy="381000"/>
+          </a:xfrm>
+          <a:noFill/>
+          <a:ln/>
+        </p:spPr>
+        <p:txBody>
+          <a:bodyPr/>
+          <a:lstStyle/>
+          <a:p>
+            <a:pPr algn="l"/>
+            <a:r>
+              <a:rPr lang="fr-FR" altLang="fr-FR" sz="2000" b="1" dirty="0" smtClean="0">
+                <a:solidFill>
+                  <a:schemeClr val="accent6"/>
+                </a:solidFill>
+              </a:rPr>
+              <a:t>La pression de radiation sans la notion de photon</a:t>
+            </a:r>
+            <a:endParaRPr lang="fr-FR" altLang="fr-FR" sz="2000" b="1" dirty="0">
+              <a:solidFill>
+                <a:schemeClr val="accent6"/>
+              </a:solidFill>
+            </a:endParaRPr>
+          </a:p>
+        </p:txBody>
+      </p:sp>
+      <p:sp>
+        <p:nvSpPr>
+          <p:cNvPr id="17" name="Rectangle 9"/>
+          <p:cNvSpPr>
+            <a:spLocks noChangeArrowheads="1"/>
+          </p:cNvSpPr>
+          <p:nvPr/>
+        </p:nvSpPr>
+        <p:spPr bwMode="auto">
+          <a:xfrm>
+            <a:off x="228600" y="457200"/>
+            <a:ext cx="8686800" cy="53975"/>
+          </a:xfrm>
+          <a:prstGeom prst="rect">
+            <a:avLst/>
+          </a:prstGeom>
+          <a:gradFill rotWithShape="1">
+            <a:gsLst>
+              <a:gs pos="0">
+                <a:schemeClr val="accent6"/>
+              </a:gs>
+              <a:gs pos="100000">
+                <a:schemeClr val="accent6">
+                  <a:lumMod val="20000"/>
+                  <a:lumOff val="80000"/>
+                </a:schemeClr>
+              </a:gs>
+            </a:gsLst>
+            <a:lin ang="0" scaled="1"/>
+          </a:gradFill>
+          <a:ln>
+            <a:noFill/>
+          </a:ln>
+          <a:extLst/>
+        </p:spPr>
+        <p:txBody>
+          <a:bodyPr wrap="none" anchor="ctr"/>
+          <a:lstStyle>
+            <a:lvl1pPr>
+              <a:defRPr>
+                <a:solidFill>
+                  <a:schemeClr val="tx1"/>
+                </a:solidFill>
+                <a:latin typeface="Arial" panose="020B0604020202020204" pitchFamily="34" charset="0"/>
+                <a:cs typeface="Arial" panose="020B0604020202020204" pitchFamily="34" charset="0"/>
+              </a:defRPr>
+            </a:lvl1pPr>
+            <a:lvl2pPr marL="742950" indent="-285750">
+              <a:defRPr>
+                <a:solidFill>
+                  <a:schemeClr val="tx1"/>
+                </a:solidFill>
+                <a:latin typeface="Arial" panose="020B0604020202020204" pitchFamily="34" charset="0"/>
+                <a:cs typeface="Arial" panose="020B0604020202020204" pitchFamily="34" charset="0"/>
+              </a:defRPr>
+            </a:lvl2pPr>
+            <a:lvl3pPr marL="1143000" indent="-228600">
+              <a:defRPr>
+                <a:solidFill>
+                  <a:schemeClr val="tx1"/>
+                </a:solidFill>
+                <a:latin typeface="Arial" panose="020B0604020202020204" pitchFamily="34" charset="0"/>
+                <a:cs typeface="Arial" panose="020B0604020202020204" pitchFamily="34" charset="0"/>
+              </a:defRPr>
+            </a:lvl3pPr>
+            <a:lvl4pPr marL="1600200" indent="-228600">
+              <a:defRPr>
+                <a:solidFill>
+                  <a:schemeClr val="tx1"/>
+                </a:solidFill>
+                <a:latin typeface="Arial" panose="020B0604020202020204" pitchFamily="34" charset="0"/>
+                <a:cs typeface="Arial" panose="020B0604020202020204" pitchFamily="34" charset="0"/>
+              </a:defRPr>
+            </a:lvl4pPr>
+            <a:lvl5pPr marL="2057400" indent="-228600">
+              <a:defRPr>
+                <a:solidFill>
+                  <a:schemeClr val="tx1"/>
+                </a:solidFill>
+                <a:latin typeface="Arial" panose="020B0604020202020204" pitchFamily="34" charset="0"/>
+                <a:cs typeface="Arial" panose="020B0604020202020204" pitchFamily="34" charset="0"/>
+              </a:defRPr>
+            </a:lvl5pPr>
+            <a:lvl6pPr marL="2514600" indent="-228600" fontAlgn="base">
+              <a:spcBef>
+                <a:spcPct val="0"/>
+              </a:spcBef>
+              <a:spcAft>
+                <a:spcPct val="0"/>
+              </a:spcAft>
+              <a:defRPr>
+                <a:solidFill>
+                  <a:schemeClr val="tx1"/>
+                </a:solidFill>
+                <a:latin typeface="Arial" panose="020B0604020202020204" pitchFamily="34" charset="0"/>
+                <a:cs typeface="Arial" panose="020B0604020202020204" pitchFamily="34" charset="0"/>
+              </a:defRPr>
+            </a:lvl6pPr>
+            <a:lvl7pPr marL="2971800" indent="-228600" fontAlgn="base">
+              <a:spcBef>
+                <a:spcPct val="0"/>
+              </a:spcBef>
+              <a:spcAft>
+                <a:spcPct val="0"/>
+              </a:spcAft>
+              <a:defRPr>
+                <a:solidFill>
+                  <a:schemeClr val="tx1"/>
+                </a:solidFill>
+                <a:latin typeface="Arial" panose="020B0604020202020204" pitchFamily="34" charset="0"/>
+                <a:cs typeface="Arial" panose="020B0604020202020204" pitchFamily="34" charset="0"/>
+              </a:defRPr>
+            </a:lvl7pPr>
+            <a:lvl8pPr marL="3429000" indent="-228600" fontAlgn="base">
+              <a:spcBef>
+                <a:spcPct val="0"/>
+              </a:spcBef>
+              <a:spcAft>
+                <a:spcPct val="0"/>
+              </a:spcAft>
+              <a:defRPr>
+                <a:solidFill>
+                  <a:schemeClr val="tx1"/>
+                </a:solidFill>
+                <a:latin typeface="Arial" panose="020B0604020202020204" pitchFamily="34" charset="0"/>
+                <a:cs typeface="Arial" panose="020B0604020202020204" pitchFamily="34" charset="0"/>
+              </a:defRPr>
+            </a:lvl8pPr>
+            <a:lvl9pPr marL="3886200" indent="-228600" fontAlgn="base">
+              <a:spcBef>
+                <a:spcPct val="0"/>
+              </a:spcBef>
+              <a:spcAft>
+                <a:spcPct val="0"/>
+              </a:spcAft>
+              <a:defRPr>
+                <a:solidFill>
+                  <a:schemeClr val="tx1"/>
+                </a:solidFill>
+                <a:latin typeface="Arial" panose="020B0604020202020204" pitchFamily="34" charset="0"/>
+                <a:cs typeface="Arial" panose="020B0604020202020204" pitchFamily="34" charset="0"/>
+              </a:defRPr>
+            </a:lvl9pPr>
+          </a:lstStyle>
+          <a:p>
+            <a:pPr algn="ctr">
+              <a:buFontTx/>
+              <a:buNone/>
+            </a:pPr>
+            <a:endParaRPr lang="fr-FR" altLang="fr-FR" dirty="0">
+              <a:solidFill>
+                <a:schemeClr val="tx2"/>
+              </a:solidFill>
+            </a:endParaRPr>
+          </a:p>
+        </p:txBody>
+      </p:sp>
+      <p:grpSp>
+        <p:nvGrpSpPr>
+          <p:cNvPr id="21" name="Groupe 20"/>
+          <p:cNvGrpSpPr/>
+          <p:nvPr/>
+        </p:nvGrpSpPr>
+        <p:grpSpPr>
+          <a:xfrm>
+            <a:off x="1040020" y="1828800"/>
+            <a:ext cx="7063959" cy="4337048"/>
+            <a:chOff x="1175165" y="1924050"/>
+            <a:chExt cx="7063959" cy="4337048"/>
+          </a:xfrm>
+        </p:grpSpPr>
+        <p:sp>
+          <p:nvSpPr>
+            <p:cNvPr id="2" name="Rectangle 1"/>
+            <p:cNvSpPr/>
+            <p:nvPr/>
+          </p:nvSpPr>
+          <p:spPr>
+            <a:xfrm>
+              <a:off x="4572000" y="1924050"/>
+              <a:ext cx="2647950" cy="3714751"/>
+            </a:xfrm>
+            <a:prstGeom prst="rect">
+              <a:avLst/>
+            </a:prstGeom>
+            <a:gradFill flip="none" rotWithShape="1">
+              <a:gsLst>
+                <a:gs pos="0">
+                  <a:schemeClr val="bg1">
+                    <a:lumMod val="50000"/>
+                  </a:schemeClr>
+                </a:gs>
+                <a:gs pos="100000">
+                  <a:schemeClr val="bg1">
+                    <a:lumMod val="95000"/>
+                  </a:schemeClr>
+                </a:gs>
+              </a:gsLst>
+              <a:lin ang="0" scaled="1"/>
+              <a:tileRect/>
+            </a:gradFill>
+            <a:ln>
+              <a:noFill/>
+            </a:ln>
+          </p:spPr>
+          <p:style>
+            <a:lnRef idx="2">
+              <a:schemeClr val="accent1">
+                <a:shade val="50000"/>
+              </a:schemeClr>
+            </a:lnRef>
+            <a:fillRef idx="1">
+              <a:schemeClr val="accent1"/>
+            </a:fillRef>
+            <a:effectRef idx="0">
+              <a:schemeClr val="accent1"/>
+            </a:effectRef>
+            <a:fontRef idx="minor">
+              <a:schemeClr val="lt1"/>
+            </a:fontRef>
+          </p:style>
+          <p:txBody>
+            <a:bodyPr rtlCol="0" anchor="ctr"/>
+            <a:lstStyle/>
+            <a:p>
+              <a:pPr algn="ctr"/>
+              <a:endParaRPr lang="fr-FR"/>
+            </a:p>
+          </p:txBody>
+        </p:sp>
+        <p:cxnSp>
+          <p:nvCxnSpPr>
+            <p:cNvPr id="4" name="Connecteur droit avec flèche 3"/>
+            <p:cNvCxnSpPr/>
+            <p:nvPr/>
+          </p:nvCxnSpPr>
+          <p:spPr>
+            <a:xfrm>
+              <a:off x="2971800" y="3817936"/>
+              <a:ext cx="1080000" cy="0"/>
+            </a:xfrm>
+            <a:prstGeom prst="straightConnector1">
+              <a:avLst/>
+            </a:prstGeom>
+            <a:ln w="38100">
+              <a:solidFill>
+                <a:schemeClr val="accent2"/>
+              </a:solidFill>
+              <a:tailEnd type="triangle"/>
+            </a:ln>
+          </p:spPr>
+          <p:style>
+            <a:lnRef idx="1">
+              <a:schemeClr val="accent1"/>
+            </a:lnRef>
+            <a:fillRef idx="0">
+              <a:schemeClr val="accent1"/>
+            </a:fillRef>
+            <a:effectRef idx="0">
+              <a:schemeClr val="accent1"/>
+            </a:effectRef>
+            <a:fontRef idx="minor">
+              <a:schemeClr val="tx1"/>
+            </a:fontRef>
+          </p:style>
+        </p:cxnSp>
+        <p:cxnSp>
+          <p:nvCxnSpPr>
+            <p:cNvPr id="9" name="Connecteur droit avec flèche 8"/>
+            <p:cNvCxnSpPr/>
+            <p:nvPr/>
+          </p:nvCxnSpPr>
+          <p:spPr>
+            <a:xfrm flipV="1">
+              <a:off x="2990850" y="2737936"/>
+              <a:ext cx="0" cy="1080000"/>
+            </a:xfrm>
+            <a:prstGeom prst="straightConnector1">
+              <a:avLst/>
+            </a:prstGeom>
+            <a:ln w="38100">
+              <a:tailEnd type="triangle"/>
+            </a:ln>
+          </p:spPr>
+          <p:style>
+            <a:lnRef idx="1">
+              <a:schemeClr val="accent1"/>
+            </a:lnRef>
+            <a:fillRef idx="0">
+              <a:schemeClr val="accent1"/>
+            </a:fillRef>
+            <a:effectRef idx="0">
+              <a:schemeClr val="accent1"/>
+            </a:effectRef>
+            <a:fontRef idx="minor">
+              <a:schemeClr val="tx1"/>
+            </a:fontRef>
+          </p:style>
+        </p:cxnSp>
+        <p:cxnSp>
+          <p:nvCxnSpPr>
+            <p:cNvPr id="7" name="Connecteur droit avec flèche 6"/>
+            <p:cNvCxnSpPr/>
+            <p:nvPr/>
+          </p:nvCxnSpPr>
+          <p:spPr>
+            <a:xfrm flipH="1">
+              <a:off x="2543175" y="3817936"/>
+              <a:ext cx="438150" cy="500063"/>
+            </a:xfrm>
+            <a:prstGeom prst="straightConnector1">
+              <a:avLst/>
+            </a:prstGeom>
+            <a:ln w="38100">
+              <a:solidFill>
+                <a:schemeClr val="accent6"/>
+              </a:solidFill>
+              <a:tailEnd type="triangle"/>
+            </a:ln>
+          </p:spPr>
+          <p:style>
+            <a:lnRef idx="1">
+              <a:schemeClr val="accent1"/>
+            </a:lnRef>
+            <a:fillRef idx="0">
+              <a:schemeClr val="accent1"/>
+            </a:fillRef>
+            <a:effectRef idx="0">
+              <a:schemeClr val="accent1"/>
+            </a:effectRef>
+            <a:fontRef idx="minor">
+              <a:schemeClr val="tx1"/>
+            </a:fontRef>
+          </p:style>
+        </p:cxnSp>
+        <mc:AlternateContent xmlns:mc="http://schemas.openxmlformats.org/markup-compatibility/2006">
+          <mc:Choice xmlns:a14="http://schemas.microsoft.com/office/drawing/2010/main" Requires="a14">
+            <p:sp>
+              <p:nvSpPr>
+                <p:cNvPr id="11" name="ZoneTexte 10"/>
+                <p:cNvSpPr txBox="1"/>
+                <p:nvPr/>
+              </p:nvSpPr>
+              <p:spPr>
+                <a:xfrm>
+                  <a:off x="2659145" y="3122637"/>
+                  <a:ext cx="206210" cy="310598"/>
+                </a:xfrm>
+                <a:prstGeom prst="rect">
+                  <a:avLst/>
+                </a:prstGeom>
+                <a:noFill/>
+              </p:spPr>
+              <p:txBody>
+                <a:bodyPr wrap="none" lIns="0" tIns="0" rIns="0" bIns="0" rtlCol="0">
+                  <a:spAutoFit/>
+                </a:bodyPr>
+                <a:lstStyle/>
+                <a:p>
+                  <a14:m>
+                    <m:oMathPara xmlns:m="http://schemas.openxmlformats.org/officeDocument/2006/math">
+                      <m:oMathParaPr>
+                        <m:jc m:val="centerGroup"/>
+                      </m:oMathParaPr>
+                      <m:oMath xmlns:m="http://schemas.openxmlformats.org/officeDocument/2006/math">
+                        <m:acc>
+                          <m:accPr>
+                            <m:chr m:val="⃗"/>
+                            <m:ctrlPr>
+                              <a:rPr lang="fr-FR" i="1" smtClean="0">
+                                <a:solidFill>
+                                  <a:schemeClr val="accent1"/>
+                                </a:solidFill>
+                                <a:latin typeface="Cambria Math" panose="02040503050406030204" pitchFamily="18" charset="0"/>
+                              </a:rPr>
+                            </m:ctrlPr>
+                          </m:accPr>
+                          <m:e>
+                            <m:r>
+                              <a:rPr lang="fr-FR" b="0" i="1" smtClean="0">
+                                <a:solidFill>
+                                  <a:schemeClr val="accent1"/>
+                                </a:solidFill>
+                                <a:latin typeface="Cambria Math" panose="02040503050406030204" pitchFamily="18" charset="0"/>
+                              </a:rPr>
+                              <m:t>𝐸</m:t>
+                            </m:r>
+                          </m:e>
+                        </m:acc>
+                      </m:oMath>
+                    </m:oMathPara>
+                  </a14:m>
+                  <a:endParaRPr lang="fr-FR" dirty="0">
+                    <a:solidFill>
+                      <a:schemeClr val="accent1"/>
+                    </a:solidFill>
+                  </a:endParaRPr>
+                </a:p>
+              </p:txBody>
+            </p:sp>
+          </mc:Choice>
+          <mc:Fallback>
+            <p:sp>
+              <p:nvSpPr>
+                <p:cNvPr id="11" name="ZoneTexte 10"/>
+                <p:cNvSpPr txBox="1">
+                  <a:spLocks noRot="1" noChangeAspect="1" noMove="1" noResize="1" noEditPoints="1" noAdjustHandles="1" noChangeArrowheads="1" noChangeShapeType="1" noTextEdit="1"/>
+                </p:cNvSpPr>
+                <p:nvPr/>
+              </p:nvSpPr>
+              <p:spPr>
+                <a:xfrm>
+                  <a:off x="2659145" y="3122637"/>
+                  <a:ext cx="206210" cy="310598"/>
+                </a:xfrm>
+                <a:prstGeom prst="rect">
+                  <a:avLst/>
+                </a:prstGeom>
+                <a:blipFill rotWithShape="0">
+                  <a:blip r:embed="rId3"/>
+                  <a:stretch>
+                    <a:fillRect l="-26471" r="-23529" b="-5882"/>
+                  </a:stretch>
+                </a:blipFill>
+              </p:spPr>
+              <p:txBody>
+                <a:bodyPr/>
+                <a:lstStyle/>
+                <a:p>
+                  <a:r>
+                    <a:rPr lang="fr-FR">
+                      <a:noFill/>
+                    </a:rPr>
+                    <a:t> </a:t>
+                  </a:r>
+                </a:p>
+              </p:txBody>
+            </p:sp>
+          </mc:Fallback>
+        </mc:AlternateContent>
+        <mc:AlternateContent xmlns:mc="http://schemas.openxmlformats.org/markup-compatibility/2006">
+          <mc:Choice xmlns:a14="http://schemas.microsoft.com/office/drawing/2010/main" Requires="a14">
+            <p:sp>
+              <p:nvSpPr>
+                <p:cNvPr id="12" name="ZoneTexte 11"/>
+                <p:cNvSpPr txBox="1"/>
+                <p:nvPr/>
+              </p:nvSpPr>
+              <p:spPr>
+                <a:xfrm>
+                  <a:off x="3418666" y="3445989"/>
+                  <a:ext cx="186268" cy="317972"/>
+                </a:xfrm>
+                <a:prstGeom prst="rect">
+                  <a:avLst/>
+                </a:prstGeom>
+                <a:noFill/>
+              </p:spPr>
+              <p:txBody>
+                <a:bodyPr wrap="none" lIns="0" tIns="0" rIns="0" bIns="0" rtlCol="0">
+                  <a:spAutoFit/>
+                </a:bodyPr>
+                <a:lstStyle/>
+                <a:p>
+                  <a14:m>
+                    <m:oMathPara xmlns:m="http://schemas.openxmlformats.org/officeDocument/2006/math">
+                      <m:oMathParaPr>
+                        <m:jc m:val="centerGroup"/>
+                      </m:oMathParaPr>
+                      <m:oMath xmlns:m="http://schemas.openxmlformats.org/officeDocument/2006/math">
+                        <m:acc>
+                          <m:accPr>
+                            <m:chr m:val="⃗"/>
+                            <m:ctrlPr>
+                              <a:rPr lang="fr-FR" i="1" smtClean="0">
+                                <a:solidFill>
+                                  <a:schemeClr val="accent2"/>
+                                </a:solidFill>
+                                <a:latin typeface="Cambria Math" panose="02040503050406030204" pitchFamily="18" charset="0"/>
+                              </a:rPr>
+                            </m:ctrlPr>
+                          </m:accPr>
+                          <m:e>
+                            <m:r>
+                              <a:rPr lang="fr-FR" b="0" i="1" smtClean="0">
+                                <a:solidFill>
+                                  <a:schemeClr val="accent2"/>
+                                </a:solidFill>
+                                <a:latin typeface="Cambria Math" panose="02040503050406030204" pitchFamily="18" charset="0"/>
+                              </a:rPr>
+                              <m:t>𝑘</m:t>
+                            </m:r>
+                          </m:e>
+                        </m:acc>
+                      </m:oMath>
+                    </m:oMathPara>
+                  </a14:m>
+                  <a:endParaRPr lang="fr-FR" dirty="0">
+                    <a:solidFill>
+                      <a:schemeClr val="accent2"/>
+                    </a:solidFill>
+                  </a:endParaRPr>
+                </a:p>
+              </p:txBody>
+            </p:sp>
+          </mc:Choice>
+          <mc:Fallback>
+            <p:sp>
+              <p:nvSpPr>
+                <p:cNvPr id="12" name="ZoneTexte 11"/>
+                <p:cNvSpPr txBox="1">
+                  <a:spLocks noRot="1" noChangeAspect="1" noMove="1" noResize="1" noEditPoints="1" noAdjustHandles="1" noChangeArrowheads="1" noChangeShapeType="1" noTextEdit="1"/>
+                </p:cNvSpPr>
+                <p:nvPr/>
+              </p:nvSpPr>
+              <p:spPr>
+                <a:xfrm>
+                  <a:off x="3418666" y="3445989"/>
+                  <a:ext cx="186268" cy="317972"/>
+                </a:xfrm>
+                <a:prstGeom prst="rect">
+                  <a:avLst/>
+                </a:prstGeom>
+                <a:blipFill rotWithShape="0">
+                  <a:blip r:embed="rId4"/>
+                  <a:stretch>
+                    <a:fillRect l="-33333" r="-30000" b="-7692"/>
+                  </a:stretch>
+                </a:blipFill>
+              </p:spPr>
+              <p:txBody>
+                <a:bodyPr/>
+                <a:lstStyle/>
+                <a:p>
+                  <a:r>
+                    <a:rPr lang="fr-FR">
+                      <a:noFill/>
+                    </a:rPr>
+                    <a:t> </a:t>
+                  </a:r>
+                </a:p>
+              </p:txBody>
+            </p:sp>
+          </mc:Fallback>
+        </mc:AlternateContent>
+        <mc:AlternateContent xmlns:mc="http://schemas.openxmlformats.org/markup-compatibility/2006">
+          <mc:Choice xmlns:a14="http://schemas.microsoft.com/office/drawing/2010/main" Requires="a14">
+            <p:sp>
+              <p:nvSpPr>
+                <p:cNvPr id="13" name="ZoneTexte 12"/>
+                <p:cNvSpPr txBox="1"/>
+                <p:nvPr/>
+              </p:nvSpPr>
+              <p:spPr>
+                <a:xfrm>
+                  <a:off x="2769921" y="4047339"/>
+                  <a:ext cx="211404" cy="310598"/>
+                </a:xfrm>
+                <a:prstGeom prst="rect">
+                  <a:avLst/>
+                </a:prstGeom>
+                <a:noFill/>
+              </p:spPr>
+              <p:txBody>
+                <a:bodyPr wrap="none" lIns="0" tIns="0" rIns="0" bIns="0" rtlCol="0">
+                  <a:spAutoFit/>
+                </a:bodyPr>
+                <a:lstStyle/>
+                <a:p>
+                  <a14:m>
+                    <m:oMathPara xmlns:m="http://schemas.openxmlformats.org/officeDocument/2006/math">
+                      <m:oMathParaPr>
+                        <m:jc m:val="centerGroup"/>
+                      </m:oMathParaPr>
+                      <m:oMath xmlns:m="http://schemas.openxmlformats.org/officeDocument/2006/math">
+                        <m:acc>
+                          <m:accPr>
+                            <m:chr m:val="⃗"/>
+                            <m:ctrlPr>
+                              <a:rPr lang="fr-FR" i="1" smtClean="0">
+                                <a:solidFill>
+                                  <a:schemeClr val="accent6"/>
+                                </a:solidFill>
+                                <a:latin typeface="Cambria Math" panose="02040503050406030204" pitchFamily="18" charset="0"/>
+                              </a:rPr>
+                            </m:ctrlPr>
+                          </m:accPr>
+                          <m:e>
+                            <m:r>
+                              <a:rPr lang="fr-FR" b="0" i="1" smtClean="0">
+                                <a:solidFill>
+                                  <a:schemeClr val="accent6"/>
+                                </a:solidFill>
+                                <a:latin typeface="Cambria Math" panose="02040503050406030204" pitchFamily="18" charset="0"/>
+                              </a:rPr>
+                              <m:t>𝐵</m:t>
+                            </m:r>
+                          </m:e>
+                        </m:acc>
+                      </m:oMath>
+                    </m:oMathPara>
+                  </a14:m>
+                  <a:endParaRPr lang="fr-FR" dirty="0">
+                    <a:solidFill>
+                      <a:schemeClr val="accent6"/>
+                    </a:solidFill>
+                  </a:endParaRPr>
+                </a:p>
+              </p:txBody>
+            </p:sp>
+          </mc:Choice>
+          <mc:Fallback>
+            <p:sp>
+              <p:nvSpPr>
+                <p:cNvPr id="13" name="ZoneTexte 12"/>
+                <p:cNvSpPr txBox="1">
+                  <a:spLocks noRot="1" noChangeAspect="1" noMove="1" noResize="1" noEditPoints="1" noAdjustHandles="1" noChangeArrowheads="1" noChangeShapeType="1" noTextEdit="1"/>
+                </p:cNvSpPr>
+                <p:nvPr/>
+              </p:nvSpPr>
+              <p:spPr>
+                <a:xfrm>
+                  <a:off x="2769921" y="4047339"/>
+                  <a:ext cx="211404" cy="310598"/>
+                </a:xfrm>
+                <a:prstGeom prst="rect">
+                  <a:avLst/>
+                </a:prstGeom>
+                <a:blipFill rotWithShape="0">
+                  <a:blip r:embed="rId5"/>
+                  <a:stretch>
+                    <a:fillRect l="-25714" r="-22857" b="-7843"/>
+                  </a:stretch>
+                </a:blipFill>
+              </p:spPr>
+              <p:txBody>
+                <a:bodyPr/>
+                <a:lstStyle/>
+                <a:p>
+                  <a:r>
+                    <a:rPr lang="fr-FR">
+                      <a:noFill/>
+                    </a:rPr>
+                    <a:t> </a:t>
+                  </a:r>
+                </a:p>
+              </p:txBody>
+            </p:sp>
+          </mc:Fallback>
+        </mc:AlternateContent>
+        <p:cxnSp>
+          <p:nvCxnSpPr>
+            <p:cNvPr id="16" name="Connecteur droit avec flèche 15"/>
+            <p:cNvCxnSpPr/>
+            <p:nvPr/>
+          </p:nvCxnSpPr>
+          <p:spPr>
+            <a:xfrm flipV="1">
+              <a:off x="1175165" y="5949949"/>
+              <a:ext cx="6972300" cy="0"/>
+            </a:xfrm>
+            <a:prstGeom prst="straightConnector1">
+              <a:avLst/>
+            </a:prstGeom>
+            <a:ln w="38100">
+              <a:solidFill>
+                <a:schemeClr val="tx1"/>
+              </a:solidFill>
+              <a:tailEnd type="triangle"/>
+            </a:ln>
+          </p:spPr>
+          <p:style>
+            <a:lnRef idx="1">
+              <a:schemeClr val="accent1"/>
+            </a:lnRef>
+            <a:fillRef idx="0">
+              <a:schemeClr val="accent1"/>
+            </a:fillRef>
+            <a:effectRef idx="0">
+              <a:schemeClr val="accent1"/>
+            </a:effectRef>
+            <a:fontRef idx="minor">
+              <a:schemeClr val="tx1"/>
+            </a:fontRef>
+          </p:style>
+        </p:cxnSp>
+        <mc:AlternateContent xmlns:mc="http://schemas.openxmlformats.org/markup-compatibility/2006">
+          <mc:Choice xmlns:a14="http://schemas.microsoft.com/office/drawing/2010/main" Requires="a14">
+            <p:sp>
+              <p:nvSpPr>
+                <p:cNvPr id="18" name="ZoneTexte 17"/>
+                <p:cNvSpPr txBox="1"/>
+                <p:nvPr/>
+              </p:nvSpPr>
+              <p:spPr>
+                <a:xfrm>
+                  <a:off x="8055805" y="5984099"/>
+                  <a:ext cx="183319" cy="276999"/>
+                </a:xfrm>
+                <a:prstGeom prst="rect">
+                  <a:avLst/>
+                </a:prstGeom>
+                <a:noFill/>
+              </p:spPr>
+              <p:txBody>
+                <a:bodyPr wrap="none" lIns="0" tIns="0" rIns="0" bIns="0" rtlCol="0">
+                  <a:spAutoFit/>
+                </a:bodyPr>
+                <a:lstStyle/>
+                <a:p>
+                  <a14:m>
+                    <m:oMathPara xmlns:m="http://schemas.openxmlformats.org/officeDocument/2006/math">
+                      <m:oMathParaPr>
+                        <m:jc m:val="centerGroup"/>
+                      </m:oMathParaPr>
+                      <m:oMath xmlns:m="http://schemas.openxmlformats.org/officeDocument/2006/math">
+                        <m:r>
+                          <a:rPr lang="fr-FR" b="0" i="1" smtClean="0">
+                            <a:solidFill>
+                              <a:schemeClr val="tx1"/>
+                            </a:solidFill>
+                            <a:latin typeface="Cambria Math" panose="02040503050406030204" pitchFamily="18" charset="0"/>
+                          </a:rPr>
+                          <m:t>𝑥</m:t>
+                        </m:r>
+                      </m:oMath>
+                    </m:oMathPara>
+                  </a14:m>
+                  <a:endParaRPr lang="fr-FR" dirty="0">
+                    <a:solidFill>
+                      <a:schemeClr val="bg1">
+                        <a:lumMod val="50000"/>
+                      </a:schemeClr>
+                    </a:solidFill>
+                  </a:endParaRPr>
+                </a:p>
+              </p:txBody>
+            </p:sp>
+          </mc:Choice>
+          <mc:Fallback>
+            <p:sp>
+              <p:nvSpPr>
+                <p:cNvPr id="18" name="ZoneTexte 17"/>
+                <p:cNvSpPr txBox="1">
+                  <a:spLocks noRot="1" noChangeAspect="1" noMove="1" noResize="1" noEditPoints="1" noAdjustHandles="1" noChangeArrowheads="1" noChangeShapeType="1" noTextEdit="1"/>
+                </p:cNvSpPr>
+                <p:nvPr/>
+              </p:nvSpPr>
+              <p:spPr>
+                <a:xfrm>
+                  <a:off x="8055805" y="5984099"/>
+                  <a:ext cx="183319" cy="276999"/>
+                </a:xfrm>
+                <a:prstGeom prst="rect">
+                  <a:avLst/>
+                </a:prstGeom>
+                <a:blipFill rotWithShape="0">
+                  <a:blip r:embed="rId6"/>
+                  <a:stretch>
+                    <a:fillRect l="-20000" r="-13333"/>
+                  </a:stretch>
+                </a:blipFill>
+              </p:spPr>
+              <p:txBody>
+                <a:bodyPr/>
+                <a:lstStyle/>
+                <a:p>
+                  <a:r>
+                    <a:rPr lang="fr-FR">
+                      <a:noFill/>
+                    </a:rPr>
+                    <a:t> </a:t>
+                  </a:r>
+                </a:p>
+              </p:txBody>
+            </p:sp>
+          </mc:Fallback>
+        </mc:AlternateContent>
+      </p:grpSp>
+      <p:sp>
+        <p:nvSpPr>
+          <p:cNvPr id="20" name="ZoneTexte 19"/>
+          <p:cNvSpPr txBox="1"/>
+          <p:nvPr/>
+        </p:nvSpPr>
+        <p:spPr>
+          <a:xfrm>
+            <a:off x="228600" y="686602"/>
+            <a:ext cx="6278898" cy="369332"/>
+          </a:xfrm>
+          <a:prstGeom prst="rect">
+            <a:avLst/>
+          </a:prstGeom>
+          <a:noFill/>
+        </p:spPr>
+        <p:txBody>
+          <a:bodyPr wrap="none" rtlCol="0">
+            <a:spAutoFit/>
+          </a:bodyPr>
+          <a:lstStyle/>
+          <a:p>
+            <a:r>
+              <a:rPr lang="fr-FR" b="1" dirty="0" smtClean="0">
+                <a:solidFill>
+                  <a:schemeClr val="accent1"/>
+                </a:solidFill>
+              </a:rPr>
+              <a:t>Onde électromagnétique </a:t>
+            </a:r>
+            <a:r>
+              <a:rPr lang="fr-FR" dirty="0" smtClean="0">
+                <a:solidFill>
+                  <a:schemeClr val="accent1"/>
+                </a:solidFill>
+              </a:rPr>
+              <a:t>incidente sur un </a:t>
+            </a:r>
+            <a:r>
+              <a:rPr lang="fr-FR" b="1" dirty="0" smtClean="0">
+                <a:solidFill>
+                  <a:schemeClr val="accent1"/>
+                </a:solidFill>
+              </a:rPr>
+              <a:t>conducteur semi infini</a:t>
+            </a:r>
+            <a:endParaRPr lang="fr-FR" b="1" dirty="0">
+              <a:solidFill>
+                <a:schemeClr val="accent1"/>
+              </a:solidFill>
+            </a:endParaRPr>
+          </a:p>
+        </p:txBody>
+      </p:sp>
+    </p:spTree>
+    <p:extLst>
+      <p:ext uri="{BB962C8B-B14F-4D97-AF65-F5344CB8AC3E}">
+        <p14:creationId xmlns:p14="http://schemas.microsoft.com/office/powerpoint/2010/main" val="2235139032"/>
+      </p:ext>
+    </p:extLst>
+  </p:cSld>
+  <p:clrMapOvr>
+    <a:masterClrMapping/>
+  </p:clrMapOvr>
+  <mc:AlternateContent xmlns:mc="http://schemas.openxmlformats.org/markup-compatibility/2006" xmlns:p14="http://schemas.microsoft.com/office/powerpoint/2010/main">
+    <mc:Choice Requires="p14">
+      <p:transition p14:dur="0"/>
+    </mc:Choice>
+    <mc:Fallback xmlns="">
+      <p:transition/>
+    </mc:Fallback>
+  </mc:AlternateContent>
+  <p:timing>
+    <p:tnLst>
+      <p:par>
+        <p:cTn id="1" dur="indefinite" restart="never" nodeType="tmRoot"/>
+      </p:par>
+    </p:tnLst>
+  </p:timing>
+</p:sld>
+</file>
+
+<file path=ppt/slides/slide3.xml><?xml version="1.0" encoding="utf-8"?>
+<p:sld xmlns:a="http://schemas.openxmlformats.org/drawingml/2006/main" xmlns:r="http://schemas.openxmlformats.org/officeDocument/2006/relationships" xmlns:p="http://schemas.openxmlformats.org/presentationml/2006/main">
+  <p:cSld>
+    <p:spTree>
+      <p:nvGrpSpPr>
+        <p:cNvPr id="1" name=""/>
+        <p:cNvGrpSpPr/>
+        <p:nvPr/>
+      </p:nvGrpSpPr>
+      <p:grpSpPr>
+        <a:xfrm>
+          <a:off x="0" y="0"/>
+          <a:ext cx="0" cy="0"/>
+          <a:chOff x="0" y="0"/>
+          <a:chExt cx="0" cy="0"/>
+        </a:xfrm>
+      </p:grpSpPr>
+      <p:sp>
+        <p:nvSpPr>
+          <p:cNvPr id="8" name="Rectangle 11"/>
+          <p:cNvSpPr>
+            <a:spLocks noGrp="1" noChangeArrowheads="1"/>
+          </p:cNvSpPr>
+          <p:nvPr>
+            <p:ph type="title"/>
+          </p:nvPr>
+        </p:nvSpPr>
+        <p:spPr>
+          <a:xfrm>
+            <a:off x="228600" y="76200"/>
+            <a:ext cx="8686800" cy="381000"/>
+          </a:xfrm>
+          <a:noFill/>
+          <a:ln/>
+        </p:spPr>
+        <p:txBody>
+          <a:bodyPr/>
+          <a:lstStyle/>
+          <a:p>
+            <a:pPr algn="l"/>
+            <a:r>
+              <a:rPr lang="fr-FR" altLang="fr-FR" sz="2000" b="1" dirty="0" smtClean="0">
+                <a:solidFill>
+                  <a:schemeClr val="accent6"/>
+                </a:solidFill>
+              </a:rPr>
+              <a:t>La pression de radiation sans la notion de photon</a:t>
+            </a:r>
+            <a:endParaRPr lang="fr-FR" altLang="fr-FR" sz="2000" b="1" dirty="0">
+              <a:solidFill>
+                <a:schemeClr val="accent6"/>
+              </a:solidFill>
+            </a:endParaRPr>
+          </a:p>
+        </p:txBody>
+      </p:sp>
+      <p:sp>
+        <p:nvSpPr>
+          <p:cNvPr id="17" name="Rectangle 9"/>
+          <p:cNvSpPr>
+            <a:spLocks noChangeArrowheads="1"/>
+          </p:cNvSpPr>
+          <p:nvPr/>
+        </p:nvSpPr>
+        <p:spPr bwMode="auto">
+          <a:xfrm>
+            <a:off x="228600" y="457200"/>
+            <a:ext cx="8686800" cy="53975"/>
+          </a:xfrm>
+          <a:prstGeom prst="rect">
+            <a:avLst/>
+          </a:prstGeom>
+          <a:gradFill rotWithShape="1">
+            <a:gsLst>
+              <a:gs pos="0">
+                <a:schemeClr val="accent6"/>
+              </a:gs>
+              <a:gs pos="100000">
+                <a:schemeClr val="accent6">
+                  <a:lumMod val="20000"/>
+                  <a:lumOff val="80000"/>
+                </a:schemeClr>
+              </a:gs>
+            </a:gsLst>
+            <a:lin ang="0" scaled="1"/>
+          </a:gradFill>
+          <a:ln>
+            <a:noFill/>
+          </a:ln>
+          <a:extLst/>
+        </p:spPr>
+        <p:txBody>
+          <a:bodyPr wrap="none" anchor="ctr"/>
+          <a:lstStyle>
+            <a:lvl1pPr>
+              <a:defRPr>
+                <a:solidFill>
+                  <a:schemeClr val="tx1"/>
+                </a:solidFill>
+                <a:latin typeface="Arial" panose="020B0604020202020204" pitchFamily="34" charset="0"/>
+                <a:cs typeface="Arial" panose="020B0604020202020204" pitchFamily="34" charset="0"/>
+              </a:defRPr>
+            </a:lvl1pPr>
+            <a:lvl2pPr marL="742950" indent="-285750">
+              <a:defRPr>
+                <a:solidFill>
+                  <a:schemeClr val="tx1"/>
+                </a:solidFill>
+                <a:latin typeface="Arial" panose="020B0604020202020204" pitchFamily="34" charset="0"/>
+                <a:cs typeface="Arial" panose="020B0604020202020204" pitchFamily="34" charset="0"/>
+              </a:defRPr>
+            </a:lvl2pPr>
+            <a:lvl3pPr marL="1143000" indent="-228600">
+              <a:defRPr>
+                <a:solidFill>
+                  <a:schemeClr val="tx1"/>
+                </a:solidFill>
+                <a:latin typeface="Arial" panose="020B0604020202020204" pitchFamily="34" charset="0"/>
+                <a:cs typeface="Arial" panose="020B0604020202020204" pitchFamily="34" charset="0"/>
+              </a:defRPr>
+            </a:lvl3pPr>
+            <a:lvl4pPr marL="1600200" indent="-228600">
+              <a:defRPr>
+                <a:solidFill>
+                  <a:schemeClr val="tx1"/>
+                </a:solidFill>
+                <a:latin typeface="Arial" panose="020B0604020202020204" pitchFamily="34" charset="0"/>
+                <a:cs typeface="Arial" panose="020B0604020202020204" pitchFamily="34" charset="0"/>
+              </a:defRPr>
+            </a:lvl4pPr>
+            <a:lvl5pPr marL="2057400" indent="-228600">
+              <a:defRPr>
+                <a:solidFill>
+                  <a:schemeClr val="tx1"/>
+                </a:solidFill>
+                <a:latin typeface="Arial" panose="020B0604020202020204" pitchFamily="34" charset="0"/>
+                <a:cs typeface="Arial" panose="020B0604020202020204" pitchFamily="34" charset="0"/>
+              </a:defRPr>
+            </a:lvl5pPr>
+            <a:lvl6pPr marL="2514600" indent="-228600" fontAlgn="base">
+              <a:spcBef>
+                <a:spcPct val="0"/>
+              </a:spcBef>
+              <a:spcAft>
+                <a:spcPct val="0"/>
+              </a:spcAft>
+              <a:defRPr>
+                <a:solidFill>
+                  <a:schemeClr val="tx1"/>
+                </a:solidFill>
+                <a:latin typeface="Arial" panose="020B0604020202020204" pitchFamily="34" charset="0"/>
+                <a:cs typeface="Arial" panose="020B0604020202020204" pitchFamily="34" charset="0"/>
+              </a:defRPr>
+            </a:lvl6pPr>
+            <a:lvl7pPr marL="2971800" indent="-228600" fontAlgn="base">
+              <a:spcBef>
+                <a:spcPct val="0"/>
+              </a:spcBef>
+              <a:spcAft>
+                <a:spcPct val="0"/>
+              </a:spcAft>
+              <a:defRPr>
+                <a:solidFill>
+                  <a:schemeClr val="tx1"/>
+                </a:solidFill>
+                <a:latin typeface="Arial" panose="020B0604020202020204" pitchFamily="34" charset="0"/>
+                <a:cs typeface="Arial" panose="020B0604020202020204" pitchFamily="34" charset="0"/>
+              </a:defRPr>
+            </a:lvl7pPr>
+            <a:lvl8pPr marL="3429000" indent="-228600" fontAlgn="base">
+              <a:spcBef>
+                <a:spcPct val="0"/>
+              </a:spcBef>
+              <a:spcAft>
+                <a:spcPct val="0"/>
+              </a:spcAft>
+              <a:defRPr>
+                <a:solidFill>
+                  <a:schemeClr val="tx1"/>
+                </a:solidFill>
+                <a:latin typeface="Arial" panose="020B0604020202020204" pitchFamily="34" charset="0"/>
+                <a:cs typeface="Arial" panose="020B0604020202020204" pitchFamily="34" charset="0"/>
+              </a:defRPr>
+            </a:lvl8pPr>
+            <a:lvl9pPr marL="3886200" indent="-228600" fontAlgn="base">
+              <a:spcBef>
+                <a:spcPct val="0"/>
+              </a:spcBef>
+              <a:spcAft>
+                <a:spcPct val="0"/>
+              </a:spcAft>
+              <a:defRPr>
+                <a:solidFill>
+                  <a:schemeClr val="tx1"/>
+                </a:solidFill>
+                <a:latin typeface="Arial" panose="020B0604020202020204" pitchFamily="34" charset="0"/>
+                <a:cs typeface="Arial" panose="020B0604020202020204" pitchFamily="34" charset="0"/>
+              </a:defRPr>
+            </a:lvl9pPr>
+          </a:lstStyle>
+          <a:p>
+            <a:pPr algn="ctr">
+              <a:buFontTx/>
+              <a:buNone/>
+            </a:pPr>
+            <a:endParaRPr lang="fr-FR" altLang="fr-FR" dirty="0">
+              <a:solidFill>
+                <a:schemeClr val="tx2"/>
+              </a:solidFill>
+            </a:endParaRPr>
+          </a:p>
+        </p:txBody>
+      </p:sp>
+      <p:grpSp>
+        <p:nvGrpSpPr>
+          <p:cNvPr id="21" name="Groupe 20"/>
+          <p:cNvGrpSpPr>
+            <a:grpSpLocks noChangeAspect="1"/>
+          </p:cNvGrpSpPr>
+          <p:nvPr/>
+        </p:nvGrpSpPr>
+        <p:grpSpPr>
+          <a:xfrm>
+            <a:off x="2591403" y="700125"/>
+            <a:ext cx="3961194" cy="2432048"/>
+            <a:chOff x="1175165" y="1924050"/>
+            <a:chExt cx="7063959" cy="4337048"/>
+          </a:xfrm>
+        </p:grpSpPr>
+        <p:sp>
+          <p:nvSpPr>
+            <p:cNvPr id="2" name="Rectangle 1"/>
+            <p:cNvSpPr/>
+            <p:nvPr/>
+          </p:nvSpPr>
+          <p:spPr>
+            <a:xfrm>
+              <a:off x="4572000" y="1924050"/>
+              <a:ext cx="2647950" cy="3714751"/>
+            </a:xfrm>
+            <a:prstGeom prst="rect">
+              <a:avLst/>
+            </a:prstGeom>
+            <a:gradFill flip="none" rotWithShape="1">
+              <a:gsLst>
+                <a:gs pos="0">
+                  <a:schemeClr val="bg1">
+                    <a:lumMod val="50000"/>
+                  </a:schemeClr>
+                </a:gs>
+                <a:gs pos="100000">
+                  <a:schemeClr val="bg1">
+                    <a:lumMod val="95000"/>
+                  </a:schemeClr>
+                </a:gs>
+              </a:gsLst>
+              <a:lin ang="0" scaled="1"/>
+              <a:tileRect/>
+            </a:gradFill>
+            <a:ln>
+              <a:noFill/>
+            </a:ln>
+          </p:spPr>
+          <p:style>
+            <a:lnRef idx="2">
+              <a:schemeClr val="accent1">
+                <a:shade val="50000"/>
+              </a:schemeClr>
+            </a:lnRef>
+            <a:fillRef idx="1">
+              <a:schemeClr val="accent1"/>
+            </a:fillRef>
+            <a:effectRef idx="0">
+              <a:schemeClr val="accent1"/>
+            </a:effectRef>
+            <a:fontRef idx="minor">
+              <a:schemeClr val="lt1"/>
+            </a:fontRef>
+          </p:style>
+          <p:txBody>
+            <a:bodyPr rtlCol="0" anchor="ctr"/>
+            <a:lstStyle/>
+            <a:p>
+              <a:pPr algn="ctr"/>
+              <a:endParaRPr lang="fr-FR"/>
+            </a:p>
+          </p:txBody>
+        </p:sp>
+        <p:cxnSp>
+          <p:nvCxnSpPr>
+            <p:cNvPr id="4" name="Connecteur droit avec flèche 3"/>
+            <p:cNvCxnSpPr/>
+            <p:nvPr/>
+          </p:nvCxnSpPr>
+          <p:spPr>
+            <a:xfrm>
+              <a:off x="2971800" y="3817936"/>
+              <a:ext cx="1080000" cy="0"/>
+            </a:xfrm>
+            <a:prstGeom prst="straightConnector1">
+              <a:avLst/>
+            </a:prstGeom>
+            <a:ln w="38100">
+              <a:solidFill>
+                <a:schemeClr val="accent2"/>
+              </a:solidFill>
+              <a:tailEnd type="triangle"/>
+            </a:ln>
+          </p:spPr>
+          <p:style>
+            <a:lnRef idx="1">
+              <a:schemeClr val="accent1"/>
+            </a:lnRef>
+            <a:fillRef idx="0">
+              <a:schemeClr val="accent1"/>
+            </a:fillRef>
+            <a:effectRef idx="0">
+              <a:schemeClr val="accent1"/>
+            </a:effectRef>
+            <a:fontRef idx="minor">
+              <a:schemeClr val="tx1"/>
+            </a:fontRef>
+          </p:style>
+        </p:cxnSp>
+        <p:cxnSp>
+          <p:nvCxnSpPr>
+            <p:cNvPr id="9" name="Connecteur droit avec flèche 8"/>
+            <p:cNvCxnSpPr/>
+            <p:nvPr/>
+          </p:nvCxnSpPr>
+          <p:spPr>
+            <a:xfrm flipV="1">
+              <a:off x="2990850" y="2737936"/>
+              <a:ext cx="0" cy="1080000"/>
+            </a:xfrm>
+            <a:prstGeom prst="straightConnector1">
+              <a:avLst/>
+            </a:prstGeom>
+            <a:ln w="38100">
+              <a:tailEnd type="triangle"/>
+            </a:ln>
+          </p:spPr>
+          <p:style>
+            <a:lnRef idx="1">
+              <a:schemeClr val="accent1"/>
+            </a:lnRef>
+            <a:fillRef idx="0">
+              <a:schemeClr val="accent1"/>
+            </a:fillRef>
+            <a:effectRef idx="0">
+              <a:schemeClr val="accent1"/>
+            </a:effectRef>
+            <a:fontRef idx="minor">
+              <a:schemeClr val="tx1"/>
+            </a:fontRef>
+          </p:style>
+        </p:cxnSp>
+        <p:cxnSp>
+          <p:nvCxnSpPr>
+            <p:cNvPr id="7" name="Connecteur droit avec flèche 6"/>
+            <p:cNvCxnSpPr/>
+            <p:nvPr/>
+          </p:nvCxnSpPr>
+          <p:spPr>
+            <a:xfrm flipH="1">
+              <a:off x="2543175" y="3817936"/>
+              <a:ext cx="438150" cy="500063"/>
+            </a:xfrm>
+            <a:prstGeom prst="straightConnector1">
+              <a:avLst/>
+            </a:prstGeom>
+            <a:ln w="38100">
+              <a:solidFill>
+                <a:schemeClr val="accent6"/>
+              </a:solidFill>
+              <a:tailEnd type="triangle"/>
+            </a:ln>
+          </p:spPr>
+          <p:style>
+            <a:lnRef idx="1">
+              <a:schemeClr val="accent1"/>
+            </a:lnRef>
+            <a:fillRef idx="0">
+              <a:schemeClr val="accent1"/>
+            </a:fillRef>
+            <a:effectRef idx="0">
+              <a:schemeClr val="accent1"/>
+            </a:effectRef>
+            <a:fontRef idx="minor">
+              <a:schemeClr val="tx1"/>
+            </a:fontRef>
+          </p:style>
+        </p:cxnSp>
+        <mc:AlternateContent xmlns:mc="http://schemas.openxmlformats.org/markup-compatibility/2006">
+          <mc:Choice xmlns:a14="http://schemas.microsoft.com/office/drawing/2010/main" Requires="a14">
+            <p:sp>
+              <p:nvSpPr>
+                <p:cNvPr id="11" name="ZoneTexte 10"/>
+                <p:cNvSpPr txBox="1"/>
+                <p:nvPr/>
+              </p:nvSpPr>
+              <p:spPr>
+                <a:xfrm>
+                  <a:off x="2514921" y="3108364"/>
+                  <a:ext cx="206211" cy="310597"/>
+                </a:xfrm>
+                <a:prstGeom prst="rect">
+                  <a:avLst/>
+                </a:prstGeom>
+                <a:noFill/>
+              </p:spPr>
+              <p:txBody>
+                <a:bodyPr wrap="none" lIns="0" tIns="0" rIns="0" bIns="0" rtlCol="0">
+                  <a:spAutoFit/>
+                </a:bodyPr>
+                <a:lstStyle/>
+                <a:p>
+                  <a14:m>
+                    <m:oMathPara xmlns:m="http://schemas.openxmlformats.org/officeDocument/2006/math">
+                      <m:oMathParaPr>
+                        <m:jc m:val="centerGroup"/>
+                      </m:oMathParaPr>
+                      <m:oMath xmlns:m="http://schemas.openxmlformats.org/officeDocument/2006/math">
+                        <m:acc>
+                          <m:accPr>
+                            <m:chr m:val="⃗"/>
+                            <m:ctrlPr>
+                              <a:rPr lang="fr-FR" i="1" smtClean="0">
+                                <a:solidFill>
+                                  <a:schemeClr val="accent1"/>
+                                </a:solidFill>
+                                <a:latin typeface="Cambria Math" panose="02040503050406030204" pitchFamily="18" charset="0"/>
+                              </a:rPr>
+                            </m:ctrlPr>
+                          </m:accPr>
+                          <m:e>
+                            <m:r>
+                              <a:rPr lang="fr-FR" b="0" i="1" smtClean="0">
+                                <a:solidFill>
+                                  <a:schemeClr val="accent1"/>
+                                </a:solidFill>
+                                <a:latin typeface="Cambria Math" panose="02040503050406030204" pitchFamily="18" charset="0"/>
+                              </a:rPr>
+                              <m:t>𝐸</m:t>
+                            </m:r>
+                          </m:e>
+                        </m:acc>
+                      </m:oMath>
+                    </m:oMathPara>
+                  </a14:m>
+                  <a:endParaRPr lang="fr-FR" dirty="0">
+                    <a:solidFill>
+                      <a:schemeClr val="accent1"/>
+                    </a:solidFill>
+                  </a:endParaRPr>
+                </a:p>
+              </p:txBody>
+            </p:sp>
+          </mc:Choice>
+          <mc:Fallback>
+            <p:sp>
+              <p:nvSpPr>
+                <p:cNvPr id="11" name="ZoneTexte 10"/>
+                <p:cNvSpPr txBox="1">
+                  <a:spLocks noRot="1" noChangeAspect="1" noMove="1" noResize="1" noEditPoints="1" noAdjustHandles="1" noChangeArrowheads="1" noChangeShapeType="1" noTextEdit="1"/>
+                </p:cNvSpPr>
+                <p:nvPr/>
+              </p:nvSpPr>
+              <p:spPr>
+                <a:xfrm>
+                  <a:off x="2514921" y="3108364"/>
+                  <a:ext cx="206211" cy="310597"/>
+                </a:xfrm>
+                <a:prstGeom prst="rect">
+                  <a:avLst/>
+                </a:prstGeom>
+                <a:blipFill rotWithShape="0">
+                  <a:blip r:embed="rId3"/>
+                  <a:stretch>
+                    <a:fillRect l="-68421" r="-100000" b="-92857"/>
+                  </a:stretch>
+                </a:blipFill>
+              </p:spPr>
+              <p:txBody>
+                <a:bodyPr/>
+                <a:lstStyle/>
+                <a:p>
+                  <a:r>
+                    <a:rPr lang="fr-FR">
+                      <a:noFill/>
+                    </a:rPr>
+                    <a:t> </a:t>
+                  </a:r>
+                </a:p>
+              </p:txBody>
+            </p:sp>
+          </mc:Fallback>
+        </mc:AlternateContent>
+        <mc:AlternateContent xmlns:mc="http://schemas.openxmlformats.org/markup-compatibility/2006">
+          <mc:Choice xmlns:a14="http://schemas.microsoft.com/office/drawing/2010/main" Requires="a14">
+            <p:sp>
+              <p:nvSpPr>
+                <p:cNvPr id="12" name="ZoneTexte 11"/>
+                <p:cNvSpPr txBox="1"/>
+                <p:nvPr/>
+              </p:nvSpPr>
+              <p:spPr>
+                <a:xfrm>
+                  <a:off x="3457199" y="3158889"/>
+                  <a:ext cx="186268" cy="317971"/>
+                </a:xfrm>
+                <a:prstGeom prst="rect">
+                  <a:avLst/>
+                </a:prstGeom>
+                <a:noFill/>
+              </p:spPr>
+              <p:txBody>
+                <a:bodyPr wrap="none" lIns="0" tIns="0" rIns="0" bIns="0" rtlCol="0">
+                  <a:spAutoFit/>
+                </a:bodyPr>
+                <a:lstStyle/>
+                <a:p>
+                  <a14:m>
+                    <m:oMathPara xmlns:m="http://schemas.openxmlformats.org/officeDocument/2006/math">
+                      <m:oMathParaPr>
+                        <m:jc m:val="centerGroup"/>
+                      </m:oMathParaPr>
+                      <m:oMath xmlns:m="http://schemas.openxmlformats.org/officeDocument/2006/math">
+                        <m:acc>
+                          <m:accPr>
+                            <m:chr m:val="⃗"/>
+                            <m:ctrlPr>
+                              <a:rPr lang="fr-FR" i="1" smtClean="0">
+                                <a:solidFill>
+                                  <a:schemeClr val="accent2"/>
+                                </a:solidFill>
+                                <a:latin typeface="Cambria Math" panose="02040503050406030204" pitchFamily="18" charset="0"/>
+                              </a:rPr>
+                            </m:ctrlPr>
+                          </m:accPr>
+                          <m:e>
+                            <m:r>
+                              <a:rPr lang="fr-FR" b="0" i="1" smtClean="0">
+                                <a:solidFill>
+                                  <a:schemeClr val="accent2"/>
+                                </a:solidFill>
+                                <a:latin typeface="Cambria Math" panose="02040503050406030204" pitchFamily="18" charset="0"/>
+                              </a:rPr>
+                              <m:t>𝑘</m:t>
+                            </m:r>
+                          </m:e>
+                        </m:acc>
+                      </m:oMath>
+                    </m:oMathPara>
+                  </a14:m>
+                  <a:endParaRPr lang="fr-FR" dirty="0">
+                    <a:solidFill>
+                      <a:schemeClr val="accent2"/>
+                    </a:solidFill>
+                  </a:endParaRPr>
+                </a:p>
+              </p:txBody>
+            </p:sp>
+          </mc:Choice>
+          <mc:Fallback>
+            <p:sp>
+              <p:nvSpPr>
+                <p:cNvPr id="12" name="ZoneTexte 11"/>
+                <p:cNvSpPr txBox="1">
+                  <a:spLocks noRot="1" noChangeAspect="1" noMove="1" noResize="1" noEditPoints="1" noAdjustHandles="1" noChangeArrowheads="1" noChangeShapeType="1" noTextEdit="1"/>
+                </p:cNvSpPr>
+                <p:nvPr/>
+              </p:nvSpPr>
+              <p:spPr>
+                <a:xfrm>
+                  <a:off x="3457199" y="3158889"/>
+                  <a:ext cx="186268" cy="317971"/>
+                </a:xfrm>
+                <a:prstGeom prst="rect">
+                  <a:avLst/>
+                </a:prstGeom>
+                <a:blipFill rotWithShape="0">
+                  <a:blip r:embed="rId4"/>
+                  <a:stretch>
+                    <a:fillRect l="-82353" r="-105882" b="-86667"/>
+                  </a:stretch>
+                </a:blipFill>
+              </p:spPr>
+              <p:txBody>
+                <a:bodyPr/>
+                <a:lstStyle/>
+                <a:p>
+                  <a:r>
+                    <a:rPr lang="fr-FR">
+                      <a:noFill/>
+                    </a:rPr>
+                    <a:t> </a:t>
+                  </a:r>
+                </a:p>
+              </p:txBody>
+            </p:sp>
+          </mc:Fallback>
+        </mc:AlternateContent>
+        <mc:AlternateContent xmlns:mc="http://schemas.openxmlformats.org/markup-compatibility/2006">
+          <mc:Choice xmlns:a14="http://schemas.microsoft.com/office/drawing/2010/main" Requires="a14">
+            <p:sp>
+              <p:nvSpPr>
+                <p:cNvPr id="13" name="ZoneTexte 12"/>
+                <p:cNvSpPr txBox="1"/>
+                <p:nvPr/>
+              </p:nvSpPr>
+              <p:spPr>
+                <a:xfrm>
+                  <a:off x="2866097" y="4047378"/>
+                  <a:ext cx="211404" cy="310597"/>
+                </a:xfrm>
+                <a:prstGeom prst="rect">
+                  <a:avLst/>
+                </a:prstGeom>
+                <a:noFill/>
+              </p:spPr>
+              <p:txBody>
+                <a:bodyPr wrap="none" lIns="0" tIns="0" rIns="0" bIns="0" rtlCol="0">
+                  <a:spAutoFit/>
+                </a:bodyPr>
+                <a:lstStyle/>
+                <a:p>
+                  <a14:m>
+                    <m:oMathPara xmlns:m="http://schemas.openxmlformats.org/officeDocument/2006/math">
+                      <m:oMathParaPr>
+                        <m:jc m:val="centerGroup"/>
+                      </m:oMathParaPr>
+                      <m:oMath xmlns:m="http://schemas.openxmlformats.org/officeDocument/2006/math">
+                        <m:acc>
+                          <m:accPr>
+                            <m:chr m:val="⃗"/>
+                            <m:ctrlPr>
+                              <a:rPr lang="fr-FR" i="1" smtClean="0">
+                                <a:solidFill>
+                                  <a:schemeClr val="accent6"/>
+                                </a:solidFill>
+                                <a:latin typeface="Cambria Math" panose="02040503050406030204" pitchFamily="18" charset="0"/>
+                              </a:rPr>
+                            </m:ctrlPr>
+                          </m:accPr>
+                          <m:e>
+                            <m:r>
+                              <a:rPr lang="fr-FR" b="0" i="1" smtClean="0">
+                                <a:solidFill>
+                                  <a:schemeClr val="accent6"/>
+                                </a:solidFill>
+                                <a:latin typeface="Cambria Math" panose="02040503050406030204" pitchFamily="18" charset="0"/>
+                              </a:rPr>
+                              <m:t>𝐵</m:t>
+                            </m:r>
+                          </m:e>
+                        </m:acc>
+                      </m:oMath>
+                    </m:oMathPara>
+                  </a14:m>
+                  <a:endParaRPr lang="fr-FR" dirty="0">
+                    <a:solidFill>
+                      <a:schemeClr val="accent6"/>
+                    </a:solidFill>
+                  </a:endParaRPr>
+                </a:p>
+              </p:txBody>
+            </p:sp>
+          </mc:Choice>
+          <mc:Fallback>
+            <p:sp>
+              <p:nvSpPr>
+                <p:cNvPr id="13" name="ZoneTexte 12"/>
+                <p:cNvSpPr txBox="1">
+                  <a:spLocks noRot="1" noChangeAspect="1" noMove="1" noResize="1" noEditPoints="1" noAdjustHandles="1" noChangeArrowheads="1" noChangeShapeType="1" noTextEdit="1"/>
+                </p:cNvSpPr>
+                <p:nvPr/>
+              </p:nvSpPr>
+              <p:spPr>
+                <a:xfrm>
+                  <a:off x="2866097" y="4047378"/>
+                  <a:ext cx="211404" cy="310597"/>
+                </a:xfrm>
+                <a:prstGeom prst="rect">
+                  <a:avLst/>
+                </a:prstGeom>
+                <a:blipFill rotWithShape="0">
+                  <a:blip r:embed="rId5"/>
+                  <a:stretch>
+                    <a:fillRect l="-73684" r="-100000" b="-89655"/>
+                  </a:stretch>
+                </a:blipFill>
+              </p:spPr>
+              <p:txBody>
+                <a:bodyPr/>
+                <a:lstStyle/>
+                <a:p>
+                  <a:r>
+                    <a:rPr lang="fr-FR">
+                      <a:noFill/>
+                    </a:rPr>
+                    <a:t> </a:t>
+                  </a:r>
+                </a:p>
+              </p:txBody>
+            </p:sp>
+          </mc:Fallback>
+        </mc:AlternateContent>
+        <p:cxnSp>
+          <p:nvCxnSpPr>
+            <p:cNvPr id="16" name="Connecteur droit avec flèche 15"/>
+            <p:cNvCxnSpPr/>
+            <p:nvPr/>
+          </p:nvCxnSpPr>
+          <p:spPr>
+            <a:xfrm flipV="1">
+              <a:off x="1175165" y="5949949"/>
+              <a:ext cx="6972300" cy="0"/>
+            </a:xfrm>
+            <a:prstGeom prst="straightConnector1">
+              <a:avLst/>
+            </a:prstGeom>
+            <a:ln w="38100">
+              <a:solidFill>
+                <a:schemeClr val="tx1"/>
+              </a:solidFill>
+              <a:tailEnd type="triangle"/>
+            </a:ln>
+          </p:spPr>
+          <p:style>
+            <a:lnRef idx="1">
+              <a:schemeClr val="accent1"/>
+            </a:lnRef>
+            <a:fillRef idx="0">
+              <a:schemeClr val="accent1"/>
+            </a:fillRef>
+            <a:effectRef idx="0">
+              <a:schemeClr val="accent1"/>
+            </a:effectRef>
+            <a:fontRef idx="minor">
+              <a:schemeClr val="tx1"/>
+            </a:fontRef>
+          </p:style>
+        </p:cxnSp>
+        <mc:AlternateContent xmlns:mc="http://schemas.openxmlformats.org/markup-compatibility/2006">
+          <mc:Choice xmlns:a14="http://schemas.microsoft.com/office/drawing/2010/main" Requires="a14">
+            <p:sp>
+              <p:nvSpPr>
+                <p:cNvPr id="18" name="ZoneTexte 17"/>
+                <p:cNvSpPr txBox="1"/>
+                <p:nvPr/>
+              </p:nvSpPr>
+              <p:spPr>
+                <a:xfrm>
+                  <a:off x="8055805" y="5984099"/>
+                  <a:ext cx="183319" cy="276999"/>
+                </a:xfrm>
+                <a:prstGeom prst="rect">
+                  <a:avLst/>
+                </a:prstGeom>
+                <a:noFill/>
+              </p:spPr>
+              <p:txBody>
+                <a:bodyPr wrap="none" lIns="0" tIns="0" rIns="0" bIns="0" rtlCol="0">
+                  <a:spAutoFit/>
+                </a:bodyPr>
+                <a:lstStyle/>
+                <a:p>
+                  <a14:m>
+                    <m:oMathPara xmlns:m="http://schemas.openxmlformats.org/officeDocument/2006/math">
+                      <m:oMathParaPr>
+                        <m:jc m:val="centerGroup"/>
+                      </m:oMathParaPr>
+                      <m:oMath xmlns:m="http://schemas.openxmlformats.org/officeDocument/2006/math">
+                        <m:r>
+                          <a:rPr lang="fr-FR" b="0" i="1" smtClean="0">
+                            <a:solidFill>
+                              <a:schemeClr val="tx1"/>
+                            </a:solidFill>
+                            <a:latin typeface="Cambria Math" panose="02040503050406030204" pitchFamily="18" charset="0"/>
+                          </a:rPr>
+                          <m:t>𝑥</m:t>
+                        </m:r>
+                      </m:oMath>
+                    </m:oMathPara>
+                  </a14:m>
+                  <a:endParaRPr lang="fr-FR" dirty="0">
+                    <a:solidFill>
+                      <a:schemeClr val="bg1">
+                        <a:lumMod val="50000"/>
+                      </a:schemeClr>
+                    </a:solidFill>
+                  </a:endParaRPr>
+                </a:p>
+              </p:txBody>
+            </p:sp>
+          </mc:Choice>
+          <mc:Fallback>
+            <p:sp>
+              <p:nvSpPr>
+                <p:cNvPr id="18" name="ZoneTexte 17"/>
+                <p:cNvSpPr txBox="1">
+                  <a:spLocks noRot="1" noChangeAspect="1" noMove="1" noResize="1" noEditPoints="1" noAdjustHandles="1" noChangeArrowheads="1" noChangeShapeType="1" noTextEdit="1"/>
+                </p:cNvSpPr>
+                <p:nvPr/>
+              </p:nvSpPr>
+              <p:spPr>
+                <a:xfrm>
+                  <a:off x="8055805" y="5984099"/>
+                  <a:ext cx="183319" cy="276999"/>
+                </a:xfrm>
+                <a:prstGeom prst="rect">
+                  <a:avLst/>
+                </a:prstGeom>
+                <a:blipFill rotWithShape="0">
+                  <a:blip r:embed="rId6"/>
+                  <a:stretch>
+                    <a:fillRect l="-58824" r="-76471" b="-73077"/>
+                  </a:stretch>
+                </a:blipFill>
+              </p:spPr>
+              <p:txBody>
+                <a:bodyPr/>
+                <a:lstStyle/>
+                <a:p>
+                  <a:r>
+                    <a:rPr lang="fr-FR">
+                      <a:noFill/>
+                    </a:rPr>
+                    <a:t> </a:t>
+                  </a:r>
+                </a:p>
+              </p:txBody>
+            </p:sp>
+          </mc:Fallback>
+        </mc:AlternateContent>
+      </p:grpSp>
+      <mc:AlternateContent xmlns:mc="http://schemas.openxmlformats.org/markup-compatibility/2006">
+        <mc:Choice xmlns:a14="http://schemas.microsoft.com/office/drawing/2010/main" Requires="a14">
+          <p:sp>
+            <p:nvSpPr>
+              <p:cNvPr id="15" name="ZoneTexte 14"/>
+              <p:cNvSpPr txBox="1"/>
+              <p:nvPr/>
+            </p:nvSpPr>
+            <p:spPr>
+              <a:xfrm>
+                <a:off x="228600" y="3186148"/>
+                <a:ext cx="8686800" cy="3432093"/>
+              </a:xfrm>
+              <a:prstGeom prst="rect">
+                <a:avLst/>
+              </a:prstGeom>
+              <a:noFill/>
+            </p:spPr>
+            <p:txBody>
+              <a:bodyPr wrap="square" rtlCol="0">
+                <a:spAutoFit/>
+              </a:bodyPr>
+              <a:lstStyle/>
+              <a:p>
+                <a:r>
+                  <a:rPr lang="fr-FR" b="1" dirty="0" smtClean="0">
+                    <a:solidFill>
+                      <a:schemeClr val="accent1"/>
+                    </a:solidFill>
+                  </a:rPr>
+                  <a:t>Raisonnement par analyse dimensionnelle :</a:t>
+                </a:r>
+              </a:p>
+              <a:p>
+                <a:endParaRPr lang="fr-FR" b="1" dirty="0">
+                  <a:solidFill>
+                    <a:schemeClr val="accent1"/>
+                  </a:solidFill>
+                </a:endParaRPr>
+              </a:p>
+              <a:p>
+                <a14:m>
+                  <m:oMathPara xmlns:m="http://schemas.openxmlformats.org/officeDocument/2006/math">
+                    <m:oMathParaPr>
+                      <m:jc m:val="centerGroup"/>
+                    </m:oMathParaPr>
+                    <m:oMath xmlns:m="http://schemas.openxmlformats.org/officeDocument/2006/math">
+                      <m:d>
+                        <m:dPr>
+                          <m:begChr m:val="["/>
+                          <m:endChr m:val="]"/>
+                          <m:ctrlPr>
+                            <a:rPr lang="fr-FR" i="1" smtClean="0">
+                              <a:solidFill>
+                                <a:schemeClr val="accent1"/>
+                              </a:solidFill>
+                              <a:latin typeface="Cambria Math" panose="02040503050406030204" pitchFamily="18" charset="0"/>
+                            </a:rPr>
+                          </m:ctrlPr>
+                        </m:dPr>
+                        <m:e>
+                          <m:acc>
+                            <m:accPr>
+                              <m:chr m:val="⃗"/>
+                              <m:ctrlPr>
+                                <a:rPr lang="fr-FR" i="1" smtClean="0">
+                                  <a:solidFill>
+                                    <a:schemeClr val="accent1"/>
+                                  </a:solidFill>
+                                  <a:latin typeface="Cambria Math" panose="02040503050406030204" pitchFamily="18" charset="0"/>
+                                </a:rPr>
+                              </m:ctrlPr>
+                            </m:accPr>
+                            <m:e>
+                              <m:r>
+                                <m:rPr>
+                                  <m:sty m:val="p"/>
+                                </m:rPr>
+                                <a:rPr lang="fr-FR" b="0" i="0" smtClean="0">
+                                  <a:solidFill>
+                                    <a:schemeClr val="accent1"/>
+                                  </a:solidFill>
+                                  <a:latin typeface="Cambria Math" panose="02040503050406030204" pitchFamily="18" charset="0"/>
+                                </a:rPr>
+                                <m:t>Π</m:t>
+                              </m:r>
+                            </m:e>
+                          </m:acc>
+                        </m:e>
+                      </m:d>
+                      <m:r>
+                        <a:rPr lang="fr-FR" b="0" i="1" smtClean="0">
+                          <a:solidFill>
+                            <a:schemeClr val="accent1"/>
+                          </a:solidFill>
+                          <a:latin typeface="Cambria Math" panose="02040503050406030204" pitchFamily="18" charset="0"/>
+                        </a:rPr>
+                        <m:t>=</m:t>
+                      </m:r>
+                      <m:r>
+                        <m:rPr>
+                          <m:sty m:val="p"/>
+                        </m:rPr>
+                        <a:rPr lang="fr-FR" b="0" i="0" smtClean="0">
+                          <a:solidFill>
+                            <a:schemeClr val="accent1"/>
+                          </a:solidFill>
+                          <a:latin typeface="Cambria Math" panose="02040503050406030204" pitchFamily="18" charset="0"/>
+                        </a:rPr>
+                        <m:t>E</m:t>
+                      </m:r>
+                      <m:r>
+                        <a:rPr lang="fr-FR" b="0" i="0" smtClean="0">
+                          <a:solidFill>
+                            <a:schemeClr val="accent1"/>
+                          </a:solidFill>
+                          <a:latin typeface="Cambria Math" panose="02040503050406030204" pitchFamily="18" charset="0"/>
+                        </a:rPr>
+                        <m:t>.</m:t>
+                      </m:r>
+                      <m:sSup>
+                        <m:sSupPr>
+                          <m:ctrlPr>
+                            <a:rPr lang="fr-FR" smtClean="0">
+                              <a:solidFill>
+                                <a:schemeClr val="accent1"/>
+                              </a:solidFill>
+                              <a:latin typeface="Cambria Math" panose="02040503050406030204" pitchFamily="18" charset="0"/>
+                            </a:rPr>
+                          </m:ctrlPr>
+                        </m:sSupPr>
+                        <m:e>
+                          <m:r>
+                            <m:rPr>
+                              <m:sty m:val="p"/>
+                            </m:rPr>
+                            <a:rPr lang="fr-FR" b="0" i="0" smtClean="0">
+                              <a:solidFill>
+                                <a:schemeClr val="accent1"/>
+                              </a:solidFill>
+                              <a:latin typeface="Cambria Math" panose="02040503050406030204" pitchFamily="18" charset="0"/>
+                            </a:rPr>
+                            <m:t>T</m:t>
+                          </m:r>
+                        </m:e>
+                        <m:sup>
+                          <m:r>
+                            <a:rPr lang="fr-FR" b="0" i="0" smtClean="0">
+                              <a:solidFill>
+                                <a:schemeClr val="accent1"/>
+                              </a:solidFill>
+                              <a:latin typeface="Cambria Math" panose="02040503050406030204" pitchFamily="18" charset="0"/>
+                            </a:rPr>
+                            <m:t>−1</m:t>
+                          </m:r>
+                        </m:sup>
+                      </m:sSup>
+                      <m:r>
+                        <a:rPr lang="fr-FR" b="0" i="0" smtClean="0">
+                          <a:solidFill>
+                            <a:schemeClr val="accent1"/>
+                          </a:solidFill>
+                          <a:latin typeface="Cambria Math" panose="02040503050406030204" pitchFamily="18" charset="0"/>
+                        </a:rPr>
+                        <m:t>.</m:t>
+                      </m:r>
+                      <m:sSup>
+                        <m:sSupPr>
+                          <m:ctrlPr>
+                            <a:rPr lang="fr-FR" smtClean="0">
+                              <a:solidFill>
+                                <a:schemeClr val="accent1"/>
+                              </a:solidFill>
+                              <a:latin typeface="Cambria Math" panose="02040503050406030204" pitchFamily="18" charset="0"/>
+                            </a:rPr>
+                          </m:ctrlPr>
+                        </m:sSupPr>
+                        <m:e>
+                          <m:r>
+                            <m:rPr>
+                              <m:sty m:val="p"/>
+                            </m:rPr>
+                            <a:rPr lang="fr-FR" b="0" i="0" smtClean="0">
+                              <a:solidFill>
+                                <a:schemeClr val="accent1"/>
+                              </a:solidFill>
+                              <a:latin typeface="Cambria Math" panose="02040503050406030204" pitchFamily="18" charset="0"/>
+                            </a:rPr>
+                            <m:t>L</m:t>
+                          </m:r>
+                        </m:e>
+                        <m:sup>
+                          <m:r>
+                            <a:rPr lang="fr-FR" b="0" i="0" smtClean="0">
+                              <a:solidFill>
+                                <a:schemeClr val="accent1"/>
+                              </a:solidFill>
+                              <a:latin typeface="Cambria Math" panose="02040503050406030204" pitchFamily="18" charset="0"/>
+                            </a:rPr>
+                            <m:t>−2</m:t>
+                          </m:r>
+                        </m:sup>
+                      </m:sSup>
+                    </m:oMath>
+                  </m:oMathPara>
+                </a14:m>
+                <a:endParaRPr lang="fr-FR" dirty="0" smtClean="0">
+                  <a:solidFill>
+                    <a:schemeClr val="accent1"/>
+                  </a:solidFill>
+                </a:endParaRPr>
+              </a:p>
+              <a:p>
+                <a:endParaRPr lang="fr-FR" dirty="0">
+                  <a:solidFill>
+                    <a:schemeClr val="accent1"/>
+                  </a:solidFill>
+                </a:endParaRPr>
+              </a:p>
+              <a:p>
+                <a:pPr/>
+                <a14:m>
+                  <m:oMathPara xmlns:m="http://schemas.openxmlformats.org/officeDocument/2006/math">
+                    <m:oMathParaPr>
+                      <m:jc m:val="centerGroup"/>
+                    </m:oMathParaPr>
+                    <m:oMath xmlns:m="http://schemas.openxmlformats.org/officeDocument/2006/math">
+                      <m:d>
+                        <m:dPr>
+                          <m:begChr m:val="["/>
+                          <m:endChr m:val="]"/>
+                          <m:ctrlPr>
+                            <a:rPr lang="fr-FR" i="1">
+                              <a:solidFill>
+                                <a:schemeClr val="accent1"/>
+                              </a:solidFill>
+                              <a:latin typeface="Cambria Math" panose="02040503050406030204" pitchFamily="18" charset="0"/>
+                            </a:rPr>
+                          </m:ctrlPr>
+                        </m:dPr>
+                        <m:e>
+                          <m:f>
+                            <m:fPr>
+                              <m:ctrlPr>
+                                <a:rPr lang="fr-FR" i="1" smtClean="0">
+                                  <a:solidFill>
+                                    <a:schemeClr val="accent1"/>
+                                  </a:solidFill>
+                                  <a:latin typeface="Cambria Math" panose="02040503050406030204" pitchFamily="18" charset="0"/>
+                                </a:rPr>
+                              </m:ctrlPr>
+                            </m:fPr>
+                            <m:num>
+                              <m:acc>
+                                <m:accPr>
+                                  <m:chr m:val="⃗"/>
+                                  <m:ctrlPr>
+                                    <a:rPr lang="fr-FR" i="1" smtClean="0">
+                                      <a:solidFill>
+                                        <a:schemeClr val="accent1"/>
+                                      </a:solidFill>
+                                      <a:latin typeface="Cambria Math" panose="02040503050406030204" pitchFamily="18" charset="0"/>
+                                    </a:rPr>
+                                  </m:ctrlPr>
+                                </m:accPr>
+                                <m:e>
+                                  <m:r>
+                                    <m:rPr>
+                                      <m:sty m:val="p"/>
+                                    </m:rPr>
+                                    <a:rPr lang="fr-FR" b="0" i="0" smtClean="0">
+                                      <a:solidFill>
+                                        <a:schemeClr val="accent1"/>
+                                      </a:solidFill>
+                                      <a:latin typeface="Cambria Math" panose="02040503050406030204" pitchFamily="18" charset="0"/>
+                                    </a:rPr>
+                                    <m:t>Π</m:t>
+                                  </m:r>
+                                </m:e>
+                              </m:acc>
+                            </m:num>
+                            <m:den>
+                              <m:r>
+                                <a:rPr lang="fr-FR" b="0" i="1" smtClean="0">
+                                  <a:solidFill>
+                                    <a:schemeClr val="accent1"/>
+                                  </a:solidFill>
+                                  <a:latin typeface="Cambria Math" panose="02040503050406030204" pitchFamily="18" charset="0"/>
+                                </a:rPr>
+                                <m:t>𝑐</m:t>
+                              </m:r>
+                            </m:den>
+                          </m:f>
+                        </m:e>
+                      </m:d>
+                      <m:r>
+                        <a:rPr lang="fr-FR" i="1">
+                          <a:solidFill>
+                            <a:schemeClr val="accent1"/>
+                          </a:solidFill>
+                          <a:latin typeface="Cambria Math" panose="02040503050406030204" pitchFamily="18" charset="0"/>
+                        </a:rPr>
+                        <m:t>=</m:t>
+                      </m:r>
+                      <m:r>
+                        <m:rPr>
+                          <m:sty m:val="p"/>
+                        </m:rPr>
+                        <a:rPr lang="fr-FR" b="0" i="0" smtClean="0">
+                          <a:solidFill>
+                            <a:schemeClr val="accent2"/>
+                          </a:solidFill>
+                          <a:latin typeface="Cambria Math" panose="02040503050406030204" pitchFamily="18" charset="0"/>
+                        </a:rPr>
+                        <m:t>M</m:t>
+                      </m:r>
+                      <m:r>
+                        <a:rPr lang="fr-FR" b="0" i="0" smtClean="0">
+                          <a:solidFill>
+                            <a:schemeClr val="accent2"/>
+                          </a:solidFill>
+                          <a:latin typeface="Cambria Math" panose="02040503050406030204" pitchFamily="18" charset="0"/>
+                        </a:rPr>
+                        <m:t>.</m:t>
+                      </m:r>
+                      <m:r>
+                        <m:rPr>
+                          <m:sty m:val="p"/>
+                        </m:rPr>
+                        <a:rPr lang="fr-FR" b="0" i="0" smtClean="0">
+                          <a:solidFill>
+                            <a:schemeClr val="accent2"/>
+                          </a:solidFill>
+                          <a:latin typeface="Cambria Math" panose="02040503050406030204" pitchFamily="18" charset="0"/>
+                        </a:rPr>
+                        <m:t>L</m:t>
+                      </m:r>
+                      <m:r>
+                        <a:rPr lang="fr-FR" b="0" i="0" smtClean="0">
+                          <a:solidFill>
+                            <a:schemeClr val="accent2"/>
+                          </a:solidFill>
+                          <a:latin typeface="Cambria Math" panose="02040503050406030204" pitchFamily="18" charset="0"/>
+                        </a:rPr>
+                        <m:t>.</m:t>
+                      </m:r>
+                      <m:sSup>
+                        <m:sSupPr>
+                          <m:ctrlPr>
+                            <a:rPr lang="fr-FR" b="0" i="0" smtClean="0">
+                              <a:solidFill>
+                                <a:schemeClr val="accent2"/>
+                              </a:solidFill>
+                              <a:latin typeface="Cambria Math" panose="02040503050406030204" pitchFamily="18" charset="0"/>
+                            </a:rPr>
+                          </m:ctrlPr>
+                        </m:sSupPr>
+                        <m:e>
+                          <m:r>
+                            <m:rPr>
+                              <m:sty m:val="p"/>
+                            </m:rPr>
+                            <a:rPr lang="fr-FR" b="0" i="0" smtClean="0">
+                              <a:solidFill>
+                                <a:schemeClr val="accent2"/>
+                              </a:solidFill>
+                              <a:latin typeface="Cambria Math" panose="02040503050406030204" pitchFamily="18" charset="0"/>
+                            </a:rPr>
+                            <m:t>T</m:t>
+                          </m:r>
+                        </m:e>
+                        <m:sup>
+                          <m:r>
+                            <a:rPr lang="fr-FR" b="0" i="0" smtClean="0">
+                              <a:solidFill>
+                                <a:schemeClr val="accent2"/>
+                              </a:solidFill>
+                              <a:latin typeface="Cambria Math" panose="02040503050406030204" pitchFamily="18" charset="0"/>
+                            </a:rPr>
+                            <m:t>−1</m:t>
+                          </m:r>
+                        </m:sup>
+                      </m:sSup>
+                      <m:r>
+                        <a:rPr lang="fr-FR">
+                          <a:solidFill>
+                            <a:schemeClr val="accent1"/>
+                          </a:solidFill>
+                          <a:latin typeface="Cambria Math" panose="02040503050406030204" pitchFamily="18" charset="0"/>
+                        </a:rPr>
+                        <m:t>.</m:t>
+                      </m:r>
+                      <m:sSup>
+                        <m:sSupPr>
+                          <m:ctrlPr>
+                            <a:rPr lang="fr-FR" i="1">
+                              <a:solidFill>
+                                <a:schemeClr val="accent1"/>
+                              </a:solidFill>
+                              <a:latin typeface="Cambria Math" panose="02040503050406030204" pitchFamily="18" charset="0"/>
+                            </a:rPr>
+                          </m:ctrlPr>
+                        </m:sSupPr>
+                        <m:e>
+                          <m:r>
+                            <m:rPr>
+                              <m:sty m:val="p"/>
+                            </m:rPr>
+                            <a:rPr lang="fr-FR">
+                              <a:solidFill>
+                                <a:schemeClr val="accent1"/>
+                              </a:solidFill>
+                              <a:latin typeface="Cambria Math" panose="02040503050406030204" pitchFamily="18" charset="0"/>
+                            </a:rPr>
+                            <m:t>T</m:t>
+                          </m:r>
+                        </m:e>
+                        <m:sup>
+                          <m:r>
+                            <a:rPr lang="fr-FR">
+                              <a:solidFill>
+                                <a:schemeClr val="accent1"/>
+                              </a:solidFill>
+                              <a:latin typeface="Cambria Math" panose="02040503050406030204" pitchFamily="18" charset="0"/>
+                            </a:rPr>
+                            <m:t>−1</m:t>
+                          </m:r>
+                        </m:sup>
+                      </m:sSup>
+                      <m:r>
+                        <a:rPr lang="fr-FR">
+                          <a:solidFill>
+                            <a:schemeClr val="accent1"/>
+                          </a:solidFill>
+                          <a:latin typeface="Cambria Math" panose="02040503050406030204" pitchFamily="18" charset="0"/>
+                        </a:rPr>
+                        <m:t>.</m:t>
+                      </m:r>
+                      <m:sSup>
+                        <m:sSupPr>
+                          <m:ctrlPr>
+                            <a:rPr lang="fr-FR" i="1">
+                              <a:solidFill>
+                                <a:schemeClr val="accent1"/>
+                              </a:solidFill>
+                              <a:latin typeface="Cambria Math" panose="02040503050406030204" pitchFamily="18" charset="0"/>
+                            </a:rPr>
+                          </m:ctrlPr>
+                        </m:sSupPr>
+                        <m:e>
+                          <m:r>
+                            <m:rPr>
+                              <m:sty m:val="p"/>
+                            </m:rPr>
+                            <a:rPr lang="fr-FR">
+                              <a:solidFill>
+                                <a:schemeClr val="accent1"/>
+                              </a:solidFill>
+                              <a:latin typeface="Cambria Math" panose="02040503050406030204" pitchFamily="18" charset="0"/>
+                            </a:rPr>
+                            <m:t>L</m:t>
+                          </m:r>
+                        </m:e>
+                        <m:sup>
+                          <m:r>
+                            <a:rPr lang="fr-FR">
+                              <a:solidFill>
+                                <a:schemeClr val="accent1"/>
+                              </a:solidFill>
+                              <a:latin typeface="Cambria Math" panose="02040503050406030204" pitchFamily="18" charset="0"/>
+                            </a:rPr>
+                            <m:t>−2</m:t>
+                          </m:r>
+                        </m:sup>
+                      </m:sSup>
+                    </m:oMath>
+                  </m:oMathPara>
+                </a14:m>
+                <a:endParaRPr lang="fr-FR" dirty="0" smtClean="0">
+                  <a:solidFill>
+                    <a:schemeClr val="accent1"/>
+                  </a:solidFill>
+                </a:endParaRPr>
+              </a:p>
+              <a:p>
+                <a:pPr/>
+                <a:endParaRPr lang="fr-FR" dirty="0">
+                  <a:solidFill>
+                    <a:schemeClr val="accent1"/>
+                  </a:solidFill>
+                </a:endParaRPr>
+              </a:p>
+              <a:p>
+                <a:pPr/>
+                <a14:m>
+                  <m:oMath xmlns:m="http://schemas.openxmlformats.org/officeDocument/2006/math">
+                    <m:f>
+                      <m:fPr>
+                        <m:ctrlPr>
+                          <a:rPr lang="fr-FR" i="1">
+                            <a:solidFill>
+                              <a:schemeClr val="accent1"/>
+                            </a:solidFill>
+                            <a:latin typeface="Cambria Math" panose="02040503050406030204" pitchFamily="18" charset="0"/>
+                          </a:rPr>
+                        </m:ctrlPr>
+                      </m:fPr>
+                      <m:num>
+                        <m:acc>
+                          <m:accPr>
+                            <m:chr m:val="⃗"/>
+                            <m:ctrlPr>
+                              <a:rPr lang="fr-FR" i="1">
+                                <a:solidFill>
+                                  <a:schemeClr val="accent1"/>
+                                </a:solidFill>
+                                <a:latin typeface="Cambria Math" panose="02040503050406030204" pitchFamily="18" charset="0"/>
+                              </a:rPr>
+                            </m:ctrlPr>
+                          </m:accPr>
+                          <m:e>
+                            <m:r>
+                              <m:rPr>
+                                <m:sty m:val="p"/>
+                              </m:rPr>
+                              <a:rPr lang="fr-FR">
+                                <a:solidFill>
+                                  <a:schemeClr val="accent1"/>
+                                </a:solidFill>
+                                <a:latin typeface="Cambria Math" panose="02040503050406030204" pitchFamily="18" charset="0"/>
+                              </a:rPr>
+                              <m:t>Π</m:t>
+                            </m:r>
+                          </m:e>
+                        </m:acc>
+                      </m:num>
+                      <m:den>
+                        <m:r>
+                          <a:rPr lang="fr-FR" i="1">
+                            <a:solidFill>
+                              <a:schemeClr val="accent1"/>
+                            </a:solidFill>
+                            <a:latin typeface="Cambria Math" panose="02040503050406030204" pitchFamily="18" charset="0"/>
+                          </a:rPr>
+                          <m:t>𝑐</m:t>
+                        </m:r>
+                      </m:den>
+                    </m:f>
+                  </m:oMath>
+                </a14:m>
+                <a:r>
+                  <a:rPr lang="fr-FR" dirty="0" smtClean="0">
+                    <a:solidFill>
+                      <a:schemeClr val="accent1"/>
+                    </a:solidFill>
+                  </a:rPr>
+                  <a:t> a donc la dimension :</a:t>
+                </a:r>
+              </a:p>
+              <a:p>
+                <a:pPr marL="285750" indent="-285750">
+                  <a:buFontTx/>
+                  <a:buChar char="-"/>
+                </a:pPr>
+                <a:r>
+                  <a:rPr lang="fr-FR" dirty="0" smtClean="0">
+                    <a:solidFill>
+                      <a:schemeClr val="accent1"/>
+                    </a:solidFill>
+                  </a:rPr>
+                  <a:t>d’un flux surfacique d’impulsion ;</a:t>
+                </a:r>
+              </a:p>
+              <a:p>
+                <a:pPr marL="285750" indent="-285750">
+                  <a:buFontTx/>
+                  <a:buChar char="-"/>
+                </a:pPr>
+                <a:r>
+                  <a:rPr lang="fr-FR" dirty="0" err="1">
+                    <a:solidFill>
+                      <a:schemeClr val="accent1"/>
+                    </a:solidFill>
+                  </a:rPr>
+                  <a:t>c</a:t>
+                </a:r>
+                <a:r>
+                  <a:rPr lang="fr-FR" dirty="0" err="1" smtClean="0">
+                    <a:solidFill>
+                      <a:schemeClr val="accent1"/>
+                    </a:solidFill>
+                  </a:rPr>
+                  <a:t>.à.d</a:t>
+                </a:r>
+                <a:r>
+                  <a:rPr lang="fr-FR" dirty="0" smtClean="0">
+                    <a:solidFill>
+                      <a:schemeClr val="accent1"/>
+                    </a:solidFill>
+                  </a:rPr>
+                  <a:t> d’une force surfacique</a:t>
+                </a:r>
+              </a:p>
+              <a:p>
+                <a:pPr marL="285750" indent="-285750">
+                  <a:buFontTx/>
+                  <a:buChar char="-"/>
+                </a:pPr>
+                <a:r>
+                  <a:rPr lang="fr-FR" dirty="0" err="1" smtClean="0">
+                    <a:solidFill>
+                      <a:schemeClr val="accent1"/>
+                    </a:solidFill>
+                  </a:rPr>
+                  <a:t>c.à.d</a:t>
+                </a:r>
+                <a:r>
+                  <a:rPr lang="fr-FR" dirty="0" smtClean="0">
+                    <a:solidFill>
+                      <a:schemeClr val="accent1"/>
+                    </a:solidFill>
+                  </a:rPr>
+                  <a:t> d’une pression</a:t>
+                </a:r>
+                <a:endParaRPr lang="fr-FR" dirty="0">
+                  <a:solidFill>
+                    <a:schemeClr val="accent1"/>
+                  </a:solidFill>
+                </a:endParaRPr>
+              </a:p>
+            </p:txBody>
+          </p:sp>
+        </mc:Choice>
+        <mc:Fallback>
+          <p:sp>
+            <p:nvSpPr>
+              <p:cNvPr id="15" name="ZoneTexte 14"/>
+              <p:cNvSpPr txBox="1">
+                <a:spLocks noRot="1" noChangeAspect="1" noMove="1" noResize="1" noEditPoints="1" noAdjustHandles="1" noChangeArrowheads="1" noChangeShapeType="1" noTextEdit="1"/>
+              </p:cNvSpPr>
+              <p:nvPr/>
+            </p:nvSpPr>
+            <p:spPr>
+              <a:xfrm>
+                <a:off x="228600" y="3186148"/>
+                <a:ext cx="8686800" cy="3432093"/>
+              </a:xfrm>
+              <a:prstGeom prst="rect">
+                <a:avLst/>
+              </a:prstGeom>
+              <a:blipFill rotWithShape="0">
+                <a:blip r:embed="rId7"/>
+                <a:stretch>
+                  <a:fillRect l="-632" t="-1066" b="-1954"/>
+                </a:stretch>
+              </a:blipFill>
+            </p:spPr>
+            <p:txBody>
+              <a:bodyPr/>
+              <a:lstStyle/>
+              <a:p>
+                <a:r>
+                  <a:rPr lang="fr-FR">
+                    <a:noFill/>
+                  </a:rPr>
+                  <a:t> </a:t>
+                </a:r>
+              </a:p>
+            </p:txBody>
+          </p:sp>
+        </mc:Fallback>
+      </mc:AlternateContent>
+    </p:spTree>
+    <p:extLst>
+      <p:ext uri="{BB962C8B-B14F-4D97-AF65-F5344CB8AC3E}">
+        <p14:creationId xmlns:p14="http://schemas.microsoft.com/office/powerpoint/2010/main" val="3387637326"/>
+      </p:ext>
+    </p:extLst>
+  </p:cSld>
+  <p:clrMapOvr>
+    <a:masterClrMapping/>
+  </p:clrMapOvr>
+  <mc:AlternateContent xmlns:mc="http://schemas.openxmlformats.org/markup-compatibility/2006" xmlns:p14="http://schemas.microsoft.com/office/powerpoint/2010/main">
+    <mc:Choice Requires="p14">
+      <p:transition p14:dur="0"/>
+    </mc:Choice>
+    <mc:Fallback xmlns="">
+      <p:transition/>
+    </mc:Fallback>
+  </mc:AlternateContent>
+  <p:timing>
+    <p:tnLst>
+      <p:par>
+        <p:cTn id="1" dur="indefinite" restart="never" nodeType="tmRoot"/>
+      </p:par>
+    </p:tnLst>
+  </p:timing>
+</p:sld>
+</file>
+
+<file path=ppt/slides/slide4.xml><?xml version="1.0" encoding="utf-8"?>
+<p:sld xmlns:a="http://schemas.openxmlformats.org/drawingml/2006/main" xmlns:r="http://schemas.openxmlformats.org/officeDocument/2006/relationships" xmlns:p="http://schemas.openxmlformats.org/presentationml/2006/main">
+  <p:cSld>
+    <p:spTree>
+      <p:nvGrpSpPr>
+        <p:cNvPr id="1" name=""/>
+        <p:cNvGrpSpPr/>
+        <p:nvPr/>
+      </p:nvGrpSpPr>
+      <p:grpSpPr>
+        <a:xfrm>
+          <a:off x="0" y="0"/>
+          <a:ext cx="0" cy="0"/>
+          <a:chOff x="0" y="0"/>
+          <a:chExt cx="0" cy="0"/>
+        </a:xfrm>
+      </p:grpSpPr>
+      <p:sp>
+        <p:nvSpPr>
+          <p:cNvPr id="8" name="Rectangle 11"/>
+          <p:cNvSpPr>
+            <a:spLocks noGrp="1" noChangeArrowheads="1"/>
+          </p:cNvSpPr>
+          <p:nvPr>
+            <p:ph type="title"/>
+          </p:nvPr>
+        </p:nvSpPr>
+        <p:spPr>
+          <a:xfrm>
+            <a:off x="228600" y="76200"/>
+            <a:ext cx="8686800" cy="381000"/>
+          </a:xfrm>
+          <a:noFill/>
+          <a:ln/>
+        </p:spPr>
+        <p:txBody>
+          <a:bodyPr/>
+          <a:lstStyle/>
+          <a:p>
+            <a:pPr algn="l"/>
+            <a:r>
+              <a:rPr lang="fr-FR" altLang="fr-FR" sz="2000" b="1" dirty="0" smtClean="0">
+                <a:solidFill>
+                  <a:schemeClr val="accent6"/>
+                </a:solidFill>
+              </a:rPr>
+              <a:t>La pression de radiation sans la notion de photon</a:t>
+            </a:r>
+            <a:endParaRPr lang="fr-FR" altLang="fr-FR" sz="2000" b="1" dirty="0">
+              <a:solidFill>
+                <a:schemeClr val="accent6"/>
+              </a:solidFill>
+            </a:endParaRPr>
+          </a:p>
+        </p:txBody>
+      </p:sp>
+      <p:sp>
+        <p:nvSpPr>
+          <p:cNvPr id="17" name="Rectangle 9"/>
+          <p:cNvSpPr>
+            <a:spLocks noChangeArrowheads="1"/>
+          </p:cNvSpPr>
+          <p:nvPr/>
+        </p:nvSpPr>
+        <p:spPr bwMode="auto">
+          <a:xfrm>
+            <a:off x="228600" y="457200"/>
+            <a:ext cx="8686800" cy="53975"/>
+          </a:xfrm>
+          <a:prstGeom prst="rect">
+            <a:avLst/>
+          </a:prstGeom>
+          <a:gradFill rotWithShape="1">
+            <a:gsLst>
+              <a:gs pos="0">
+                <a:schemeClr val="accent6"/>
+              </a:gs>
+              <a:gs pos="100000">
+                <a:schemeClr val="accent6">
+                  <a:lumMod val="20000"/>
+                  <a:lumOff val="80000"/>
+                </a:schemeClr>
+              </a:gs>
+            </a:gsLst>
+            <a:lin ang="0" scaled="1"/>
+          </a:gradFill>
+          <a:ln>
+            <a:noFill/>
+          </a:ln>
+          <a:extLst/>
+        </p:spPr>
+        <p:txBody>
+          <a:bodyPr wrap="none" anchor="ctr"/>
+          <a:lstStyle>
+            <a:lvl1pPr>
+              <a:defRPr>
+                <a:solidFill>
+                  <a:schemeClr val="tx1"/>
+                </a:solidFill>
+                <a:latin typeface="Arial" panose="020B0604020202020204" pitchFamily="34" charset="0"/>
+                <a:cs typeface="Arial" panose="020B0604020202020204" pitchFamily="34" charset="0"/>
+              </a:defRPr>
+            </a:lvl1pPr>
+            <a:lvl2pPr marL="742950" indent="-285750">
+              <a:defRPr>
+                <a:solidFill>
+                  <a:schemeClr val="tx1"/>
+                </a:solidFill>
+                <a:latin typeface="Arial" panose="020B0604020202020204" pitchFamily="34" charset="0"/>
+                <a:cs typeface="Arial" panose="020B0604020202020204" pitchFamily="34" charset="0"/>
+              </a:defRPr>
+            </a:lvl2pPr>
+            <a:lvl3pPr marL="1143000" indent="-228600">
+              <a:defRPr>
+                <a:solidFill>
+                  <a:schemeClr val="tx1"/>
+                </a:solidFill>
+                <a:latin typeface="Arial" panose="020B0604020202020204" pitchFamily="34" charset="0"/>
+                <a:cs typeface="Arial" panose="020B0604020202020204" pitchFamily="34" charset="0"/>
+              </a:defRPr>
+            </a:lvl3pPr>
+            <a:lvl4pPr marL="1600200" indent="-228600">
+              <a:defRPr>
+                <a:solidFill>
+                  <a:schemeClr val="tx1"/>
+                </a:solidFill>
+                <a:latin typeface="Arial" panose="020B0604020202020204" pitchFamily="34" charset="0"/>
+                <a:cs typeface="Arial" panose="020B0604020202020204" pitchFamily="34" charset="0"/>
+              </a:defRPr>
+            </a:lvl4pPr>
+            <a:lvl5pPr marL="2057400" indent="-228600">
+              <a:defRPr>
+                <a:solidFill>
+                  <a:schemeClr val="tx1"/>
+                </a:solidFill>
+                <a:latin typeface="Arial" panose="020B0604020202020204" pitchFamily="34" charset="0"/>
+                <a:cs typeface="Arial" panose="020B0604020202020204" pitchFamily="34" charset="0"/>
+              </a:defRPr>
+            </a:lvl5pPr>
+            <a:lvl6pPr marL="2514600" indent="-228600" fontAlgn="base">
+              <a:spcBef>
+                <a:spcPct val="0"/>
+              </a:spcBef>
+              <a:spcAft>
+                <a:spcPct val="0"/>
+              </a:spcAft>
+              <a:defRPr>
+                <a:solidFill>
+                  <a:schemeClr val="tx1"/>
+                </a:solidFill>
+                <a:latin typeface="Arial" panose="020B0604020202020204" pitchFamily="34" charset="0"/>
+                <a:cs typeface="Arial" panose="020B0604020202020204" pitchFamily="34" charset="0"/>
+              </a:defRPr>
+            </a:lvl6pPr>
+            <a:lvl7pPr marL="2971800" indent="-228600" fontAlgn="base">
+              <a:spcBef>
+                <a:spcPct val="0"/>
+              </a:spcBef>
+              <a:spcAft>
+                <a:spcPct val="0"/>
+              </a:spcAft>
+              <a:defRPr>
+                <a:solidFill>
+                  <a:schemeClr val="tx1"/>
+                </a:solidFill>
+                <a:latin typeface="Arial" panose="020B0604020202020204" pitchFamily="34" charset="0"/>
+                <a:cs typeface="Arial" panose="020B0604020202020204" pitchFamily="34" charset="0"/>
+              </a:defRPr>
+            </a:lvl7pPr>
+            <a:lvl8pPr marL="3429000" indent="-228600" fontAlgn="base">
+              <a:spcBef>
+                <a:spcPct val="0"/>
+              </a:spcBef>
+              <a:spcAft>
+                <a:spcPct val="0"/>
+              </a:spcAft>
+              <a:defRPr>
+                <a:solidFill>
+                  <a:schemeClr val="tx1"/>
+                </a:solidFill>
+                <a:latin typeface="Arial" panose="020B0604020202020204" pitchFamily="34" charset="0"/>
+                <a:cs typeface="Arial" panose="020B0604020202020204" pitchFamily="34" charset="0"/>
+              </a:defRPr>
+            </a:lvl8pPr>
+            <a:lvl9pPr marL="3886200" indent="-228600" fontAlgn="base">
+              <a:spcBef>
+                <a:spcPct val="0"/>
+              </a:spcBef>
+              <a:spcAft>
+                <a:spcPct val="0"/>
+              </a:spcAft>
+              <a:defRPr>
+                <a:solidFill>
+                  <a:schemeClr val="tx1"/>
+                </a:solidFill>
+                <a:latin typeface="Arial" panose="020B0604020202020204" pitchFamily="34" charset="0"/>
+                <a:cs typeface="Arial" panose="020B0604020202020204" pitchFamily="34" charset="0"/>
+              </a:defRPr>
+            </a:lvl9pPr>
+          </a:lstStyle>
+          <a:p>
+            <a:pPr algn="ctr">
+              <a:buFontTx/>
+              <a:buNone/>
+            </a:pPr>
+            <a:endParaRPr lang="fr-FR" altLang="fr-FR" dirty="0">
+              <a:solidFill>
+                <a:schemeClr val="tx2"/>
+              </a:solidFill>
+            </a:endParaRPr>
+          </a:p>
+        </p:txBody>
+      </p:sp>
+      <p:grpSp>
+        <p:nvGrpSpPr>
+          <p:cNvPr id="34" name="Groupe 33"/>
+          <p:cNvGrpSpPr>
+            <a:grpSpLocks noChangeAspect="1"/>
+          </p:cNvGrpSpPr>
+          <p:nvPr/>
+        </p:nvGrpSpPr>
+        <p:grpSpPr>
+          <a:xfrm>
+            <a:off x="2591403" y="700125"/>
+            <a:ext cx="3961194" cy="2432048"/>
+            <a:chOff x="1175165" y="1924050"/>
+            <a:chExt cx="7063959" cy="4337048"/>
+          </a:xfrm>
+        </p:grpSpPr>
+        <p:sp>
+          <p:nvSpPr>
+            <p:cNvPr id="35" name="Rectangle 34"/>
+            <p:cNvSpPr/>
+            <p:nvPr/>
+          </p:nvSpPr>
+          <p:spPr>
+            <a:xfrm>
+              <a:off x="4572000" y="1924050"/>
+              <a:ext cx="2647950" cy="3714751"/>
+            </a:xfrm>
+            <a:prstGeom prst="rect">
+              <a:avLst/>
+            </a:prstGeom>
+            <a:gradFill flip="none" rotWithShape="1">
+              <a:gsLst>
+                <a:gs pos="0">
+                  <a:schemeClr val="bg1">
+                    <a:lumMod val="50000"/>
+                  </a:schemeClr>
+                </a:gs>
+                <a:gs pos="100000">
+                  <a:schemeClr val="bg1">
+                    <a:lumMod val="95000"/>
+                  </a:schemeClr>
+                </a:gs>
+              </a:gsLst>
+              <a:lin ang="0" scaled="1"/>
+              <a:tileRect/>
+            </a:gradFill>
+            <a:ln>
+              <a:noFill/>
+            </a:ln>
+          </p:spPr>
+          <p:style>
+            <a:lnRef idx="2">
+              <a:schemeClr val="accent1">
+                <a:shade val="50000"/>
+              </a:schemeClr>
+            </a:lnRef>
+            <a:fillRef idx="1">
+              <a:schemeClr val="accent1"/>
+            </a:fillRef>
+            <a:effectRef idx="0">
+              <a:schemeClr val="accent1"/>
+            </a:effectRef>
+            <a:fontRef idx="minor">
+              <a:schemeClr val="lt1"/>
+            </a:fontRef>
+          </p:style>
+          <p:txBody>
+            <a:bodyPr rtlCol="0" anchor="ctr"/>
+            <a:lstStyle/>
+            <a:p>
+              <a:pPr algn="ctr"/>
+              <a:endParaRPr lang="fr-FR"/>
+            </a:p>
+          </p:txBody>
+        </p:sp>
+        <p:cxnSp>
+          <p:nvCxnSpPr>
+            <p:cNvPr id="36" name="Connecteur droit avec flèche 35"/>
+            <p:cNvCxnSpPr/>
+            <p:nvPr/>
+          </p:nvCxnSpPr>
+          <p:spPr>
+            <a:xfrm>
+              <a:off x="2971800" y="3817936"/>
+              <a:ext cx="1080000" cy="0"/>
+            </a:xfrm>
+            <a:prstGeom prst="straightConnector1">
+              <a:avLst/>
+            </a:prstGeom>
+            <a:ln w="38100">
+              <a:solidFill>
+                <a:schemeClr val="accent2"/>
+              </a:solidFill>
+              <a:tailEnd type="triangle"/>
+            </a:ln>
+          </p:spPr>
+          <p:style>
+            <a:lnRef idx="1">
+              <a:schemeClr val="accent1"/>
+            </a:lnRef>
+            <a:fillRef idx="0">
+              <a:schemeClr val="accent1"/>
+            </a:fillRef>
+            <a:effectRef idx="0">
+              <a:schemeClr val="accent1"/>
+            </a:effectRef>
+            <a:fontRef idx="minor">
+              <a:schemeClr val="tx1"/>
+            </a:fontRef>
+          </p:style>
+        </p:cxnSp>
+        <p:cxnSp>
+          <p:nvCxnSpPr>
+            <p:cNvPr id="37" name="Connecteur droit avec flèche 36"/>
+            <p:cNvCxnSpPr/>
+            <p:nvPr/>
+          </p:nvCxnSpPr>
+          <p:spPr>
+            <a:xfrm flipV="1">
+              <a:off x="2990850" y="2737936"/>
+              <a:ext cx="0" cy="1080000"/>
+            </a:xfrm>
+            <a:prstGeom prst="straightConnector1">
+              <a:avLst/>
+            </a:prstGeom>
+            <a:ln w="38100">
+              <a:tailEnd type="triangle"/>
+            </a:ln>
+          </p:spPr>
+          <p:style>
+            <a:lnRef idx="1">
+              <a:schemeClr val="accent1"/>
+            </a:lnRef>
+            <a:fillRef idx="0">
+              <a:schemeClr val="accent1"/>
+            </a:fillRef>
+            <a:effectRef idx="0">
+              <a:schemeClr val="accent1"/>
+            </a:effectRef>
+            <a:fontRef idx="minor">
+              <a:schemeClr val="tx1"/>
+            </a:fontRef>
+          </p:style>
+        </p:cxnSp>
+        <p:cxnSp>
+          <p:nvCxnSpPr>
+            <p:cNvPr id="38" name="Connecteur droit avec flèche 37"/>
+            <p:cNvCxnSpPr/>
+            <p:nvPr/>
+          </p:nvCxnSpPr>
+          <p:spPr>
+            <a:xfrm flipH="1">
+              <a:off x="2543175" y="3817936"/>
+              <a:ext cx="438150" cy="500063"/>
+            </a:xfrm>
+            <a:prstGeom prst="straightConnector1">
+              <a:avLst/>
+            </a:prstGeom>
+            <a:ln w="38100">
+              <a:solidFill>
+                <a:schemeClr val="accent6"/>
+              </a:solidFill>
+              <a:tailEnd type="triangle"/>
+            </a:ln>
+          </p:spPr>
+          <p:style>
+            <a:lnRef idx="1">
+              <a:schemeClr val="accent1"/>
+            </a:lnRef>
+            <a:fillRef idx="0">
+              <a:schemeClr val="accent1"/>
+            </a:fillRef>
+            <a:effectRef idx="0">
+              <a:schemeClr val="accent1"/>
+            </a:effectRef>
+            <a:fontRef idx="minor">
+              <a:schemeClr val="tx1"/>
+            </a:fontRef>
+          </p:style>
+        </p:cxnSp>
+        <mc:AlternateContent xmlns:mc="http://schemas.openxmlformats.org/markup-compatibility/2006">
+          <mc:Choice xmlns:a14="http://schemas.microsoft.com/office/drawing/2010/main" Requires="a14">
+            <p:sp>
+              <p:nvSpPr>
+                <p:cNvPr id="39" name="ZoneTexte 38"/>
+                <p:cNvSpPr txBox="1"/>
+                <p:nvPr/>
+              </p:nvSpPr>
+              <p:spPr>
+                <a:xfrm>
+                  <a:off x="2514921" y="3108364"/>
+                  <a:ext cx="206211" cy="310597"/>
+                </a:xfrm>
+                <a:prstGeom prst="rect">
+                  <a:avLst/>
+                </a:prstGeom>
+                <a:noFill/>
+              </p:spPr>
+              <p:txBody>
+                <a:bodyPr wrap="none" lIns="0" tIns="0" rIns="0" bIns="0" rtlCol="0">
+                  <a:spAutoFit/>
+                </a:bodyPr>
+                <a:lstStyle/>
+                <a:p>
+                  <a14:m>
+                    <m:oMathPara xmlns:m="http://schemas.openxmlformats.org/officeDocument/2006/math">
+                      <m:oMathParaPr>
+                        <m:jc m:val="centerGroup"/>
+                      </m:oMathParaPr>
+                      <m:oMath xmlns:m="http://schemas.openxmlformats.org/officeDocument/2006/math">
+                        <m:acc>
+                          <m:accPr>
+                            <m:chr m:val="⃗"/>
+                            <m:ctrlPr>
+                              <a:rPr lang="fr-FR" i="1" smtClean="0">
+                                <a:solidFill>
+                                  <a:schemeClr val="accent1"/>
+                                </a:solidFill>
+                                <a:latin typeface="Cambria Math" panose="02040503050406030204" pitchFamily="18" charset="0"/>
+                              </a:rPr>
+                            </m:ctrlPr>
+                          </m:accPr>
+                          <m:e>
+                            <m:r>
+                              <a:rPr lang="fr-FR" b="0" i="1" smtClean="0">
+                                <a:solidFill>
+                                  <a:schemeClr val="accent1"/>
+                                </a:solidFill>
+                                <a:latin typeface="Cambria Math" panose="02040503050406030204" pitchFamily="18" charset="0"/>
+                              </a:rPr>
+                              <m:t>𝐸</m:t>
+                            </m:r>
+                          </m:e>
+                        </m:acc>
+                      </m:oMath>
+                    </m:oMathPara>
+                  </a14:m>
+                  <a:endParaRPr lang="fr-FR" dirty="0">
+                    <a:solidFill>
+                      <a:schemeClr val="accent1"/>
+                    </a:solidFill>
+                  </a:endParaRPr>
+                </a:p>
+              </p:txBody>
+            </p:sp>
+          </mc:Choice>
+          <mc:Fallback>
+            <p:sp>
+              <p:nvSpPr>
+                <p:cNvPr id="39" name="ZoneTexte 38"/>
+                <p:cNvSpPr txBox="1">
+                  <a:spLocks noRot="1" noChangeAspect="1" noMove="1" noResize="1" noEditPoints="1" noAdjustHandles="1" noChangeArrowheads="1" noChangeShapeType="1" noTextEdit="1"/>
+                </p:cNvSpPr>
+                <p:nvPr/>
+              </p:nvSpPr>
+              <p:spPr>
+                <a:xfrm>
+                  <a:off x="2514921" y="3108364"/>
+                  <a:ext cx="206211" cy="310597"/>
+                </a:xfrm>
+                <a:prstGeom prst="rect">
+                  <a:avLst/>
+                </a:prstGeom>
+                <a:blipFill rotWithShape="0">
+                  <a:blip r:embed="rId3"/>
+                  <a:stretch>
+                    <a:fillRect l="-68421" r="-100000" b="-92857"/>
+                  </a:stretch>
+                </a:blipFill>
+              </p:spPr>
+              <p:txBody>
+                <a:bodyPr/>
+                <a:lstStyle/>
+                <a:p>
+                  <a:r>
+                    <a:rPr lang="fr-FR">
+                      <a:noFill/>
+                    </a:rPr>
+                    <a:t> </a:t>
+                  </a:r>
+                </a:p>
+              </p:txBody>
+            </p:sp>
+          </mc:Fallback>
+        </mc:AlternateContent>
+        <mc:AlternateContent xmlns:mc="http://schemas.openxmlformats.org/markup-compatibility/2006">
+          <mc:Choice xmlns:a14="http://schemas.microsoft.com/office/drawing/2010/main" Requires="a14">
+            <p:sp>
+              <p:nvSpPr>
+                <p:cNvPr id="40" name="ZoneTexte 39"/>
+                <p:cNvSpPr txBox="1"/>
+                <p:nvPr/>
+              </p:nvSpPr>
+              <p:spPr>
+                <a:xfrm>
+                  <a:off x="3457199" y="3158889"/>
+                  <a:ext cx="186268" cy="317971"/>
+                </a:xfrm>
+                <a:prstGeom prst="rect">
+                  <a:avLst/>
+                </a:prstGeom>
+                <a:noFill/>
+              </p:spPr>
+              <p:txBody>
+                <a:bodyPr wrap="none" lIns="0" tIns="0" rIns="0" bIns="0" rtlCol="0">
+                  <a:spAutoFit/>
+                </a:bodyPr>
+                <a:lstStyle/>
+                <a:p>
+                  <a14:m>
+                    <m:oMathPara xmlns:m="http://schemas.openxmlformats.org/officeDocument/2006/math">
+                      <m:oMathParaPr>
+                        <m:jc m:val="centerGroup"/>
+                      </m:oMathParaPr>
+                      <m:oMath xmlns:m="http://schemas.openxmlformats.org/officeDocument/2006/math">
+                        <m:acc>
+                          <m:accPr>
+                            <m:chr m:val="⃗"/>
+                            <m:ctrlPr>
+                              <a:rPr lang="fr-FR" i="1" smtClean="0">
+                                <a:solidFill>
+                                  <a:schemeClr val="accent2"/>
+                                </a:solidFill>
+                                <a:latin typeface="Cambria Math" panose="02040503050406030204" pitchFamily="18" charset="0"/>
+                              </a:rPr>
+                            </m:ctrlPr>
+                          </m:accPr>
+                          <m:e>
+                            <m:r>
+                              <a:rPr lang="fr-FR" b="0" i="1" smtClean="0">
+                                <a:solidFill>
+                                  <a:schemeClr val="accent2"/>
+                                </a:solidFill>
+                                <a:latin typeface="Cambria Math" panose="02040503050406030204" pitchFamily="18" charset="0"/>
+                              </a:rPr>
+                              <m:t>𝑘</m:t>
+                            </m:r>
+                          </m:e>
+                        </m:acc>
+                      </m:oMath>
+                    </m:oMathPara>
+                  </a14:m>
+                  <a:endParaRPr lang="fr-FR" dirty="0">
+                    <a:solidFill>
+                      <a:schemeClr val="accent2"/>
+                    </a:solidFill>
+                  </a:endParaRPr>
+                </a:p>
+              </p:txBody>
+            </p:sp>
+          </mc:Choice>
+          <mc:Fallback>
+            <p:sp>
+              <p:nvSpPr>
+                <p:cNvPr id="40" name="ZoneTexte 39"/>
+                <p:cNvSpPr txBox="1">
+                  <a:spLocks noRot="1" noChangeAspect="1" noMove="1" noResize="1" noEditPoints="1" noAdjustHandles="1" noChangeArrowheads="1" noChangeShapeType="1" noTextEdit="1"/>
+                </p:cNvSpPr>
+                <p:nvPr/>
+              </p:nvSpPr>
+              <p:spPr>
+                <a:xfrm>
+                  <a:off x="3457199" y="3158889"/>
+                  <a:ext cx="186268" cy="317971"/>
+                </a:xfrm>
+                <a:prstGeom prst="rect">
+                  <a:avLst/>
+                </a:prstGeom>
+                <a:blipFill rotWithShape="0">
+                  <a:blip r:embed="rId4"/>
+                  <a:stretch>
+                    <a:fillRect l="-82353" r="-105882" b="-86667"/>
+                  </a:stretch>
+                </a:blipFill>
+              </p:spPr>
+              <p:txBody>
+                <a:bodyPr/>
+                <a:lstStyle/>
+                <a:p>
+                  <a:r>
+                    <a:rPr lang="fr-FR">
+                      <a:noFill/>
+                    </a:rPr>
+                    <a:t> </a:t>
+                  </a:r>
+                </a:p>
+              </p:txBody>
+            </p:sp>
+          </mc:Fallback>
+        </mc:AlternateContent>
+        <mc:AlternateContent xmlns:mc="http://schemas.openxmlformats.org/markup-compatibility/2006">
+          <mc:Choice xmlns:a14="http://schemas.microsoft.com/office/drawing/2010/main" Requires="a14">
+            <p:sp>
+              <p:nvSpPr>
+                <p:cNvPr id="41" name="ZoneTexte 40"/>
+                <p:cNvSpPr txBox="1"/>
+                <p:nvPr/>
+              </p:nvSpPr>
+              <p:spPr>
+                <a:xfrm>
+                  <a:off x="2866097" y="4047378"/>
+                  <a:ext cx="211404" cy="310597"/>
+                </a:xfrm>
+                <a:prstGeom prst="rect">
+                  <a:avLst/>
+                </a:prstGeom>
+                <a:noFill/>
+              </p:spPr>
+              <p:txBody>
+                <a:bodyPr wrap="none" lIns="0" tIns="0" rIns="0" bIns="0" rtlCol="0">
+                  <a:spAutoFit/>
+                </a:bodyPr>
+                <a:lstStyle/>
+                <a:p>
+                  <a14:m>
+                    <m:oMathPara xmlns:m="http://schemas.openxmlformats.org/officeDocument/2006/math">
+                      <m:oMathParaPr>
+                        <m:jc m:val="centerGroup"/>
+                      </m:oMathParaPr>
+                      <m:oMath xmlns:m="http://schemas.openxmlformats.org/officeDocument/2006/math">
+                        <m:acc>
+                          <m:accPr>
+                            <m:chr m:val="⃗"/>
+                            <m:ctrlPr>
+                              <a:rPr lang="fr-FR" i="1" smtClean="0">
+                                <a:solidFill>
+                                  <a:schemeClr val="accent6"/>
+                                </a:solidFill>
+                                <a:latin typeface="Cambria Math" panose="02040503050406030204" pitchFamily="18" charset="0"/>
+                              </a:rPr>
+                            </m:ctrlPr>
+                          </m:accPr>
+                          <m:e>
+                            <m:r>
+                              <a:rPr lang="fr-FR" b="0" i="1" smtClean="0">
+                                <a:solidFill>
+                                  <a:schemeClr val="accent6"/>
+                                </a:solidFill>
+                                <a:latin typeface="Cambria Math" panose="02040503050406030204" pitchFamily="18" charset="0"/>
+                              </a:rPr>
+                              <m:t>𝐵</m:t>
+                            </m:r>
+                          </m:e>
+                        </m:acc>
+                      </m:oMath>
+                    </m:oMathPara>
+                  </a14:m>
+                  <a:endParaRPr lang="fr-FR" dirty="0">
+                    <a:solidFill>
+                      <a:schemeClr val="accent6"/>
+                    </a:solidFill>
+                  </a:endParaRPr>
+                </a:p>
+              </p:txBody>
+            </p:sp>
+          </mc:Choice>
+          <mc:Fallback>
+            <p:sp>
+              <p:nvSpPr>
+                <p:cNvPr id="41" name="ZoneTexte 40"/>
+                <p:cNvSpPr txBox="1">
+                  <a:spLocks noRot="1" noChangeAspect="1" noMove="1" noResize="1" noEditPoints="1" noAdjustHandles="1" noChangeArrowheads="1" noChangeShapeType="1" noTextEdit="1"/>
+                </p:cNvSpPr>
+                <p:nvPr/>
+              </p:nvSpPr>
+              <p:spPr>
+                <a:xfrm>
+                  <a:off x="2866097" y="4047378"/>
+                  <a:ext cx="211404" cy="310597"/>
+                </a:xfrm>
+                <a:prstGeom prst="rect">
+                  <a:avLst/>
+                </a:prstGeom>
+                <a:blipFill rotWithShape="0">
+                  <a:blip r:embed="rId5"/>
+                  <a:stretch>
+                    <a:fillRect l="-73684" r="-100000" b="-89655"/>
+                  </a:stretch>
+                </a:blipFill>
+              </p:spPr>
+              <p:txBody>
+                <a:bodyPr/>
+                <a:lstStyle/>
+                <a:p>
+                  <a:r>
+                    <a:rPr lang="fr-FR">
+                      <a:noFill/>
+                    </a:rPr>
+                    <a:t> </a:t>
+                  </a:r>
+                </a:p>
+              </p:txBody>
+            </p:sp>
+          </mc:Fallback>
+        </mc:AlternateContent>
+        <p:cxnSp>
+          <p:nvCxnSpPr>
+            <p:cNvPr id="42" name="Connecteur droit avec flèche 41"/>
+            <p:cNvCxnSpPr/>
+            <p:nvPr/>
+          </p:nvCxnSpPr>
+          <p:spPr>
+            <a:xfrm flipV="1">
+              <a:off x="1175165" y="5949949"/>
+              <a:ext cx="6972300" cy="0"/>
+            </a:xfrm>
+            <a:prstGeom prst="straightConnector1">
+              <a:avLst/>
+            </a:prstGeom>
+            <a:ln w="38100">
+              <a:solidFill>
+                <a:schemeClr val="tx1"/>
+              </a:solidFill>
+              <a:tailEnd type="triangle"/>
+            </a:ln>
+          </p:spPr>
+          <p:style>
+            <a:lnRef idx="1">
+              <a:schemeClr val="accent1"/>
+            </a:lnRef>
+            <a:fillRef idx="0">
+              <a:schemeClr val="accent1"/>
+            </a:fillRef>
+            <a:effectRef idx="0">
+              <a:schemeClr val="accent1"/>
+            </a:effectRef>
+            <a:fontRef idx="minor">
+              <a:schemeClr val="tx1"/>
+            </a:fontRef>
+          </p:style>
+        </p:cxnSp>
+        <mc:AlternateContent xmlns:mc="http://schemas.openxmlformats.org/markup-compatibility/2006">
+          <mc:Choice xmlns:a14="http://schemas.microsoft.com/office/drawing/2010/main" Requires="a14">
+            <p:sp>
+              <p:nvSpPr>
+                <p:cNvPr id="43" name="ZoneTexte 42"/>
+                <p:cNvSpPr txBox="1"/>
+                <p:nvPr/>
+              </p:nvSpPr>
+              <p:spPr>
+                <a:xfrm>
+                  <a:off x="8055805" y="5984099"/>
+                  <a:ext cx="183319" cy="276999"/>
+                </a:xfrm>
+                <a:prstGeom prst="rect">
+                  <a:avLst/>
+                </a:prstGeom>
+                <a:noFill/>
+              </p:spPr>
+              <p:txBody>
+                <a:bodyPr wrap="none" lIns="0" tIns="0" rIns="0" bIns="0" rtlCol="0">
+                  <a:spAutoFit/>
+                </a:bodyPr>
+                <a:lstStyle/>
+                <a:p>
+                  <a14:m>
+                    <m:oMathPara xmlns:m="http://schemas.openxmlformats.org/officeDocument/2006/math">
+                      <m:oMathParaPr>
+                        <m:jc m:val="centerGroup"/>
+                      </m:oMathParaPr>
+                      <m:oMath xmlns:m="http://schemas.openxmlformats.org/officeDocument/2006/math">
+                        <m:r>
+                          <a:rPr lang="fr-FR" b="0" i="1" smtClean="0">
+                            <a:solidFill>
+                              <a:schemeClr val="tx1"/>
+                            </a:solidFill>
+                            <a:latin typeface="Cambria Math" panose="02040503050406030204" pitchFamily="18" charset="0"/>
+                          </a:rPr>
+                          <m:t>𝑥</m:t>
+                        </m:r>
+                      </m:oMath>
+                    </m:oMathPara>
+                  </a14:m>
+                  <a:endParaRPr lang="fr-FR" dirty="0">
+                    <a:solidFill>
+                      <a:schemeClr val="bg1">
+                        <a:lumMod val="50000"/>
+                      </a:schemeClr>
+                    </a:solidFill>
+                  </a:endParaRPr>
+                </a:p>
+              </p:txBody>
+            </p:sp>
+          </mc:Choice>
+          <mc:Fallback>
+            <p:sp>
+              <p:nvSpPr>
+                <p:cNvPr id="43" name="ZoneTexte 42"/>
+                <p:cNvSpPr txBox="1">
+                  <a:spLocks noRot="1" noChangeAspect="1" noMove="1" noResize="1" noEditPoints="1" noAdjustHandles="1" noChangeArrowheads="1" noChangeShapeType="1" noTextEdit="1"/>
+                </p:cNvSpPr>
+                <p:nvPr/>
+              </p:nvSpPr>
+              <p:spPr>
+                <a:xfrm>
+                  <a:off x="8055805" y="5984099"/>
+                  <a:ext cx="183319" cy="276999"/>
+                </a:xfrm>
+                <a:prstGeom prst="rect">
+                  <a:avLst/>
+                </a:prstGeom>
+                <a:blipFill rotWithShape="0">
+                  <a:blip r:embed="rId6"/>
+                  <a:stretch>
+                    <a:fillRect l="-58824" r="-76471" b="-73077"/>
+                  </a:stretch>
+                </a:blipFill>
+              </p:spPr>
+              <p:txBody>
+                <a:bodyPr/>
+                <a:lstStyle/>
+                <a:p>
+                  <a:r>
+                    <a:rPr lang="fr-FR">
+                      <a:noFill/>
+                    </a:rPr>
+                    <a:t> </a:t>
+                  </a:r>
+                </a:p>
+              </p:txBody>
+            </p:sp>
+          </mc:Fallback>
+        </mc:AlternateContent>
+      </p:grpSp>
+      <p:sp>
+        <p:nvSpPr>
+          <p:cNvPr id="44" name="ZoneTexte 43"/>
+          <p:cNvSpPr txBox="1"/>
+          <p:nvPr/>
+        </p:nvSpPr>
+        <p:spPr>
+          <a:xfrm>
+            <a:off x="228600" y="3636280"/>
+            <a:ext cx="8686800" cy="2585323"/>
+          </a:xfrm>
+          <a:prstGeom prst="rect">
+            <a:avLst/>
+          </a:prstGeom>
+          <a:noFill/>
+        </p:spPr>
+        <p:txBody>
+          <a:bodyPr wrap="square" rtlCol="0">
+            <a:spAutoFit/>
+          </a:bodyPr>
+          <a:lstStyle/>
+          <a:p>
+            <a:r>
+              <a:rPr lang="fr-FR" b="1" dirty="0" smtClean="0">
+                <a:solidFill>
+                  <a:schemeClr val="accent1"/>
+                </a:solidFill>
+              </a:rPr>
+              <a:t>Force de Laplace :</a:t>
+            </a:r>
+          </a:p>
+          <a:p>
+            <a:endParaRPr lang="fr-FR" b="1" dirty="0" smtClean="0">
+              <a:solidFill>
+                <a:schemeClr val="accent1"/>
+              </a:solidFill>
+            </a:endParaRPr>
+          </a:p>
+          <a:p>
+            <a:pPr marL="742950" lvl="1" indent="-285750">
+              <a:buFont typeface="Arial" panose="020B0604020202020204" pitchFamily="34" charset="0"/>
+              <a:buChar char="•"/>
+            </a:pPr>
+            <a:r>
+              <a:rPr lang="fr-FR" dirty="0" smtClean="0">
+                <a:solidFill>
+                  <a:schemeClr val="accent1"/>
+                </a:solidFill>
+              </a:rPr>
+              <a:t>Le champ électromagnétique pénètre dans le conducteur</a:t>
+            </a:r>
+          </a:p>
+          <a:p>
+            <a:pPr marL="742950" lvl="1" indent="-285750">
+              <a:buFont typeface="Arial" panose="020B0604020202020204" pitchFamily="34" charset="0"/>
+              <a:buChar char="•"/>
+            </a:pPr>
+            <a:endParaRPr lang="fr-FR" dirty="0">
+              <a:solidFill>
+                <a:schemeClr val="accent1"/>
+              </a:solidFill>
+            </a:endParaRPr>
+          </a:p>
+          <a:p>
+            <a:pPr marL="742950" lvl="1" indent="-285750">
+              <a:buFont typeface="Arial" panose="020B0604020202020204" pitchFamily="34" charset="0"/>
+              <a:buChar char="•"/>
+            </a:pPr>
+            <a:r>
+              <a:rPr lang="fr-FR" dirty="0" smtClean="0">
+                <a:solidFill>
+                  <a:schemeClr val="accent1"/>
+                </a:solidFill>
+              </a:rPr>
+              <a:t>Le champ E crée des courants</a:t>
+            </a:r>
+          </a:p>
+          <a:p>
+            <a:pPr marL="742950" lvl="1" indent="-285750">
+              <a:buFont typeface="Arial" panose="020B0604020202020204" pitchFamily="34" charset="0"/>
+              <a:buChar char="•"/>
+            </a:pPr>
+            <a:endParaRPr lang="fr-FR" dirty="0">
+              <a:solidFill>
+                <a:schemeClr val="accent1"/>
+              </a:solidFill>
+            </a:endParaRPr>
+          </a:p>
+          <a:p>
+            <a:pPr marL="742950" lvl="1" indent="-285750">
+              <a:buFont typeface="Arial" panose="020B0604020202020204" pitchFamily="34" charset="0"/>
+              <a:buChar char="•"/>
+            </a:pPr>
+            <a:r>
+              <a:rPr lang="fr-FR" dirty="0" smtClean="0">
+                <a:solidFill>
+                  <a:schemeClr val="accent1"/>
+                </a:solidFill>
+              </a:rPr>
+              <a:t>Le champ B est responsable de la force de Laplace</a:t>
+            </a:r>
+          </a:p>
+          <a:p>
+            <a:pPr marL="742950" lvl="1" indent="-285750">
+              <a:buFont typeface="Arial" panose="020B0604020202020204" pitchFamily="34" charset="0"/>
+              <a:buChar char="•"/>
+            </a:pPr>
+            <a:endParaRPr lang="fr-FR" dirty="0">
+              <a:solidFill>
+                <a:schemeClr val="accent1"/>
+              </a:solidFill>
+            </a:endParaRPr>
+          </a:p>
+          <a:p>
+            <a:pPr marL="742950" lvl="1" indent="-285750">
+              <a:buFont typeface="Arial" panose="020B0604020202020204" pitchFamily="34" charset="0"/>
+              <a:buChar char="•"/>
+            </a:pPr>
+            <a:r>
+              <a:rPr lang="fr-FR" dirty="0" smtClean="0">
+                <a:solidFill>
+                  <a:schemeClr val="accent1"/>
+                </a:solidFill>
+              </a:rPr>
+              <a:t>Cette force surfacique de Laplace est la </a:t>
+            </a:r>
+            <a:r>
+              <a:rPr lang="fr-FR" b="1" dirty="0" smtClean="0">
+                <a:solidFill>
+                  <a:schemeClr val="accent1"/>
+                </a:solidFill>
+              </a:rPr>
+              <a:t>pression de radiation </a:t>
+            </a:r>
+            <a:endParaRPr lang="fr-FR" b="1" dirty="0">
+              <a:solidFill>
+                <a:schemeClr val="accent1"/>
+              </a:solidFill>
+            </a:endParaRPr>
+          </a:p>
+        </p:txBody>
+      </p:sp>
+    </p:spTree>
+    <p:extLst>
+      <p:ext uri="{BB962C8B-B14F-4D97-AF65-F5344CB8AC3E}">
+        <p14:creationId xmlns:p14="http://schemas.microsoft.com/office/powerpoint/2010/main" val="3451612174"/>
+      </p:ext>
+    </p:extLst>
+  </p:cSld>
+  <p:clrMapOvr>
+    <a:masterClrMapping/>
+  </p:clrMapOvr>
+  <mc:AlternateContent xmlns:mc="http://schemas.openxmlformats.org/markup-compatibility/2006" xmlns:p14="http://schemas.microsoft.com/office/powerpoint/2010/main">
+    <mc:Choice Requires="p14">
+      <p:transition p14:dur="0"/>
+    </mc:Choice>
+    <mc:Fallback xmlns="">
+      <p:transition/>
+    </mc:Fallback>
+  </mc:AlternateContent>
+  <p:timing>
+    <p:tnLst>
+      <p:par>
+        <p:cTn id="1" dur="indefinite" restart="never" nodeType="tmRoot"/>
+      </p:par>
+    </p:tnLst>
+  </p:timing>
+</p:sld>
+</file>
+
+<file path=ppt/slides/slide5.xml><?xml version="1.0" encoding="utf-8"?>
+<p:sld xmlns:a="http://schemas.openxmlformats.org/drawingml/2006/main" xmlns:r="http://schemas.openxmlformats.org/officeDocument/2006/relationships" xmlns:p="http://schemas.openxmlformats.org/presentationml/2006/main">
+  <p:cSld>
+    <p:spTree>
+      <p:nvGrpSpPr>
+        <p:cNvPr id="1" name=""/>
+        <p:cNvGrpSpPr/>
+        <p:nvPr/>
+      </p:nvGrpSpPr>
+      <p:grpSpPr>
+        <a:xfrm>
+          <a:off x="0" y="0"/>
+          <a:ext cx="0" cy="0"/>
+          <a:chOff x="0" y="0"/>
+          <a:chExt cx="0" cy="0"/>
+        </a:xfrm>
+      </p:grpSpPr>
+      <p:sp>
+        <p:nvSpPr>
+          <p:cNvPr id="8" name="Rectangle 11"/>
+          <p:cNvSpPr>
+            <a:spLocks noGrp="1" noChangeArrowheads="1"/>
+          </p:cNvSpPr>
+          <p:nvPr>
+            <p:ph type="title"/>
+          </p:nvPr>
+        </p:nvSpPr>
+        <p:spPr>
+          <a:xfrm>
+            <a:off x="228600" y="76200"/>
+            <a:ext cx="8686800" cy="381000"/>
+          </a:xfrm>
+          <a:noFill/>
+          <a:ln/>
+        </p:spPr>
+        <p:txBody>
+          <a:bodyPr/>
+          <a:lstStyle/>
+          <a:p>
+            <a:pPr algn="l"/>
+            <a:r>
+              <a:rPr lang="fr-FR" altLang="fr-FR" sz="2000" b="1" dirty="0" smtClean="0">
+                <a:solidFill>
+                  <a:schemeClr val="accent6"/>
+                </a:solidFill>
+              </a:rPr>
+              <a:t>La pression de radiation sans la notion de photon</a:t>
+            </a:r>
+            <a:endParaRPr lang="fr-FR" altLang="fr-FR" sz="2000" b="1" dirty="0">
+              <a:solidFill>
+                <a:schemeClr val="accent6"/>
+              </a:solidFill>
+            </a:endParaRPr>
+          </a:p>
+        </p:txBody>
+      </p:sp>
+      <p:sp>
+        <p:nvSpPr>
+          <p:cNvPr id="17" name="Rectangle 9"/>
+          <p:cNvSpPr>
+            <a:spLocks noChangeArrowheads="1"/>
+          </p:cNvSpPr>
+          <p:nvPr/>
+        </p:nvSpPr>
+        <p:spPr bwMode="auto">
+          <a:xfrm>
+            <a:off x="228600" y="457200"/>
+            <a:ext cx="8686800" cy="53975"/>
+          </a:xfrm>
+          <a:prstGeom prst="rect">
+            <a:avLst/>
+          </a:prstGeom>
+          <a:gradFill rotWithShape="1">
+            <a:gsLst>
+              <a:gs pos="0">
+                <a:schemeClr val="accent6"/>
+              </a:gs>
+              <a:gs pos="100000">
+                <a:schemeClr val="accent6">
+                  <a:lumMod val="20000"/>
+                  <a:lumOff val="80000"/>
+                </a:schemeClr>
+              </a:gs>
+            </a:gsLst>
+            <a:lin ang="0" scaled="1"/>
+          </a:gradFill>
+          <a:ln>
+            <a:noFill/>
+          </a:ln>
+          <a:extLst/>
+        </p:spPr>
+        <p:txBody>
+          <a:bodyPr wrap="none" anchor="ctr"/>
+          <a:lstStyle>
+            <a:lvl1pPr>
+              <a:defRPr>
+                <a:solidFill>
+                  <a:schemeClr val="tx1"/>
+                </a:solidFill>
+                <a:latin typeface="Arial" panose="020B0604020202020204" pitchFamily="34" charset="0"/>
+                <a:cs typeface="Arial" panose="020B0604020202020204" pitchFamily="34" charset="0"/>
+              </a:defRPr>
+            </a:lvl1pPr>
+            <a:lvl2pPr marL="742950" indent="-285750">
+              <a:defRPr>
+                <a:solidFill>
+                  <a:schemeClr val="tx1"/>
+                </a:solidFill>
+                <a:latin typeface="Arial" panose="020B0604020202020204" pitchFamily="34" charset="0"/>
+                <a:cs typeface="Arial" panose="020B0604020202020204" pitchFamily="34" charset="0"/>
+              </a:defRPr>
+            </a:lvl2pPr>
+            <a:lvl3pPr marL="1143000" indent="-228600">
+              <a:defRPr>
+                <a:solidFill>
+                  <a:schemeClr val="tx1"/>
+                </a:solidFill>
+                <a:latin typeface="Arial" panose="020B0604020202020204" pitchFamily="34" charset="0"/>
+                <a:cs typeface="Arial" panose="020B0604020202020204" pitchFamily="34" charset="0"/>
+              </a:defRPr>
+            </a:lvl3pPr>
+            <a:lvl4pPr marL="1600200" indent="-228600">
+              <a:defRPr>
+                <a:solidFill>
+                  <a:schemeClr val="tx1"/>
+                </a:solidFill>
+                <a:latin typeface="Arial" panose="020B0604020202020204" pitchFamily="34" charset="0"/>
+                <a:cs typeface="Arial" panose="020B0604020202020204" pitchFamily="34" charset="0"/>
+              </a:defRPr>
+            </a:lvl4pPr>
+            <a:lvl5pPr marL="2057400" indent="-228600">
+              <a:defRPr>
+                <a:solidFill>
+                  <a:schemeClr val="tx1"/>
+                </a:solidFill>
+                <a:latin typeface="Arial" panose="020B0604020202020204" pitchFamily="34" charset="0"/>
+                <a:cs typeface="Arial" panose="020B0604020202020204" pitchFamily="34" charset="0"/>
+              </a:defRPr>
+            </a:lvl5pPr>
+            <a:lvl6pPr marL="2514600" indent="-228600" fontAlgn="base">
+              <a:spcBef>
+                <a:spcPct val="0"/>
+              </a:spcBef>
+              <a:spcAft>
+                <a:spcPct val="0"/>
+              </a:spcAft>
+              <a:defRPr>
+                <a:solidFill>
+                  <a:schemeClr val="tx1"/>
+                </a:solidFill>
+                <a:latin typeface="Arial" panose="020B0604020202020204" pitchFamily="34" charset="0"/>
+                <a:cs typeface="Arial" panose="020B0604020202020204" pitchFamily="34" charset="0"/>
+              </a:defRPr>
+            </a:lvl6pPr>
+            <a:lvl7pPr marL="2971800" indent="-228600" fontAlgn="base">
+              <a:spcBef>
+                <a:spcPct val="0"/>
+              </a:spcBef>
+              <a:spcAft>
+                <a:spcPct val="0"/>
+              </a:spcAft>
+              <a:defRPr>
+                <a:solidFill>
+                  <a:schemeClr val="tx1"/>
+                </a:solidFill>
+                <a:latin typeface="Arial" panose="020B0604020202020204" pitchFamily="34" charset="0"/>
+                <a:cs typeface="Arial" panose="020B0604020202020204" pitchFamily="34" charset="0"/>
+              </a:defRPr>
+            </a:lvl7pPr>
+            <a:lvl8pPr marL="3429000" indent="-228600" fontAlgn="base">
+              <a:spcBef>
+                <a:spcPct val="0"/>
+              </a:spcBef>
+              <a:spcAft>
+                <a:spcPct val="0"/>
+              </a:spcAft>
+              <a:defRPr>
+                <a:solidFill>
+                  <a:schemeClr val="tx1"/>
+                </a:solidFill>
+                <a:latin typeface="Arial" panose="020B0604020202020204" pitchFamily="34" charset="0"/>
+                <a:cs typeface="Arial" panose="020B0604020202020204" pitchFamily="34" charset="0"/>
+              </a:defRPr>
+            </a:lvl8pPr>
+            <a:lvl9pPr marL="3886200" indent="-228600" fontAlgn="base">
+              <a:spcBef>
+                <a:spcPct val="0"/>
+              </a:spcBef>
+              <a:spcAft>
+                <a:spcPct val="0"/>
+              </a:spcAft>
+              <a:defRPr>
+                <a:solidFill>
+                  <a:schemeClr val="tx1"/>
+                </a:solidFill>
+                <a:latin typeface="Arial" panose="020B0604020202020204" pitchFamily="34" charset="0"/>
+                <a:cs typeface="Arial" panose="020B0604020202020204" pitchFamily="34" charset="0"/>
+              </a:defRPr>
+            </a:lvl9pPr>
+          </a:lstStyle>
+          <a:p>
+            <a:pPr algn="ctr">
+              <a:buFontTx/>
+              <a:buNone/>
+            </a:pPr>
+            <a:endParaRPr lang="fr-FR" altLang="fr-FR" dirty="0">
+              <a:solidFill>
+                <a:schemeClr val="tx2"/>
+              </a:solidFill>
+            </a:endParaRPr>
+          </a:p>
+        </p:txBody>
+      </p:sp>
+      <p:grpSp>
+        <p:nvGrpSpPr>
+          <p:cNvPr id="21" name="Groupe 20"/>
+          <p:cNvGrpSpPr/>
+          <p:nvPr/>
+        </p:nvGrpSpPr>
+        <p:grpSpPr>
+          <a:xfrm>
+            <a:off x="1040020" y="1400175"/>
+            <a:ext cx="7063959" cy="4337048"/>
+            <a:chOff x="1175165" y="1924050"/>
+            <a:chExt cx="7063959" cy="4337048"/>
+          </a:xfrm>
+        </p:grpSpPr>
+        <p:sp>
+          <p:nvSpPr>
+            <p:cNvPr id="2" name="Rectangle 1"/>
+            <p:cNvSpPr/>
+            <p:nvPr/>
+          </p:nvSpPr>
+          <p:spPr>
+            <a:xfrm>
+              <a:off x="4572000" y="1924050"/>
+              <a:ext cx="2647950" cy="3714751"/>
+            </a:xfrm>
+            <a:prstGeom prst="rect">
+              <a:avLst/>
+            </a:prstGeom>
+            <a:gradFill flip="none" rotWithShape="1">
+              <a:gsLst>
+                <a:gs pos="0">
+                  <a:schemeClr val="bg1">
+                    <a:lumMod val="50000"/>
+                  </a:schemeClr>
+                </a:gs>
+                <a:gs pos="100000">
+                  <a:schemeClr val="bg1">
+                    <a:lumMod val="95000"/>
+                  </a:schemeClr>
+                </a:gs>
+              </a:gsLst>
+              <a:lin ang="0" scaled="1"/>
+              <a:tileRect/>
+            </a:gradFill>
+            <a:ln>
+              <a:noFill/>
+            </a:ln>
+          </p:spPr>
+          <p:style>
+            <a:lnRef idx="2">
+              <a:schemeClr val="accent1">
+                <a:shade val="50000"/>
+              </a:schemeClr>
+            </a:lnRef>
+            <a:fillRef idx="1">
+              <a:schemeClr val="accent1"/>
+            </a:fillRef>
+            <a:effectRef idx="0">
+              <a:schemeClr val="accent1"/>
+            </a:effectRef>
+            <a:fontRef idx="minor">
+              <a:schemeClr val="lt1"/>
+            </a:fontRef>
+          </p:style>
+          <p:txBody>
+            <a:bodyPr rtlCol="0" anchor="ctr"/>
+            <a:lstStyle/>
+            <a:p>
+              <a:pPr algn="ctr"/>
+              <a:endParaRPr lang="fr-FR" dirty="0"/>
+            </a:p>
+          </p:txBody>
+        </p:sp>
+        <p:cxnSp>
+          <p:nvCxnSpPr>
+            <p:cNvPr id="4" name="Connecteur droit avec flèche 3"/>
+            <p:cNvCxnSpPr/>
+            <p:nvPr/>
+          </p:nvCxnSpPr>
+          <p:spPr>
+            <a:xfrm>
+              <a:off x="2971800" y="3817936"/>
+              <a:ext cx="1080000" cy="0"/>
+            </a:xfrm>
+            <a:prstGeom prst="straightConnector1">
+              <a:avLst/>
+            </a:prstGeom>
+            <a:ln w="38100">
+              <a:solidFill>
+                <a:schemeClr val="accent2"/>
+              </a:solidFill>
+              <a:tailEnd type="triangle"/>
+            </a:ln>
+          </p:spPr>
+          <p:style>
+            <a:lnRef idx="1">
+              <a:schemeClr val="accent1"/>
+            </a:lnRef>
+            <a:fillRef idx="0">
+              <a:schemeClr val="accent1"/>
+            </a:fillRef>
+            <a:effectRef idx="0">
+              <a:schemeClr val="accent1"/>
+            </a:effectRef>
+            <a:fontRef idx="minor">
+              <a:schemeClr val="tx1"/>
+            </a:fontRef>
+          </p:style>
+        </p:cxnSp>
+        <p:cxnSp>
+          <p:nvCxnSpPr>
+            <p:cNvPr id="9" name="Connecteur droit avec flèche 8"/>
+            <p:cNvCxnSpPr/>
+            <p:nvPr/>
+          </p:nvCxnSpPr>
+          <p:spPr>
+            <a:xfrm flipV="1">
+              <a:off x="2990850" y="2737936"/>
+              <a:ext cx="0" cy="1080000"/>
+            </a:xfrm>
+            <a:prstGeom prst="straightConnector1">
+              <a:avLst/>
+            </a:prstGeom>
+            <a:ln w="38100">
+              <a:tailEnd type="triangle"/>
+            </a:ln>
+          </p:spPr>
+          <p:style>
+            <a:lnRef idx="1">
+              <a:schemeClr val="accent1"/>
+            </a:lnRef>
+            <a:fillRef idx="0">
+              <a:schemeClr val="accent1"/>
+            </a:fillRef>
+            <a:effectRef idx="0">
+              <a:schemeClr val="accent1"/>
+            </a:effectRef>
+            <a:fontRef idx="minor">
+              <a:schemeClr val="tx1"/>
+            </a:fontRef>
+          </p:style>
+        </p:cxnSp>
+        <p:cxnSp>
+          <p:nvCxnSpPr>
+            <p:cNvPr id="7" name="Connecteur droit avec flèche 6"/>
+            <p:cNvCxnSpPr/>
+            <p:nvPr/>
+          </p:nvCxnSpPr>
+          <p:spPr>
+            <a:xfrm flipH="1">
+              <a:off x="2543175" y="3817936"/>
+              <a:ext cx="438150" cy="500063"/>
+            </a:xfrm>
+            <a:prstGeom prst="straightConnector1">
+              <a:avLst/>
+            </a:prstGeom>
+            <a:ln w="38100">
+              <a:solidFill>
+                <a:schemeClr val="accent6"/>
+              </a:solidFill>
+              <a:tailEnd type="triangle"/>
+            </a:ln>
+          </p:spPr>
+          <p:style>
+            <a:lnRef idx="1">
+              <a:schemeClr val="accent1"/>
+            </a:lnRef>
+            <a:fillRef idx="0">
+              <a:schemeClr val="accent1"/>
+            </a:fillRef>
+            <a:effectRef idx="0">
+              <a:schemeClr val="accent1"/>
+            </a:effectRef>
+            <a:fontRef idx="minor">
+              <a:schemeClr val="tx1"/>
+            </a:fontRef>
+          </p:style>
+        </p:cxnSp>
+        <mc:AlternateContent xmlns:mc="http://schemas.openxmlformats.org/markup-compatibility/2006">
+          <mc:Choice xmlns:a14="http://schemas.microsoft.com/office/drawing/2010/main" Requires="a14">
+            <p:sp>
+              <p:nvSpPr>
+                <p:cNvPr id="11" name="ZoneTexte 10"/>
+                <p:cNvSpPr txBox="1"/>
+                <p:nvPr/>
+              </p:nvSpPr>
+              <p:spPr>
+                <a:xfrm>
+                  <a:off x="2659145" y="3122637"/>
+                  <a:ext cx="206210" cy="310598"/>
+                </a:xfrm>
+                <a:prstGeom prst="rect">
+                  <a:avLst/>
+                </a:prstGeom>
+                <a:noFill/>
+              </p:spPr>
+              <p:txBody>
+                <a:bodyPr wrap="none" lIns="0" tIns="0" rIns="0" bIns="0" rtlCol="0">
+                  <a:spAutoFit/>
+                </a:bodyPr>
+                <a:lstStyle/>
+                <a:p>
+                  <a14:m>
+                    <m:oMathPara xmlns:m="http://schemas.openxmlformats.org/officeDocument/2006/math">
+                      <m:oMathParaPr>
+                        <m:jc m:val="centerGroup"/>
+                      </m:oMathParaPr>
+                      <m:oMath xmlns:m="http://schemas.openxmlformats.org/officeDocument/2006/math">
+                        <m:acc>
+                          <m:accPr>
+                            <m:chr m:val="⃗"/>
+                            <m:ctrlPr>
+                              <a:rPr lang="fr-FR" i="1" smtClean="0">
+                                <a:solidFill>
+                                  <a:schemeClr val="accent1"/>
+                                </a:solidFill>
+                                <a:latin typeface="Cambria Math" panose="02040503050406030204" pitchFamily="18" charset="0"/>
+                              </a:rPr>
+                            </m:ctrlPr>
+                          </m:accPr>
+                          <m:e>
+                            <m:r>
+                              <a:rPr lang="fr-FR" b="0" i="1" smtClean="0">
+                                <a:solidFill>
+                                  <a:schemeClr val="accent1"/>
+                                </a:solidFill>
+                                <a:latin typeface="Cambria Math" panose="02040503050406030204" pitchFamily="18" charset="0"/>
+                              </a:rPr>
+                              <m:t>𝐸</m:t>
+                            </m:r>
+                          </m:e>
+                        </m:acc>
+                      </m:oMath>
+                    </m:oMathPara>
+                  </a14:m>
+                  <a:endParaRPr lang="fr-FR" dirty="0">
+                    <a:solidFill>
+                      <a:schemeClr val="accent1"/>
+                    </a:solidFill>
+                  </a:endParaRPr>
+                </a:p>
+              </p:txBody>
+            </p:sp>
+          </mc:Choice>
+          <mc:Fallback>
+            <p:sp>
+              <p:nvSpPr>
+                <p:cNvPr id="11" name="ZoneTexte 10"/>
+                <p:cNvSpPr txBox="1">
+                  <a:spLocks noRot="1" noChangeAspect="1" noMove="1" noResize="1" noEditPoints="1" noAdjustHandles="1" noChangeArrowheads="1" noChangeShapeType="1" noTextEdit="1"/>
+                </p:cNvSpPr>
+                <p:nvPr/>
+              </p:nvSpPr>
+              <p:spPr>
+                <a:xfrm>
+                  <a:off x="2659145" y="3122637"/>
+                  <a:ext cx="206210" cy="310598"/>
+                </a:xfrm>
+                <a:prstGeom prst="rect">
+                  <a:avLst/>
+                </a:prstGeom>
+                <a:blipFill rotWithShape="0">
+                  <a:blip r:embed="rId3"/>
+                  <a:stretch>
+                    <a:fillRect l="-26471" r="-23529" b="-7843"/>
+                  </a:stretch>
+                </a:blipFill>
+              </p:spPr>
+              <p:txBody>
+                <a:bodyPr/>
+                <a:lstStyle/>
+                <a:p>
+                  <a:r>
+                    <a:rPr lang="fr-FR">
+                      <a:noFill/>
+                    </a:rPr>
+                    <a:t> </a:t>
+                  </a:r>
+                </a:p>
+              </p:txBody>
+            </p:sp>
+          </mc:Fallback>
+        </mc:AlternateContent>
+        <mc:AlternateContent xmlns:mc="http://schemas.openxmlformats.org/markup-compatibility/2006">
+          <mc:Choice xmlns:a14="http://schemas.microsoft.com/office/drawing/2010/main" Requires="a14">
+            <p:sp>
+              <p:nvSpPr>
+                <p:cNvPr id="12" name="ZoneTexte 11"/>
+                <p:cNvSpPr txBox="1"/>
+                <p:nvPr/>
+              </p:nvSpPr>
+              <p:spPr>
+                <a:xfrm>
+                  <a:off x="3418666" y="3445989"/>
+                  <a:ext cx="186268" cy="317972"/>
+                </a:xfrm>
+                <a:prstGeom prst="rect">
+                  <a:avLst/>
+                </a:prstGeom>
+                <a:noFill/>
+              </p:spPr>
+              <p:txBody>
+                <a:bodyPr wrap="none" lIns="0" tIns="0" rIns="0" bIns="0" rtlCol="0">
+                  <a:spAutoFit/>
+                </a:bodyPr>
+                <a:lstStyle/>
+                <a:p>
+                  <a14:m>
+                    <m:oMathPara xmlns:m="http://schemas.openxmlformats.org/officeDocument/2006/math">
+                      <m:oMathParaPr>
+                        <m:jc m:val="centerGroup"/>
+                      </m:oMathParaPr>
+                      <m:oMath xmlns:m="http://schemas.openxmlformats.org/officeDocument/2006/math">
+                        <m:acc>
+                          <m:accPr>
+                            <m:chr m:val="⃗"/>
+                            <m:ctrlPr>
+                              <a:rPr lang="fr-FR" i="1" smtClean="0">
+                                <a:solidFill>
+                                  <a:schemeClr val="accent2"/>
+                                </a:solidFill>
+                                <a:latin typeface="Cambria Math" panose="02040503050406030204" pitchFamily="18" charset="0"/>
+                              </a:rPr>
+                            </m:ctrlPr>
+                          </m:accPr>
+                          <m:e>
+                            <m:r>
+                              <a:rPr lang="fr-FR" b="0" i="1" smtClean="0">
+                                <a:solidFill>
+                                  <a:schemeClr val="accent2"/>
+                                </a:solidFill>
+                                <a:latin typeface="Cambria Math" panose="02040503050406030204" pitchFamily="18" charset="0"/>
+                              </a:rPr>
+                              <m:t>𝑘</m:t>
+                            </m:r>
+                          </m:e>
+                        </m:acc>
+                      </m:oMath>
+                    </m:oMathPara>
+                  </a14:m>
+                  <a:endParaRPr lang="fr-FR" dirty="0">
+                    <a:solidFill>
+                      <a:schemeClr val="accent2"/>
+                    </a:solidFill>
+                  </a:endParaRPr>
+                </a:p>
+              </p:txBody>
+            </p:sp>
+          </mc:Choice>
+          <mc:Fallback>
+            <p:sp>
+              <p:nvSpPr>
+                <p:cNvPr id="12" name="ZoneTexte 11"/>
+                <p:cNvSpPr txBox="1">
+                  <a:spLocks noRot="1" noChangeAspect="1" noMove="1" noResize="1" noEditPoints="1" noAdjustHandles="1" noChangeArrowheads="1" noChangeShapeType="1" noTextEdit="1"/>
+                </p:cNvSpPr>
+                <p:nvPr/>
+              </p:nvSpPr>
+              <p:spPr>
+                <a:xfrm>
+                  <a:off x="3418666" y="3445989"/>
+                  <a:ext cx="186268" cy="317972"/>
+                </a:xfrm>
+                <a:prstGeom prst="rect">
+                  <a:avLst/>
+                </a:prstGeom>
+                <a:blipFill rotWithShape="0">
+                  <a:blip r:embed="rId4"/>
+                  <a:stretch>
+                    <a:fillRect l="-33333" r="-30000" b="-5660"/>
+                  </a:stretch>
+                </a:blipFill>
+              </p:spPr>
+              <p:txBody>
+                <a:bodyPr/>
+                <a:lstStyle/>
+                <a:p>
+                  <a:r>
+                    <a:rPr lang="fr-FR">
+                      <a:noFill/>
+                    </a:rPr>
+                    <a:t> </a:t>
+                  </a:r>
+                </a:p>
+              </p:txBody>
+            </p:sp>
+          </mc:Fallback>
+        </mc:AlternateContent>
+        <mc:AlternateContent xmlns:mc="http://schemas.openxmlformats.org/markup-compatibility/2006">
+          <mc:Choice xmlns:a14="http://schemas.microsoft.com/office/drawing/2010/main" Requires="a14">
+            <p:sp>
+              <p:nvSpPr>
+                <p:cNvPr id="13" name="ZoneTexte 12"/>
+                <p:cNvSpPr txBox="1"/>
+                <p:nvPr/>
+              </p:nvSpPr>
+              <p:spPr>
+                <a:xfrm>
+                  <a:off x="2769921" y="4047339"/>
+                  <a:ext cx="211404" cy="310598"/>
+                </a:xfrm>
+                <a:prstGeom prst="rect">
+                  <a:avLst/>
+                </a:prstGeom>
+                <a:noFill/>
+              </p:spPr>
+              <p:txBody>
+                <a:bodyPr wrap="none" lIns="0" tIns="0" rIns="0" bIns="0" rtlCol="0">
+                  <a:spAutoFit/>
+                </a:bodyPr>
+                <a:lstStyle/>
+                <a:p>
+                  <a14:m>
+                    <m:oMathPara xmlns:m="http://schemas.openxmlformats.org/officeDocument/2006/math">
+                      <m:oMathParaPr>
+                        <m:jc m:val="centerGroup"/>
+                      </m:oMathParaPr>
+                      <m:oMath xmlns:m="http://schemas.openxmlformats.org/officeDocument/2006/math">
+                        <m:acc>
+                          <m:accPr>
+                            <m:chr m:val="⃗"/>
+                            <m:ctrlPr>
+                              <a:rPr lang="fr-FR" i="1" smtClean="0">
+                                <a:solidFill>
+                                  <a:schemeClr val="accent6"/>
+                                </a:solidFill>
+                                <a:latin typeface="Cambria Math" panose="02040503050406030204" pitchFamily="18" charset="0"/>
+                              </a:rPr>
+                            </m:ctrlPr>
+                          </m:accPr>
+                          <m:e>
+                            <m:r>
+                              <a:rPr lang="fr-FR" b="0" i="1" smtClean="0">
+                                <a:solidFill>
+                                  <a:schemeClr val="accent6"/>
+                                </a:solidFill>
+                                <a:latin typeface="Cambria Math" panose="02040503050406030204" pitchFamily="18" charset="0"/>
+                              </a:rPr>
+                              <m:t>𝐵</m:t>
+                            </m:r>
+                          </m:e>
+                        </m:acc>
+                      </m:oMath>
+                    </m:oMathPara>
+                  </a14:m>
+                  <a:endParaRPr lang="fr-FR" dirty="0">
+                    <a:solidFill>
+                      <a:schemeClr val="accent6"/>
+                    </a:solidFill>
+                  </a:endParaRPr>
+                </a:p>
+              </p:txBody>
+            </p:sp>
+          </mc:Choice>
+          <mc:Fallback>
+            <p:sp>
+              <p:nvSpPr>
+                <p:cNvPr id="13" name="ZoneTexte 12"/>
+                <p:cNvSpPr txBox="1">
+                  <a:spLocks noRot="1" noChangeAspect="1" noMove="1" noResize="1" noEditPoints="1" noAdjustHandles="1" noChangeArrowheads="1" noChangeShapeType="1" noTextEdit="1"/>
+                </p:cNvSpPr>
+                <p:nvPr/>
+              </p:nvSpPr>
+              <p:spPr>
+                <a:xfrm>
+                  <a:off x="2769921" y="4047339"/>
+                  <a:ext cx="211404" cy="310598"/>
+                </a:xfrm>
+                <a:prstGeom prst="rect">
+                  <a:avLst/>
+                </a:prstGeom>
+                <a:blipFill rotWithShape="0">
+                  <a:blip r:embed="rId5"/>
+                  <a:stretch>
+                    <a:fillRect l="-25714" r="-22857" b="-5882"/>
+                  </a:stretch>
+                </a:blipFill>
+              </p:spPr>
+              <p:txBody>
+                <a:bodyPr/>
+                <a:lstStyle/>
+                <a:p>
+                  <a:r>
+                    <a:rPr lang="fr-FR">
+                      <a:noFill/>
+                    </a:rPr>
+                    <a:t> </a:t>
+                  </a:r>
+                </a:p>
+              </p:txBody>
+            </p:sp>
+          </mc:Fallback>
+        </mc:AlternateContent>
+        <p:cxnSp>
+          <p:nvCxnSpPr>
+            <p:cNvPr id="16" name="Connecteur droit avec flèche 15"/>
+            <p:cNvCxnSpPr/>
+            <p:nvPr/>
+          </p:nvCxnSpPr>
+          <p:spPr>
+            <a:xfrm flipV="1">
+              <a:off x="1175165" y="5949949"/>
+              <a:ext cx="6972300" cy="0"/>
+            </a:xfrm>
+            <a:prstGeom prst="straightConnector1">
+              <a:avLst/>
+            </a:prstGeom>
+            <a:ln w="38100">
+              <a:solidFill>
+                <a:schemeClr val="tx1"/>
+              </a:solidFill>
+              <a:tailEnd type="triangle"/>
+            </a:ln>
+          </p:spPr>
+          <p:style>
+            <a:lnRef idx="1">
+              <a:schemeClr val="accent1"/>
+            </a:lnRef>
+            <a:fillRef idx="0">
+              <a:schemeClr val="accent1"/>
+            </a:fillRef>
+            <a:effectRef idx="0">
+              <a:schemeClr val="accent1"/>
+            </a:effectRef>
+            <a:fontRef idx="minor">
+              <a:schemeClr val="tx1"/>
+            </a:fontRef>
+          </p:style>
+        </p:cxnSp>
+        <mc:AlternateContent xmlns:mc="http://schemas.openxmlformats.org/markup-compatibility/2006">
+          <mc:Choice xmlns:a14="http://schemas.microsoft.com/office/drawing/2010/main" Requires="a14">
+            <p:sp>
+              <p:nvSpPr>
+                <p:cNvPr id="18" name="ZoneTexte 17"/>
+                <p:cNvSpPr txBox="1"/>
+                <p:nvPr/>
+              </p:nvSpPr>
+              <p:spPr>
+                <a:xfrm>
+                  <a:off x="8055805" y="5984099"/>
+                  <a:ext cx="183319" cy="276999"/>
+                </a:xfrm>
+                <a:prstGeom prst="rect">
+                  <a:avLst/>
+                </a:prstGeom>
+                <a:noFill/>
+              </p:spPr>
+              <p:txBody>
+                <a:bodyPr wrap="none" lIns="0" tIns="0" rIns="0" bIns="0" rtlCol="0">
+                  <a:spAutoFit/>
+                </a:bodyPr>
+                <a:lstStyle/>
+                <a:p>
+                  <a14:m>
+                    <m:oMathPara xmlns:m="http://schemas.openxmlformats.org/officeDocument/2006/math">
+                      <m:oMathParaPr>
+                        <m:jc m:val="centerGroup"/>
+                      </m:oMathParaPr>
+                      <m:oMath xmlns:m="http://schemas.openxmlformats.org/officeDocument/2006/math">
+                        <m:r>
+                          <a:rPr lang="fr-FR" b="0" i="1" smtClean="0">
+                            <a:solidFill>
+                              <a:schemeClr val="tx1"/>
+                            </a:solidFill>
+                            <a:latin typeface="Cambria Math" panose="02040503050406030204" pitchFamily="18" charset="0"/>
+                          </a:rPr>
+                          <m:t>𝑥</m:t>
+                        </m:r>
+                      </m:oMath>
+                    </m:oMathPara>
+                  </a14:m>
+                  <a:endParaRPr lang="fr-FR" dirty="0">
+                    <a:solidFill>
+                      <a:schemeClr val="bg1">
+                        <a:lumMod val="50000"/>
+                      </a:schemeClr>
+                    </a:solidFill>
+                  </a:endParaRPr>
+                </a:p>
+              </p:txBody>
+            </p:sp>
+          </mc:Choice>
+          <mc:Fallback>
+            <p:sp>
+              <p:nvSpPr>
+                <p:cNvPr id="18" name="ZoneTexte 17"/>
+                <p:cNvSpPr txBox="1">
+                  <a:spLocks noRot="1" noChangeAspect="1" noMove="1" noResize="1" noEditPoints="1" noAdjustHandles="1" noChangeArrowheads="1" noChangeShapeType="1" noTextEdit="1"/>
+                </p:cNvSpPr>
+                <p:nvPr/>
+              </p:nvSpPr>
+              <p:spPr>
+                <a:xfrm>
+                  <a:off x="8055805" y="5984099"/>
+                  <a:ext cx="183319" cy="276999"/>
+                </a:xfrm>
+                <a:prstGeom prst="rect">
+                  <a:avLst/>
+                </a:prstGeom>
+                <a:blipFill rotWithShape="0">
+                  <a:blip r:embed="rId6"/>
+                  <a:stretch>
+                    <a:fillRect l="-20000" r="-13333"/>
+                  </a:stretch>
+                </a:blipFill>
+              </p:spPr>
+              <p:txBody>
+                <a:bodyPr/>
+                <a:lstStyle/>
+                <a:p>
+                  <a:r>
+                    <a:rPr lang="fr-FR">
+                      <a:noFill/>
+                    </a:rPr>
+                    <a:t> </a:t>
+                  </a:r>
+                </a:p>
+              </p:txBody>
+            </p:sp>
+          </mc:Fallback>
+        </mc:AlternateContent>
+      </p:grpSp>
+      <mc:AlternateContent xmlns:mc="http://schemas.openxmlformats.org/markup-compatibility/2006">
+        <mc:Choice xmlns:a14="http://schemas.microsoft.com/office/drawing/2010/main" Requires="a14">
+          <p:sp>
+            <p:nvSpPr>
+              <p:cNvPr id="3" name="ZoneTexte 2"/>
+              <p:cNvSpPr txBox="1"/>
+              <p:nvPr/>
+            </p:nvSpPr>
+            <p:spPr>
+              <a:xfrm>
+                <a:off x="4481205" y="1400175"/>
+                <a:ext cx="226024" cy="276999"/>
+              </a:xfrm>
+              <a:prstGeom prst="rect">
+                <a:avLst/>
+              </a:prstGeom>
+              <a:noFill/>
+            </p:spPr>
+            <p:txBody>
+              <a:bodyPr wrap="none" lIns="0" tIns="0" rIns="0" bIns="0" rtlCol="0">
+                <a:spAutoFit/>
+              </a:bodyPr>
+              <a:lstStyle/>
+              <a:p>
+                <a14:m>
+                  <m:oMathPara xmlns:m="http://schemas.openxmlformats.org/officeDocument/2006/math">
+                    <m:oMathParaPr>
+                      <m:jc m:val="centerGroup"/>
+                    </m:oMathParaPr>
+                    <m:oMath xmlns:m="http://schemas.openxmlformats.org/officeDocument/2006/math">
+                      <m:r>
+                        <a:rPr lang="fr-FR" b="0" i="1" smtClean="0">
+                          <a:latin typeface="Cambria Math" panose="02040503050406030204" pitchFamily="18" charset="0"/>
+                        </a:rPr>
+                        <m:t>+</m:t>
+                      </m:r>
+                    </m:oMath>
+                  </m:oMathPara>
+                </a14:m>
+                <a:endParaRPr lang="fr-FR" dirty="0"/>
+              </a:p>
+            </p:txBody>
+          </p:sp>
+        </mc:Choice>
+        <mc:Fallback>
+          <p:sp>
+            <p:nvSpPr>
+              <p:cNvPr id="3" name="ZoneTexte 2"/>
+              <p:cNvSpPr txBox="1">
+                <a:spLocks noRot="1" noChangeAspect="1" noMove="1" noResize="1" noEditPoints="1" noAdjustHandles="1" noChangeArrowheads="1" noChangeShapeType="1" noTextEdit="1"/>
+              </p:cNvSpPr>
+              <p:nvPr/>
+            </p:nvSpPr>
+            <p:spPr>
+              <a:xfrm>
+                <a:off x="4481205" y="1400175"/>
+                <a:ext cx="226024" cy="276999"/>
+              </a:xfrm>
+              <a:prstGeom prst="rect">
+                <a:avLst/>
+              </a:prstGeom>
+              <a:blipFill rotWithShape="0">
+                <a:blip r:embed="rId7"/>
+                <a:stretch>
+                  <a:fillRect l="-21622" r="-21622" b="-6667"/>
+                </a:stretch>
+              </a:blipFill>
+            </p:spPr>
+            <p:txBody>
+              <a:bodyPr/>
+              <a:lstStyle/>
+              <a:p>
+                <a:r>
+                  <a:rPr lang="fr-FR">
+                    <a:noFill/>
+                  </a:rPr>
+                  <a:t> </a:t>
+                </a:r>
+              </a:p>
+            </p:txBody>
+          </p:sp>
+        </mc:Fallback>
+      </mc:AlternateContent>
+      <mc:AlternateContent xmlns:mc="http://schemas.openxmlformats.org/markup-compatibility/2006">
+        <mc:Choice xmlns:a14="http://schemas.microsoft.com/office/drawing/2010/main" Requires="a14">
+          <p:sp>
+            <p:nvSpPr>
+              <p:cNvPr id="19" name="ZoneTexte 18"/>
+              <p:cNvSpPr txBox="1"/>
+              <p:nvPr/>
+            </p:nvSpPr>
+            <p:spPr>
+              <a:xfrm>
+                <a:off x="4481205" y="1677174"/>
+                <a:ext cx="226024" cy="276999"/>
+              </a:xfrm>
+              <a:prstGeom prst="rect">
+                <a:avLst/>
+              </a:prstGeom>
+              <a:noFill/>
+            </p:spPr>
+            <p:txBody>
+              <a:bodyPr wrap="none" lIns="0" tIns="0" rIns="0" bIns="0" rtlCol="0">
+                <a:spAutoFit/>
+              </a:bodyPr>
+              <a:lstStyle/>
+              <a:p>
+                <a14:m>
+                  <m:oMathPara xmlns:m="http://schemas.openxmlformats.org/officeDocument/2006/math">
+                    <m:oMathParaPr>
+                      <m:jc m:val="centerGroup"/>
+                    </m:oMathParaPr>
+                    <m:oMath xmlns:m="http://schemas.openxmlformats.org/officeDocument/2006/math">
+                      <m:r>
+                        <a:rPr lang="fr-FR" b="0" i="1" smtClean="0">
+                          <a:latin typeface="Cambria Math" panose="02040503050406030204" pitchFamily="18" charset="0"/>
+                        </a:rPr>
+                        <m:t>+</m:t>
+                      </m:r>
+                    </m:oMath>
+                  </m:oMathPara>
+                </a14:m>
+                <a:endParaRPr lang="fr-FR" dirty="0"/>
+              </a:p>
+            </p:txBody>
+          </p:sp>
+        </mc:Choice>
+        <mc:Fallback>
+          <p:sp>
+            <p:nvSpPr>
+              <p:cNvPr id="19" name="ZoneTexte 18"/>
+              <p:cNvSpPr txBox="1">
+                <a:spLocks noRot="1" noChangeAspect="1" noMove="1" noResize="1" noEditPoints="1" noAdjustHandles="1" noChangeArrowheads="1" noChangeShapeType="1" noTextEdit="1"/>
+              </p:cNvSpPr>
+              <p:nvPr/>
+            </p:nvSpPr>
+            <p:spPr>
+              <a:xfrm>
+                <a:off x="4481205" y="1677174"/>
+                <a:ext cx="226024" cy="276999"/>
+              </a:xfrm>
+              <a:prstGeom prst="rect">
+                <a:avLst/>
+              </a:prstGeom>
+              <a:blipFill rotWithShape="0">
+                <a:blip r:embed="rId8"/>
+                <a:stretch>
+                  <a:fillRect l="-21622" r="-21622" b="-6522"/>
+                </a:stretch>
+              </a:blipFill>
+            </p:spPr>
+            <p:txBody>
+              <a:bodyPr/>
+              <a:lstStyle/>
+              <a:p>
+                <a:r>
+                  <a:rPr lang="fr-FR">
+                    <a:noFill/>
+                  </a:rPr>
+                  <a:t> </a:t>
+                </a:r>
+              </a:p>
+            </p:txBody>
+          </p:sp>
+        </mc:Fallback>
+      </mc:AlternateContent>
+      <mc:AlternateContent xmlns:mc="http://schemas.openxmlformats.org/markup-compatibility/2006">
+        <mc:Choice xmlns:a14="http://schemas.microsoft.com/office/drawing/2010/main" Requires="a14">
+          <p:sp>
+            <p:nvSpPr>
+              <p:cNvPr id="22" name="ZoneTexte 21"/>
+              <p:cNvSpPr txBox="1"/>
+              <p:nvPr/>
+            </p:nvSpPr>
+            <p:spPr>
+              <a:xfrm>
+                <a:off x="4481205" y="1948393"/>
+                <a:ext cx="226024" cy="276999"/>
+              </a:xfrm>
+              <a:prstGeom prst="rect">
+                <a:avLst/>
+              </a:prstGeom>
+              <a:noFill/>
+            </p:spPr>
+            <p:txBody>
+              <a:bodyPr wrap="none" lIns="0" tIns="0" rIns="0" bIns="0" rtlCol="0">
+                <a:spAutoFit/>
+              </a:bodyPr>
+              <a:lstStyle/>
+              <a:p>
+                <a14:m>
+                  <m:oMathPara xmlns:m="http://schemas.openxmlformats.org/officeDocument/2006/math">
+                    <m:oMathParaPr>
+                      <m:jc m:val="centerGroup"/>
+                    </m:oMathParaPr>
+                    <m:oMath xmlns:m="http://schemas.openxmlformats.org/officeDocument/2006/math">
+                      <m:r>
+                        <a:rPr lang="fr-FR" b="0" i="1" smtClean="0">
+                          <a:latin typeface="Cambria Math" panose="02040503050406030204" pitchFamily="18" charset="0"/>
+                        </a:rPr>
+                        <m:t>+</m:t>
+                      </m:r>
+                    </m:oMath>
+                  </m:oMathPara>
+                </a14:m>
+                <a:endParaRPr lang="fr-FR" dirty="0"/>
+              </a:p>
+            </p:txBody>
+          </p:sp>
+        </mc:Choice>
+        <mc:Fallback>
+          <p:sp>
+            <p:nvSpPr>
+              <p:cNvPr id="22" name="ZoneTexte 21"/>
+              <p:cNvSpPr txBox="1">
+                <a:spLocks noRot="1" noChangeAspect="1" noMove="1" noResize="1" noEditPoints="1" noAdjustHandles="1" noChangeArrowheads="1" noChangeShapeType="1" noTextEdit="1"/>
+              </p:cNvSpPr>
+              <p:nvPr/>
+            </p:nvSpPr>
+            <p:spPr>
+              <a:xfrm>
+                <a:off x="4481205" y="1948393"/>
+                <a:ext cx="226024" cy="276999"/>
+              </a:xfrm>
+              <a:prstGeom prst="rect">
+                <a:avLst/>
+              </a:prstGeom>
+              <a:blipFill rotWithShape="0">
+                <a:blip r:embed="rId9"/>
+                <a:stretch>
+                  <a:fillRect l="-21622" r="-21622" b="-6667"/>
+                </a:stretch>
+              </a:blipFill>
+            </p:spPr>
+            <p:txBody>
+              <a:bodyPr/>
+              <a:lstStyle/>
+              <a:p>
+                <a:r>
+                  <a:rPr lang="fr-FR">
+                    <a:noFill/>
+                  </a:rPr>
+                  <a:t> </a:t>
+                </a:r>
+              </a:p>
+            </p:txBody>
+          </p:sp>
+        </mc:Fallback>
+      </mc:AlternateContent>
+      <mc:AlternateContent xmlns:mc="http://schemas.openxmlformats.org/markup-compatibility/2006">
+        <mc:Choice xmlns:a14="http://schemas.microsoft.com/office/drawing/2010/main" Requires="a14">
+          <p:sp>
+            <p:nvSpPr>
+              <p:cNvPr id="23" name="ZoneTexte 22"/>
+              <p:cNvSpPr txBox="1"/>
+              <p:nvPr/>
+            </p:nvSpPr>
+            <p:spPr>
+              <a:xfrm>
+                <a:off x="4481205" y="2214348"/>
+                <a:ext cx="226024" cy="276999"/>
+              </a:xfrm>
+              <a:prstGeom prst="rect">
+                <a:avLst/>
+              </a:prstGeom>
+              <a:noFill/>
+            </p:spPr>
+            <p:txBody>
+              <a:bodyPr wrap="none" lIns="0" tIns="0" rIns="0" bIns="0" rtlCol="0">
+                <a:spAutoFit/>
+              </a:bodyPr>
+              <a:lstStyle/>
+              <a:p>
+                <a14:m>
+                  <m:oMathPara xmlns:m="http://schemas.openxmlformats.org/officeDocument/2006/math">
+                    <m:oMathParaPr>
+                      <m:jc m:val="centerGroup"/>
+                    </m:oMathParaPr>
+                    <m:oMath xmlns:m="http://schemas.openxmlformats.org/officeDocument/2006/math">
+                      <m:r>
+                        <a:rPr lang="fr-FR" b="0" i="1" smtClean="0">
+                          <a:latin typeface="Cambria Math" panose="02040503050406030204" pitchFamily="18" charset="0"/>
+                        </a:rPr>
+                        <m:t>+</m:t>
+                      </m:r>
+                    </m:oMath>
+                  </m:oMathPara>
+                </a14:m>
+                <a:endParaRPr lang="fr-FR" dirty="0"/>
+              </a:p>
+            </p:txBody>
+          </p:sp>
+        </mc:Choice>
+        <mc:Fallback>
+          <p:sp>
+            <p:nvSpPr>
+              <p:cNvPr id="23" name="ZoneTexte 22"/>
+              <p:cNvSpPr txBox="1">
+                <a:spLocks noRot="1" noChangeAspect="1" noMove="1" noResize="1" noEditPoints="1" noAdjustHandles="1" noChangeArrowheads="1" noChangeShapeType="1" noTextEdit="1"/>
+              </p:cNvSpPr>
+              <p:nvPr/>
+            </p:nvSpPr>
+            <p:spPr>
+              <a:xfrm>
+                <a:off x="4481205" y="2214348"/>
+                <a:ext cx="226024" cy="276999"/>
+              </a:xfrm>
+              <a:prstGeom prst="rect">
+                <a:avLst/>
+              </a:prstGeom>
+              <a:blipFill rotWithShape="0">
+                <a:blip r:embed="rId10"/>
+                <a:stretch>
+                  <a:fillRect l="-21622" r="-21622" b="-6522"/>
+                </a:stretch>
+              </a:blipFill>
+            </p:spPr>
+            <p:txBody>
+              <a:bodyPr/>
+              <a:lstStyle/>
+              <a:p>
+                <a:r>
+                  <a:rPr lang="fr-FR">
+                    <a:noFill/>
+                  </a:rPr>
+                  <a:t> </a:t>
+                </a:r>
+              </a:p>
+            </p:txBody>
+          </p:sp>
+        </mc:Fallback>
+      </mc:AlternateContent>
+      <mc:AlternateContent xmlns:mc="http://schemas.openxmlformats.org/markup-compatibility/2006">
+        <mc:Choice xmlns:a14="http://schemas.microsoft.com/office/drawing/2010/main" Requires="a14">
+          <p:sp>
+            <p:nvSpPr>
+              <p:cNvPr id="24" name="ZoneTexte 23"/>
+              <p:cNvSpPr txBox="1"/>
+              <p:nvPr/>
+            </p:nvSpPr>
+            <p:spPr>
+              <a:xfrm>
+                <a:off x="4481205" y="2474805"/>
+                <a:ext cx="226024" cy="276999"/>
+              </a:xfrm>
+              <a:prstGeom prst="rect">
+                <a:avLst/>
+              </a:prstGeom>
+              <a:noFill/>
+            </p:spPr>
+            <p:txBody>
+              <a:bodyPr wrap="none" lIns="0" tIns="0" rIns="0" bIns="0" rtlCol="0">
+                <a:spAutoFit/>
+              </a:bodyPr>
+              <a:lstStyle/>
+              <a:p>
+                <a14:m>
+                  <m:oMathPara xmlns:m="http://schemas.openxmlformats.org/officeDocument/2006/math">
+                    <m:oMathParaPr>
+                      <m:jc m:val="centerGroup"/>
+                    </m:oMathParaPr>
+                    <m:oMath xmlns:m="http://schemas.openxmlformats.org/officeDocument/2006/math">
+                      <m:r>
+                        <a:rPr lang="fr-FR" b="0" i="1" smtClean="0">
+                          <a:latin typeface="Cambria Math" panose="02040503050406030204" pitchFamily="18" charset="0"/>
+                        </a:rPr>
+                        <m:t>+</m:t>
+                      </m:r>
+                    </m:oMath>
+                  </m:oMathPara>
+                </a14:m>
+                <a:endParaRPr lang="fr-FR" dirty="0"/>
+              </a:p>
+            </p:txBody>
+          </p:sp>
+        </mc:Choice>
+        <mc:Fallback>
+          <p:sp>
+            <p:nvSpPr>
+              <p:cNvPr id="24" name="ZoneTexte 23"/>
+              <p:cNvSpPr txBox="1">
+                <a:spLocks noRot="1" noChangeAspect="1" noMove="1" noResize="1" noEditPoints="1" noAdjustHandles="1" noChangeArrowheads="1" noChangeShapeType="1" noTextEdit="1"/>
+              </p:cNvSpPr>
+              <p:nvPr/>
+            </p:nvSpPr>
+            <p:spPr>
+              <a:xfrm>
+                <a:off x="4481205" y="2474805"/>
+                <a:ext cx="226024" cy="276999"/>
+              </a:xfrm>
+              <a:prstGeom prst="rect">
+                <a:avLst/>
+              </a:prstGeom>
+              <a:blipFill rotWithShape="0">
+                <a:blip r:embed="rId11"/>
+                <a:stretch>
+                  <a:fillRect l="-21622" r="-21622" b="-6667"/>
+                </a:stretch>
+              </a:blipFill>
+            </p:spPr>
+            <p:txBody>
+              <a:bodyPr/>
+              <a:lstStyle/>
+              <a:p>
+                <a:r>
+                  <a:rPr lang="fr-FR">
+                    <a:noFill/>
+                  </a:rPr>
+                  <a:t> </a:t>
+                </a:r>
+              </a:p>
+            </p:txBody>
+          </p:sp>
+        </mc:Fallback>
+      </mc:AlternateContent>
+      <mc:AlternateContent xmlns:mc="http://schemas.openxmlformats.org/markup-compatibility/2006">
+        <mc:Choice xmlns:a14="http://schemas.microsoft.com/office/drawing/2010/main" Requires="a14">
+          <p:sp>
+            <p:nvSpPr>
+              <p:cNvPr id="25" name="ZoneTexte 24"/>
+              <p:cNvSpPr txBox="1"/>
+              <p:nvPr/>
+            </p:nvSpPr>
+            <p:spPr>
+              <a:xfrm>
+                <a:off x="4481205" y="2759856"/>
+                <a:ext cx="226024" cy="276999"/>
+              </a:xfrm>
+              <a:prstGeom prst="rect">
+                <a:avLst/>
+              </a:prstGeom>
+              <a:noFill/>
+            </p:spPr>
+            <p:txBody>
+              <a:bodyPr wrap="none" lIns="0" tIns="0" rIns="0" bIns="0" rtlCol="0">
+                <a:spAutoFit/>
+              </a:bodyPr>
+              <a:lstStyle/>
+              <a:p>
+                <a14:m>
+                  <m:oMathPara xmlns:m="http://schemas.openxmlformats.org/officeDocument/2006/math">
+                    <m:oMathParaPr>
+                      <m:jc m:val="centerGroup"/>
+                    </m:oMathParaPr>
+                    <m:oMath xmlns:m="http://schemas.openxmlformats.org/officeDocument/2006/math">
+                      <m:r>
+                        <a:rPr lang="fr-FR" b="0" i="1" smtClean="0">
+                          <a:latin typeface="Cambria Math" panose="02040503050406030204" pitchFamily="18" charset="0"/>
+                        </a:rPr>
+                        <m:t>+</m:t>
+                      </m:r>
+                    </m:oMath>
+                  </m:oMathPara>
+                </a14:m>
+                <a:endParaRPr lang="fr-FR" dirty="0"/>
+              </a:p>
+            </p:txBody>
+          </p:sp>
+        </mc:Choice>
+        <mc:Fallback>
+          <p:sp>
+            <p:nvSpPr>
+              <p:cNvPr id="25" name="ZoneTexte 24"/>
+              <p:cNvSpPr txBox="1">
+                <a:spLocks noRot="1" noChangeAspect="1" noMove="1" noResize="1" noEditPoints="1" noAdjustHandles="1" noChangeArrowheads="1" noChangeShapeType="1" noTextEdit="1"/>
+              </p:cNvSpPr>
+              <p:nvPr/>
+            </p:nvSpPr>
+            <p:spPr>
+              <a:xfrm>
+                <a:off x="4481205" y="2759856"/>
+                <a:ext cx="226024" cy="276999"/>
+              </a:xfrm>
+              <a:prstGeom prst="rect">
+                <a:avLst/>
+              </a:prstGeom>
+              <a:blipFill rotWithShape="0">
+                <a:blip r:embed="rId12"/>
+                <a:stretch>
+                  <a:fillRect l="-21622" r="-21622" b="-6667"/>
+                </a:stretch>
+              </a:blipFill>
+            </p:spPr>
+            <p:txBody>
+              <a:bodyPr/>
+              <a:lstStyle/>
+              <a:p>
+                <a:r>
+                  <a:rPr lang="fr-FR">
+                    <a:noFill/>
+                  </a:rPr>
+                  <a:t> </a:t>
+                </a:r>
+              </a:p>
+            </p:txBody>
+          </p:sp>
+        </mc:Fallback>
+      </mc:AlternateContent>
+      <mc:AlternateContent xmlns:mc="http://schemas.openxmlformats.org/markup-compatibility/2006">
+        <mc:Choice xmlns:a14="http://schemas.microsoft.com/office/drawing/2010/main" Requires="a14">
+          <p:sp>
+            <p:nvSpPr>
+              <p:cNvPr id="26" name="ZoneTexte 25"/>
+              <p:cNvSpPr txBox="1"/>
+              <p:nvPr/>
+            </p:nvSpPr>
+            <p:spPr>
+              <a:xfrm>
+                <a:off x="4481205" y="3001217"/>
+                <a:ext cx="226024" cy="276999"/>
+              </a:xfrm>
+              <a:prstGeom prst="rect">
+                <a:avLst/>
+              </a:prstGeom>
+              <a:noFill/>
+            </p:spPr>
+            <p:txBody>
+              <a:bodyPr wrap="none" lIns="0" tIns="0" rIns="0" bIns="0" rtlCol="0">
+                <a:spAutoFit/>
+              </a:bodyPr>
+              <a:lstStyle/>
+              <a:p>
+                <a14:m>
+                  <m:oMathPara xmlns:m="http://schemas.openxmlformats.org/officeDocument/2006/math">
+                    <m:oMathParaPr>
+                      <m:jc m:val="centerGroup"/>
+                    </m:oMathParaPr>
+                    <m:oMath xmlns:m="http://schemas.openxmlformats.org/officeDocument/2006/math">
+                      <m:r>
+                        <a:rPr lang="fr-FR" b="0" i="1" smtClean="0">
+                          <a:latin typeface="Cambria Math" panose="02040503050406030204" pitchFamily="18" charset="0"/>
+                        </a:rPr>
+                        <m:t>+</m:t>
+                      </m:r>
+                    </m:oMath>
+                  </m:oMathPara>
+                </a14:m>
+                <a:endParaRPr lang="fr-FR" dirty="0"/>
+              </a:p>
+            </p:txBody>
+          </p:sp>
+        </mc:Choice>
+        <mc:Fallback>
+          <p:sp>
+            <p:nvSpPr>
+              <p:cNvPr id="26" name="ZoneTexte 25"/>
+              <p:cNvSpPr txBox="1">
+                <a:spLocks noRot="1" noChangeAspect="1" noMove="1" noResize="1" noEditPoints="1" noAdjustHandles="1" noChangeArrowheads="1" noChangeShapeType="1" noTextEdit="1"/>
+              </p:cNvSpPr>
+              <p:nvPr/>
+            </p:nvSpPr>
+            <p:spPr>
+              <a:xfrm>
+                <a:off x="4481205" y="3001217"/>
+                <a:ext cx="226024" cy="276999"/>
+              </a:xfrm>
+              <a:prstGeom prst="rect">
+                <a:avLst/>
+              </a:prstGeom>
+              <a:blipFill rotWithShape="0">
+                <a:blip r:embed="rId13"/>
+                <a:stretch>
+                  <a:fillRect l="-21622" r="-21622" b="-6522"/>
+                </a:stretch>
+              </a:blipFill>
+            </p:spPr>
+            <p:txBody>
+              <a:bodyPr/>
+              <a:lstStyle/>
+              <a:p>
+                <a:r>
+                  <a:rPr lang="fr-FR">
+                    <a:noFill/>
+                  </a:rPr>
+                  <a:t> </a:t>
+                </a:r>
+              </a:p>
+            </p:txBody>
+          </p:sp>
+        </mc:Fallback>
+      </mc:AlternateContent>
+      <mc:AlternateContent xmlns:mc="http://schemas.openxmlformats.org/markup-compatibility/2006">
+        <mc:Choice xmlns:a14="http://schemas.microsoft.com/office/drawing/2010/main" Requires="a14">
+          <p:sp>
+            <p:nvSpPr>
+              <p:cNvPr id="27" name="ZoneTexte 26"/>
+              <p:cNvSpPr txBox="1"/>
+              <p:nvPr/>
+            </p:nvSpPr>
+            <p:spPr>
+              <a:xfrm>
+                <a:off x="4481205" y="3249404"/>
+                <a:ext cx="226024" cy="276999"/>
+              </a:xfrm>
+              <a:prstGeom prst="rect">
+                <a:avLst/>
+              </a:prstGeom>
+              <a:noFill/>
+            </p:spPr>
+            <p:txBody>
+              <a:bodyPr wrap="none" lIns="0" tIns="0" rIns="0" bIns="0" rtlCol="0">
+                <a:spAutoFit/>
+              </a:bodyPr>
+              <a:lstStyle/>
+              <a:p>
+                <a14:m>
+                  <m:oMathPara xmlns:m="http://schemas.openxmlformats.org/officeDocument/2006/math">
+                    <m:oMathParaPr>
+                      <m:jc m:val="centerGroup"/>
+                    </m:oMathParaPr>
+                    <m:oMath xmlns:m="http://schemas.openxmlformats.org/officeDocument/2006/math">
+                      <m:r>
+                        <a:rPr lang="fr-FR" b="0" i="1" smtClean="0">
+                          <a:latin typeface="Cambria Math" panose="02040503050406030204" pitchFamily="18" charset="0"/>
+                        </a:rPr>
+                        <m:t>+</m:t>
+                      </m:r>
+                    </m:oMath>
+                  </m:oMathPara>
+                </a14:m>
+                <a:endParaRPr lang="fr-FR" dirty="0"/>
+              </a:p>
+            </p:txBody>
+          </p:sp>
+        </mc:Choice>
+        <mc:Fallback>
+          <p:sp>
+            <p:nvSpPr>
+              <p:cNvPr id="27" name="ZoneTexte 26"/>
+              <p:cNvSpPr txBox="1">
+                <a:spLocks noRot="1" noChangeAspect="1" noMove="1" noResize="1" noEditPoints="1" noAdjustHandles="1" noChangeArrowheads="1" noChangeShapeType="1" noTextEdit="1"/>
+              </p:cNvSpPr>
+              <p:nvPr/>
+            </p:nvSpPr>
+            <p:spPr>
+              <a:xfrm>
+                <a:off x="4481205" y="3249404"/>
+                <a:ext cx="226024" cy="276999"/>
+              </a:xfrm>
+              <a:prstGeom prst="rect">
+                <a:avLst/>
+              </a:prstGeom>
+              <a:blipFill rotWithShape="0">
+                <a:blip r:embed="rId14"/>
+                <a:stretch>
+                  <a:fillRect l="-21622" r="-21622" b="-8889"/>
+                </a:stretch>
+              </a:blipFill>
+            </p:spPr>
+            <p:txBody>
+              <a:bodyPr/>
+              <a:lstStyle/>
+              <a:p>
+                <a:r>
+                  <a:rPr lang="fr-FR">
+                    <a:noFill/>
+                  </a:rPr>
+                  <a:t> </a:t>
+                </a:r>
+              </a:p>
+            </p:txBody>
+          </p:sp>
+        </mc:Fallback>
+      </mc:AlternateContent>
+      <mc:AlternateContent xmlns:mc="http://schemas.openxmlformats.org/markup-compatibility/2006">
+        <mc:Choice xmlns:a14="http://schemas.microsoft.com/office/drawing/2010/main" Requires="a14">
+          <p:sp>
+            <p:nvSpPr>
+              <p:cNvPr id="28" name="ZoneTexte 27"/>
+              <p:cNvSpPr txBox="1"/>
+              <p:nvPr/>
+            </p:nvSpPr>
+            <p:spPr>
+              <a:xfrm>
+                <a:off x="4481205" y="3526403"/>
+                <a:ext cx="226024" cy="276999"/>
+              </a:xfrm>
+              <a:prstGeom prst="rect">
+                <a:avLst/>
+              </a:prstGeom>
+              <a:noFill/>
+            </p:spPr>
+            <p:txBody>
+              <a:bodyPr wrap="none" lIns="0" tIns="0" rIns="0" bIns="0" rtlCol="0">
+                <a:spAutoFit/>
+              </a:bodyPr>
+              <a:lstStyle/>
+              <a:p>
+                <a14:m>
+                  <m:oMathPara xmlns:m="http://schemas.openxmlformats.org/officeDocument/2006/math">
+                    <m:oMathParaPr>
+                      <m:jc m:val="centerGroup"/>
+                    </m:oMathParaPr>
+                    <m:oMath xmlns:m="http://schemas.openxmlformats.org/officeDocument/2006/math">
+                      <m:r>
+                        <a:rPr lang="fr-FR" b="0" i="1" smtClean="0">
+                          <a:latin typeface="Cambria Math" panose="02040503050406030204" pitchFamily="18" charset="0"/>
+                        </a:rPr>
+                        <m:t>+</m:t>
+                      </m:r>
+                    </m:oMath>
+                  </m:oMathPara>
+                </a14:m>
+                <a:endParaRPr lang="fr-FR" dirty="0"/>
+              </a:p>
+            </p:txBody>
+          </p:sp>
+        </mc:Choice>
+        <mc:Fallback>
+          <p:sp>
+            <p:nvSpPr>
+              <p:cNvPr id="28" name="ZoneTexte 27"/>
+              <p:cNvSpPr txBox="1">
+                <a:spLocks noRot="1" noChangeAspect="1" noMove="1" noResize="1" noEditPoints="1" noAdjustHandles="1" noChangeArrowheads="1" noChangeShapeType="1" noTextEdit="1"/>
+              </p:cNvSpPr>
+              <p:nvPr/>
+            </p:nvSpPr>
+            <p:spPr>
+              <a:xfrm>
+                <a:off x="4481205" y="3526403"/>
+                <a:ext cx="226024" cy="276999"/>
+              </a:xfrm>
+              <a:prstGeom prst="rect">
+                <a:avLst/>
+              </a:prstGeom>
+              <a:blipFill rotWithShape="0">
+                <a:blip r:embed="rId15"/>
+                <a:stretch>
+                  <a:fillRect l="-21622" r="-21622" b="-6522"/>
+                </a:stretch>
+              </a:blipFill>
+            </p:spPr>
+            <p:txBody>
+              <a:bodyPr/>
+              <a:lstStyle/>
+              <a:p>
+                <a:r>
+                  <a:rPr lang="fr-FR">
+                    <a:noFill/>
+                  </a:rPr>
+                  <a:t> </a:t>
+                </a:r>
+              </a:p>
+            </p:txBody>
+          </p:sp>
+        </mc:Fallback>
+      </mc:AlternateContent>
+      <mc:AlternateContent xmlns:mc="http://schemas.openxmlformats.org/markup-compatibility/2006">
+        <mc:Choice xmlns:a14="http://schemas.microsoft.com/office/drawing/2010/main" Requires="a14">
+          <p:sp>
+            <p:nvSpPr>
+              <p:cNvPr id="29" name="ZoneTexte 28"/>
+              <p:cNvSpPr txBox="1"/>
+              <p:nvPr/>
+            </p:nvSpPr>
+            <p:spPr>
+              <a:xfrm>
+                <a:off x="4481205" y="3797622"/>
+                <a:ext cx="226024" cy="276999"/>
+              </a:xfrm>
+              <a:prstGeom prst="rect">
+                <a:avLst/>
+              </a:prstGeom>
+              <a:noFill/>
+            </p:spPr>
+            <p:txBody>
+              <a:bodyPr wrap="none" lIns="0" tIns="0" rIns="0" bIns="0" rtlCol="0">
+                <a:spAutoFit/>
+              </a:bodyPr>
+              <a:lstStyle/>
+              <a:p>
+                <a14:m>
+                  <m:oMathPara xmlns:m="http://schemas.openxmlformats.org/officeDocument/2006/math">
+                    <m:oMathParaPr>
+                      <m:jc m:val="centerGroup"/>
+                    </m:oMathParaPr>
+                    <m:oMath xmlns:m="http://schemas.openxmlformats.org/officeDocument/2006/math">
+                      <m:r>
+                        <a:rPr lang="fr-FR" b="0" i="1" smtClean="0">
+                          <a:latin typeface="Cambria Math" panose="02040503050406030204" pitchFamily="18" charset="0"/>
+                        </a:rPr>
+                        <m:t>+</m:t>
+                      </m:r>
+                    </m:oMath>
+                  </m:oMathPara>
+                </a14:m>
+                <a:endParaRPr lang="fr-FR" dirty="0"/>
+              </a:p>
+            </p:txBody>
+          </p:sp>
+        </mc:Choice>
+        <mc:Fallback>
+          <p:sp>
+            <p:nvSpPr>
+              <p:cNvPr id="29" name="ZoneTexte 28"/>
+              <p:cNvSpPr txBox="1">
+                <a:spLocks noRot="1" noChangeAspect="1" noMove="1" noResize="1" noEditPoints="1" noAdjustHandles="1" noChangeArrowheads="1" noChangeShapeType="1" noTextEdit="1"/>
+              </p:cNvSpPr>
+              <p:nvPr/>
+            </p:nvSpPr>
+            <p:spPr>
+              <a:xfrm>
+                <a:off x="4481205" y="3797622"/>
+                <a:ext cx="226024" cy="276999"/>
+              </a:xfrm>
+              <a:prstGeom prst="rect">
+                <a:avLst/>
+              </a:prstGeom>
+              <a:blipFill rotWithShape="0">
+                <a:blip r:embed="rId11"/>
+                <a:stretch>
+                  <a:fillRect l="-21622" r="-21622" b="-6667"/>
+                </a:stretch>
+              </a:blipFill>
+            </p:spPr>
+            <p:txBody>
+              <a:bodyPr/>
+              <a:lstStyle/>
+              <a:p>
+                <a:r>
+                  <a:rPr lang="fr-FR">
+                    <a:noFill/>
+                  </a:rPr>
+                  <a:t> </a:t>
+                </a:r>
+              </a:p>
+            </p:txBody>
+          </p:sp>
+        </mc:Fallback>
+      </mc:AlternateContent>
+      <mc:AlternateContent xmlns:mc="http://schemas.openxmlformats.org/markup-compatibility/2006">
+        <mc:Choice xmlns:a14="http://schemas.microsoft.com/office/drawing/2010/main" Requires="a14">
+          <p:sp>
+            <p:nvSpPr>
+              <p:cNvPr id="30" name="ZoneTexte 29"/>
+              <p:cNvSpPr txBox="1"/>
+              <p:nvPr/>
+            </p:nvSpPr>
+            <p:spPr>
+              <a:xfrm>
+                <a:off x="4481205" y="4063577"/>
+                <a:ext cx="226024" cy="276999"/>
+              </a:xfrm>
+              <a:prstGeom prst="rect">
+                <a:avLst/>
+              </a:prstGeom>
+              <a:noFill/>
+            </p:spPr>
+            <p:txBody>
+              <a:bodyPr wrap="none" lIns="0" tIns="0" rIns="0" bIns="0" rtlCol="0">
+                <a:spAutoFit/>
+              </a:bodyPr>
+              <a:lstStyle/>
+              <a:p>
+                <a14:m>
+                  <m:oMathPara xmlns:m="http://schemas.openxmlformats.org/officeDocument/2006/math">
+                    <m:oMathParaPr>
+                      <m:jc m:val="centerGroup"/>
+                    </m:oMathParaPr>
+                    <m:oMath xmlns:m="http://schemas.openxmlformats.org/officeDocument/2006/math">
+                      <m:r>
+                        <a:rPr lang="fr-FR" b="0" i="1" smtClean="0">
+                          <a:latin typeface="Cambria Math" panose="02040503050406030204" pitchFamily="18" charset="0"/>
+                        </a:rPr>
+                        <m:t>+</m:t>
+                      </m:r>
+                    </m:oMath>
+                  </m:oMathPara>
+                </a14:m>
+                <a:endParaRPr lang="fr-FR" dirty="0"/>
+              </a:p>
+            </p:txBody>
+          </p:sp>
+        </mc:Choice>
+        <mc:Fallback>
+          <p:sp>
+            <p:nvSpPr>
+              <p:cNvPr id="30" name="ZoneTexte 29"/>
+              <p:cNvSpPr txBox="1">
+                <a:spLocks noRot="1" noChangeAspect="1" noMove="1" noResize="1" noEditPoints="1" noAdjustHandles="1" noChangeArrowheads="1" noChangeShapeType="1" noTextEdit="1"/>
+              </p:cNvSpPr>
+              <p:nvPr/>
+            </p:nvSpPr>
+            <p:spPr>
+              <a:xfrm>
+                <a:off x="4481205" y="4063577"/>
+                <a:ext cx="226024" cy="276999"/>
+              </a:xfrm>
+              <a:prstGeom prst="rect">
+                <a:avLst/>
+              </a:prstGeom>
+              <a:blipFill rotWithShape="0">
+                <a:blip r:embed="rId16"/>
+                <a:stretch>
+                  <a:fillRect l="-21622" r="-21622" b="-6667"/>
+                </a:stretch>
+              </a:blipFill>
+            </p:spPr>
+            <p:txBody>
+              <a:bodyPr/>
+              <a:lstStyle/>
+              <a:p>
+                <a:r>
+                  <a:rPr lang="fr-FR">
+                    <a:noFill/>
+                  </a:rPr>
+                  <a:t> </a:t>
+                </a:r>
+              </a:p>
+            </p:txBody>
+          </p:sp>
+        </mc:Fallback>
+      </mc:AlternateContent>
+      <mc:AlternateContent xmlns:mc="http://schemas.openxmlformats.org/markup-compatibility/2006">
+        <mc:Choice xmlns:a14="http://schemas.microsoft.com/office/drawing/2010/main" Requires="a14">
+          <p:sp>
+            <p:nvSpPr>
+              <p:cNvPr id="31" name="ZoneTexte 30"/>
+              <p:cNvSpPr txBox="1"/>
+              <p:nvPr/>
+            </p:nvSpPr>
+            <p:spPr>
+              <a:xfrm>
+                <a:off x="4481205" y="4324034"/>
+                <a:ext cx="226024" cy="276999"/>
+              </a:xfrm>
+              <a:prstGeom prst="rect">
+                <a:avLst/>
+              </a:prstGeom>
+              <a:noFill/>
+            </p:spPr>
+            <p:txBody>
+              <a:bodyPr wrap="none" lIns="0" tIns="0" rIns="0" bIns="0" rtlCol="0">
+                <a:spAutoFit/>
+              </a:bodyPr>
+              <a:lstStyle/>
+              <a:p>
+                <a14:m>
+                  <m:oMathPara xmlns:m="http://schemas.openxmlformats.org/officeDocument/2006/math">
+                    <m:oMathParaPr>
+                      <m:jc m:val="centerGroup"/>
+                    </m:oMathParaPr>
+                    <m:oMath xmlns:m="http://schemas.openxmlformats.org/officeDocument/2006/math">
+                      <m:r>
+                        <a:rPr lang="fr-FR" b="0" i="1" smtClean="0">
+                          <a:latin typeface="Cambria Math" panose="02040503050406030204" pitchFamily="18" charset="0"/>
+                        </a:rPr>
+                        <m:t>+</m:t>
+                      </m:r>
+                    </m:oMath>
+                  </m:oMathPara>
+                </a14:m>
+                <a:endParaRPr lang="fr-FR" dirty="0"/>
+              </a:p>
+            </p:txBody>
+          </p:sp>
+        </mc:Choice>
+        <mc:Fallback>
+          <p:sp>
+            <p:nvSpPr>
+              <p:cNvPr id="31" name="ZoneTexte 30"/>
+              <p:cNvSpPr txBox="1">
+                <a:spLocks noRot="1" noChangeAspect="1" noMove="1" noResize="1" noEditPoints="1" noAdjustHandles="1" noChangeArrowheads="1" noChangeShapeType="1" noTextEdit="1"/>
+              </p:cNvSpPr>
+              <p:nvPr/>
+            </p:nvSpPr>
+            <p:spPr>
+              <a:xfrm>
+                <a:off x="4481205" y="4324034"/>
+                <a:ext cx="226024" cy="276999"/>
+              </a:xfrm>
+              <a:prstGeom prst="rect">
+                <a:avLst/>
+              </a:prstGeom>
+              <a:blipFill rotWithShape="0">
+                <a:blip r:embed="rId13"/>
+                <a:stretch>
+                  <a:fillRect l="-21622" r="-21622" b="-6522"/>
+                </a:stretch>
+              </a:blipFill>
+            </p:spPr>
+            <p:txBody>
+              <a:bodyPr/>
+              <a:lstStyle/>
+              <a:p>
+                <a:r>
+                  <a:rPr lang="fr-FR">
+                    <a:noFill/>
+                  </a:rPr>
+                  <a:t> </a:t>
+                </a:r>
+              </a:p>
+            </p:txBody>
+          </p:sp>
+        </mc:Fallback>
+      </mc:AlternateContent>
+      <mc:AlternateContent xmlns:mc="http://schemas.openxmlformats.org/markup-compatibility/2006">
+        <mc:Choice xmlns:a14="http://schemas.microsoft.com/office/drawing/2010/main" Requires="a14">
+          <p:sp>
+            <p:nvSpPr>
+              <p:cNvPr id="32" name="ZoneTexte 31"/>
+              <p:cNvSpPr txBox="1"/>
+              <p:nvPr/>
+            </p:nvSpPr>
+            <p:spPr>
+              <a:xfrm>
+                <a:off x="4481205" y="4609085"/>
+                <a:ext cx="226024" cy="276999"/>
+              </a:xfrm>
+              <a:prstGeom prst="rect">
+                <a:avLst/>
+              </a:prstGeom>
+              <a:noFill/>
+            </p:spPr>
+            <p:txBody>
+              <a:bodyPr wrap="none" lIns="0" tIns="0" rIns="0" bIns="0" rtlCol="0">
+                <a:spAutoFit/>
+              </a:bodyPr>
+              <a:lstStyle/>
+              <a:p>
+                <a14:m>
+                  <m:oMathPara xmlns:m="http://schemas.openxmlformats.org/officeDocument/2006/math">
+                    <m:oMathParaPr>
+                      <m:jc m:val="centerGroup"/>
+                    </m:oMathParaPr>
+                    <m:oMath xmlns:m="http://schemas.openxmlformats.org/officeDocument/2006/math">
+                      <m:r>
+                        <a:rPr lang="fr-FR" b="0" i="1" smtClean="0">
+                          <a:latin typeface="Cambria Math" panose="02040503050406030204" pitchFamily="18" charset="0"/>
+                        </a:rPr>
+                        <m:t>+</m:t>
+                      </m:r>
+                    </m:oMath>
+                  </m:oMathPara>
+                </a14:m>
+                <a:endParaRPr lang="fr-FR" dirty="0"/>
+              </a:p>
+            </p:txBody>
+          </p:sp>
+        </mc:Choice>
+        <mc:Fallback>
+          <p:sp>
+            <p:nvSpPr>
+              <p:cNvPr id="32" name="ZoneTexte 31"/>
+              <p:cNvSpPr txBox="1">
+                <a:spLocks noRot="1" noChangeAspect="1" noMove="1" noResize="1" noEditPoints="1" noAdjustHandles="1" noChangeArrowheads="1" noChangeShapeType="1" noTextEdit="1"/>
+              </p:cNvSpPr>
+              <p:nvPr/>
+            </p:nvSpPr>
+            <p:spPr>
+              <a:xfrm>
+                <a:off x="4481205" y="4609085"/>
+                <a:ext cx="226024" cy="276999"/>
+              </a:xfrm>
+              <a:prstGeom prst="rect">
+                <a:avLst/>
+              </a:prstGeom>
+              <a:blipFill rotWithShape="0">
+                <a:blip r:embed="rId14"/>
+                <a:stretch>
+                  <a:fillRect l="-21622" r="-21622" b="-6522"/>
+                </a:stretch>
+              </a:blipFill>
+            </p:spPr>
+            <p:txBody>
+              <a:bodyPr/>
+              <a:lstStyle/>
+              <a:p>
+                <a:r>
+                  <a:rPr lang="fr-FR">
+                    <a:noFill/>
+                  </a:rPr>
+                  <a:t> </a:t>
+                </a:r>
+              </a:p>
+            </p:txBody>
+          </p:sp>
+        </mc:Fallback>
+      </mc:AlternateContent>
+      <mc:AlternateContent xmlns:mc="http://schemas.openxmlformats.org/markup-compatibility/2006">
+        <mc:Choice xmlns:a14="http://schemas.microsoft.com/office/drawing/2010/main" Requires="a14">
+          <p:sp>
+            <p:nvSpPr>
+              <p:cNvPr id="33" name="ZoneTexte 32"/>
+              <p:cNvSpPr txBox="1"/>
+              <p:nvPr/>
+            </p:nvSpPr>
+            <p:spPr>
+              <a:xfrm>
+                <a:off x="4481205" y="4850446"/>
+                <a:ext cx="226024" cy="276999"/>
+              </a:xfrm>
+              <a:prstGeom prst="rect">
+                <a:avLst/>
+              </a:prstGeom>
+              <a:noFill/>
+            </p:spPr>
+            <p:txBody>
+              <a:bodyPr wrap="none" lIns="0" tIns="0" rIns="0" bIns="0" rtlCol="0">
+                <a:spAutoFit/>
+              </a:bodyPr>
+              <a:lstStyle/>
+              <a:p>
+                <a14:m>
+                  <m:oMathPara xmlns:m="http://schemas.openxmlformats.org/officeDocument/2006/math">
+                    <m:oMathParaPr>
+                      <m:jc m:val="centerGroup"/>
+                    </m:oMathParaPr>
+                    <m:oMath xmlns:m="http://schemas.openxmlformats.org/officeDocument/2006/math">
+                      <m:r>
+                        <a:rPr lang="fr-FR" b="0" i="1" smtClean="0">
+                          <a:latin typeface="Cambria Math" panose="02040503050406030204" pitchFamily="18" charset="0"/>
+                        </a:rPr>
+                        <m:t>+</m:t>
+                      </m:r>
+                    </m:oMath>
+                  </m:oMathPara>
+                </a14:m>
+                <a:endParaRPr lang="fr-FR" dirty="0"/>
+              </a:p>
+            </p:txBody>
+          </p:sp>
+        </mc:Choice>
+        <mc:Fallback>
+          <p:sp>
+            <p:nvSpPr>
+              <p:cNvPr id="33" name="ZoneTexte 32"/>
+              <p:cNvSpPr txBox="1">
+                <a:spLocks noRot="1" noChangeAspect="1" noMove="1" noResize="1" noEditPoints="1" noAdjustHandles="1" noChangeArrowheads="1" noChangeShapeType="1" noTextEdit="1"/>
+              </p:cNvSpPr>
+              <p:nvPr/>
+            </p:nvSpPr>
+            <p:spPr>
+              <a:xfrm>
+                <a:off x="4481205" y="4850446"/>
+                <a:ext cx="226024" cy="276999"/>
+              </a:xfrm>
+              <a:prstGeom prst="rect">
+                <a:avLst/>
+              </a:prstGeom>
+              <a:blipFill rotWithShape="0">
+                <a:blip r:embed="rId7"/>
+                <a:stretch>
+                  <a:fillRect l="-21622" r="-21622" b="-6667"/>
+                </a:stretch>
+              </a:blipFill>
+            </p:spPr>
+            <p:txBody>
+              <a:bodyPr/>
+              <a:lstStyle/>
+              <a:p>
+                <a:r>
+                  <a:rPr lang="fr-FR">
+                    <a:noFill/>
+                  </a:rPr>
+                  <a:t> </a:t>
+                </a:r>
+              </a:p>
+            </p:txBody>
+          </p:sp>
+        </mc:Fallback>
+      </mc:AlternateContent>
+      <p:grpSp>
+        <p:nvGrpSpPr>
+          <p:cNvPr id="40" name="Groupe 39"/>
+          <p:cNvGrpSpPr/>
+          <p:nvPr/>
+        </p:nvGrpSpPr>
+        <p:grpSpPr>
+          <a:xfrm>
+            <a:off x="4981617" y="1876393"/>
+            <a:ext cx="609600" cy="2707477"/>
+            <a:chOff x="4981617" y="1876393"/>
+            <a:chExt cx="609600" cy="2707477"/>
+          </a:xfrm>
+        </p:grpSpPr>
+        <p:sp>
+          <p:nvSpPr>
+            <p:cNvPr id="36" name="Arc 35"/>
+            <p:cNvSpPr/>
+            <p:nvPr/>
+          </p:nvSpPr>
+          <p:spPr>
+            <a:xfrm flipH="1">
+              <a:off x="4981617" y="1931230"/>
+              <a:ext cx="609600" cy="2652640"/>
+            </a:xfrm>
+            <a:prstGeom prst="arc">
+              <a:avLst/>
+            </a:prstGeom>
+            <a:ln w="38100">
+              <a:solidFill>
+                <a:schemeClr val="accent4"/>
+              </a:solidFill>
+            </a:ln>
+          </p:spPr>
+          <p:style>
+            <a:lnRef idx="1">
+              <a:schemeClr val="accent1"/>
+            </a:lnRef>
+            <a:fillRef idx="0">
+              <a:schemeClr val="accent1"/>
+            </a:fillRef>
+            <a:effectRef idx="0">
+              <a:schemeClr val="accent1"/>
+            </a:effectRef>
+            <a:fontRef idx="minor">
+              <a:schemeClr val="tx1"/>
+            </a:fontRef>
+          </p:style>
+          <p:txBody>
+            <a:bodyPr rtlCol="0" anchor="ctr"/>
+            <a:lstStyle/>
+            <a:p>
+              <a:pPr algn="ctr"/>
+              <a:endParaRPr lang="fr-FR"/>
+            </a:p>
+          </p:txBody>
+        </p:sp>
+        <p:cxnSp>
+          <p:nvCxnSpPr>
+            <p:cNvPr id="39" name="Connecteur droit avec flèche 38"/>
+            <p:cNvCxnSpPr/>
+            <p:nvPr/>
+          </p:nvCxnSpPr>
+          <p:spPr>
+            <a:xfrm flipV="1">
+              <a:off x="5239377" y="1876393"/>
+              <a:ext cx="72000" cy="72000"/>
+            </a:xfrm>
+            <a:prstGeom prst="straightConnector1">
+              <a:avLst/>
+            </a:prstGeom>
+            <a:ln w="38100">
+              <a:solidFill>
+                <a:schemeClr val="accent4"/>
+              </a:solidFill>
+              <a:tailEnd type="triangle"/>
+            </a:ln>
+          </p:spPr>
+          <p:style>
+            <a:lnRef idx="1">
+              <a:schemeClr val="accent1"/>
+            </a:lnRef>
+            <a:fillRef idx="0">
+              <a:schemeClr val="accent1"/>
+            </a:fillRef>
+            <a:effectRef idx="0">
+              <a:schemeClr val="accent1"/>
+            </a:effectRef>
+            <a:fontRef idx="minor">
+              <a:schemeClr val="tx1"/>
+            </a:fontRef>
+          </p:style>
+        </p:cxnSp>
+      </p:grpSp>
+      <p:grpSp>
+        <p:nvGrpSpPr>
+          <p:cNvPr id="41" name="Groupe 40"/>
+          <p:cNvGrpSpPr/>
+          <p:nvPr/>
+        </p:nvGrpSpPr>
+        <p:grpSpPr>
+          <a:xfrm flipV="1">
+            <a:off x="4981617" y="1942017"/>
+            <a:ext cx="609600" cy="2707477"/>
+            <a:chOff x="4981617" y="1876393"/>
+            <a:chExt cx="609600" cy="2707477"/>
+          </a:xfrm>
+        </p:grpSpPr>
+        <p:sp>
+          <p:nvSpPr>
+            <p:cNvPr id="42" name="Arc 41"/>
+            <p:cNvSpPr/>
+            <p:nvPr/>
+          </p:nvSpPr>
+          <p:spPr>
+            <a:xfrm flipH="1">
+              <a:off x="4981617" y="1931230"/>
+              <a:ext cx="609600" cy="2652640"/>
+            </a:xfrm>
+            <a:prstGeom prst="arc">
+              <a:avLst/>
+            </a:prstGeom>
+            <a:ln w="38100">
+              <a:solidFill>
+                <a:schemeClr val="accent4"/>
+              </a:solidFill>
+            </a:ln>
+          </p:spPr>
+          <p:style>
+            <a:lnRef idx="1">
+              <a:schemeClr val="accent1"/>
+            </a:lnRef>
+            <a:fillRef idx="0">
+              <a:schemeClr val="accent1"/>
+            </a:fillRef>
+            <a:effectRef idx="0">
+              <a:schemeClr val="accent1"/>
+            </a:effectRef>
+            <a:fontRef idx="minor">
+              <a:schemeClr val="tx1"/>
+            </a:fontRef>
+          </p:style>
+          <p:txBody>
+            <a:bodyPr rtlCol="0" anchor="ctr"/>
+            <a:lstStyle/>
+            <a:p>
+              <a:pPr algn="ctr"/>
+              <a:endParaRPr lang="fr-FR"/>
+            </a:p>
+          </p:txBody>
+        </p:sp>
+        <p:cxnSp>
+          <p:nvCxnSpPr>
+            <p:cNvPr id="43" name="Connecteur droit avec flèche 42"/>
+            <p:cNvCxnSpPr/>
+            <p:nvPr/>
+          </p:nvCxnSpPr>
+          <p:spPr>
+            <a:xfrm flipV="1">
+              <a:off x="5239377" y="1876393"/>
+              <a:ext cx="72000" cy="72000"/>
+            </a:xfrm>
+            <a:prstGeom prst="straightConnector1">
+              <a:avLst/>
+            </a:prstGeom>
+            <a:ln w="38100">
+              <a:solidFill>
+                <a:schemeClr val="accent4"/>
+              </a:solidFill>
+              <a:tailEnd type="triangle"/>
+            </a:ln>
+          </p:spPr>
+          <p:style>
+            <a:lnRef idx="1">
+              <a:schemeClr val="accent1"/>
+            </a:lnRef>
+            <a:fillRef idx="0">
+              <a:schemeClr val="accent1"/>
+            </a:fillRef>
+            <a:effectRef idx="0">
+              <a:schemeClr val="accent1"/>
+            </a:effectRef>
+            <a:fontRef idx="minor">
+              <a:schemeClr val="tx1"/>
+            </a:fontRef>
+          </p:style>
+        </p:cxnSp>
+      </p:grpSp>
+    </p:spTree>
+    <p:extLst>
+      <p:ext uri="{BB962C8B-B14F-4D97-AF65-F5344CB8AC3E}">
+        <p14:creationId xmlns:p14="http://schemas.microsoft.com/office/powerpoint/2010/main" val="2368982179"/>
+      </p:ext>
+    </p:extLst>
+  </p:cSld>
+  <p:clrMapOvr>
+    <a:masterClrMapping/>
+  </p:clrMapOvr>
   <mc:AlternateContent xmlns:mc="http://schemas.openxmlformats.org/markup-compatibility/2006">
     <mc:Choice xmlns:p14="http://schemas.microsoft.com/office/powerpoint/2010/main" Requires="p14">
-      <p:transition p14:dur="0"/>
+      <p:transition p14:dur="10"/>
     </mc:Choice>
     <mc:Fallback>
       <p:transition/>
